--- a/Introductiongit.pptx
+++ b/Introductiongit.pptx
@@ -5,22 +5,39 @@
     <p:sldMasterId id="2147483648" r:id="rId1"/>
   </p:sldMasterIdLst>
   <p:notesMasterIdLst>
-    <p:notesMasterId r:id="rId15"/>
+    <p:notesMasterId r:id="rId32"/>
   </p:notesMasterIdLst>
   <p:sldIdLst>
     <p:sldId id="256" r:id="rId2"/>
-    <p:sldId id="257" r:id="rId3"/>
-    <p:sldId id="258" r:id="rId4"/>
-    <p:sldId id="259" r:id="rId5"/>
-    <p:sldId id="260" r:id="rId6"/>
-    <p:sldId id="261" r:id="rId7"/>
-    <p:sldId id="262" r:id="rId8"/>
-    <p:sldId id="268" r:id="rId9"/>
-    <p:sldId id="263" r:id="rId10"/>
-    <p:sldId id="264" r:id="rId11"/>
-    <p:sldId id="265" r:id="rId12"/>
-    <p:sldId id="266" r:id="rId13"/>
-    <p:sldId id="267" r:id="rId14"/>
+    <p:sldId id="269" r:id="rId3"/>
+    <p:sldId id="257" r:id="rId4"/>
+    <p:sldId id="258" r:id="rId5"/>
+    <p:sldId id="259" r:id="rId6"/>
+    <p:sldId id="260" r:id="rId7"/>
+    <p:sldId id="261" r:id="rId8"/>
+    <p:sldId id="262" r:id="rId9"/>
+    <p:sldId id="268" r:id="rId10"/>
+    <p:sldId id="263" r:id="rId11"/>
+    <p:sldId id="264" r:id="rId12"/>
+    <p:sldId id="265" r:id="rId13"/>
+    <p:sldId id="266" r:id="rId14"/>
+    <p:sldId id="267" r:id="rId15"/>
+    <p:sldId id="270" r:id="rId16"/>
+    <p:sldId id="271" r:id="rId17"/>
+    <p:sldId id="272" r:id="rId18"/>
+    <p:sldId id="273" r:id="rId19"/>
+    <p:sldId id="274" r:id="rId20"/>
+    <p:sldId id="275" r:id="rId21"/>
+    <p:sldId id="276" r:id="rId22"/>
+    <p:sldId id="277" r:id="rId23"/>
+    <p:sldId id="278" r:id="rId24"/>
+    <p:sldId id="279" r:id="rId25"/>
+    <p:sldId id="280" r:id="rId26"/>
+    <p:sldId id="281" r:id="rId27"/>
+    <p:sldId id="282" r:id="rId28"/>
+    <p:sldId id="283" r:id="rId29"/>
+    <p:sldId id="284" r:id="rId30"/>
+    <p:sldId id="285" r:id="rId31"/>
   </p:sldIdLst>
   <p:sldSz cx="9144000" cy="6858000" type="screen4x3"/>
   <p:notesSz cx="6858000" cy="9144000"/>
@@ -204,6 +221,7 @@
           <a:p>
             <a:fld id="{E0FE3EDC-1801-44E6-AFF7-1C8FCE3661DA}" type="datetimeFigureOut">
               <a:rPr lang="en-US" smtClean="0"/>
+              <a:pPr/>
               <a:t>07-Aug-15</a:t>
             </a:fld>
             <a:endParaRPr lang="en-US"/>
@@ -365,6 +383,7 @@
           <a:p>
             <a:fld id="{7530AAAB-45B5-4A2A-A72F-6E60C31DB631}" type="slidenum">
               <a:rPr lang="en-US" smtClean="0"/>
+              <a:pPr/>
               <a:t>‹#›</a:t>
             </a:fld>
             <a:endParaRPr lang="en-US"/>
@@ -536,6 +555,7 @@
           <a:p>
             <a:fld id="{7530AAAB-45B5-4A2A-A72F-6E60C31DB631}" type="slidenum">
               <a:rPr lang="en-US" smtClean="0"/>
+              <a:pPr/>
               <a:t>1</a:t>
             </a:fld>
             <a:endParaRPr lang="en-US"/>
@@ -3523,7 +3543,7 @@
         </p:nvSpPr>
         <p:spPr>
           <a:xfrm>
-            <a:off x="0" y="990600"/>
+            <a:off x="0" y="685800"/>
             <a:ext cx="9144000" cy="1752600"/>
           </a:xfrm>
         </p:spPr>
@@ -3562,18 +3582,7 @@
                   </a:schemeClr>
                 </a:solidFill>
               </a:rPr>
-              <a:t>Beginner </a:t>
-            </a:r>
-            <a:r>
-              <a:rPr lang="en-US" sz="7300" b="1" dirty="0" smtClean="0">
-                <a:solidFill>
-                  <a:schemeClr val="tx1">
-                    <a:lumMod val="65000"/>
-                    <a:lumOff val="35000"/>
-                  </a:schemeClr>
-                </a:solidFill>
-              </a:rPr>
-              <a:t>Guide</a:t>
+              <a:t>Beginner Guide</a:t>
             </a:r>
             <a:br>
               <a:rPr lang="en-US" sz="7300" b="1" dirty="0" smtClean="0">
@@ -3616,7 +3625,7 @@
         <p:spPr>
           <a:xfrm>
             <a:off x="0" y="2819400"/>
-            <a:ext cx="9144000" cy="1107996"/>
+            <a:ext cx="9144000" cy="3539430"/>
           </a:xfrm>
           <a:prstGeom prst="rect">
             <a:avLst/>
@@ -3643,11 +3652,63 @@
           <a:lstStyle/>
           <a:p>
             <a:r>
-              <a:rPr lang="en-US" sz="6600" b="1" dirty="0" smtClean="0"/>
+              <a:rPr lang="en-US" sz="7200" b="1" dirty="0" smtClean="0"/>
               <a:t>	      </a:t>
             </a:r>
-            <a:r>
-              <a:rPr lang="en-US" sz="6600" b="1" dirty="0" err="1" smtClean="0">
+            <a:endParaRPr lang="en-US" sz="7200" b="1" dirty="0" smtClean="0"/>
+          </a:p>
+          <a:p>
+            <a:endParaRPr lang="en-US" sz="7200" b="1" dirty="0" smtClean="0">
+              <a:ln w="10541" cmpd="sng">
+                <a:solidFill>
+                  <a:schemeClr val="accent1">
+                    <a:shade val="88000"/>
+                    <a:satMod val="110000"/>
+                  </a:schemeClr>
+                </a:solidFill>
+                <a:prstDash val="solid"/>
+              </a:ln>
+              <a:gradFill>
+                <a:gsLst>
+                  <a:gs pos="0">
+                    <a:schemeClr val="accent1">
+                      <a:tint val="40000"/>
+                      <a:satMod val="250000"/>
+                    </a:schemeClr>
+                  </a:gs>
+                  <a:gs pos="9000">
+                    <a:schemeClr val="accent1">
+                      <a:tint val="52000"/>
+                      <a:satMod val="300000"/>
+                    </a:schemeClr>
+                  </a:gs>
+                  <a:gs pos="50000">
+                    <a:schemeClr val="accent1">
+                      <a:shade val="20000"/>
+                      <a:satMod val="300000"/>
+                    </a:schemeClr>
+                  </a:gs>
+                  <a:gs pos="79000">
+                    <a:schemeClr val="accent1">
+                      <a:tint val="52000"/>
+                      <a:satMod val="300000"/>
+                    </a:schemeClr>
+                  </a:gs>
+                  <a:gs pos="100000">
+                    <a:schemeClr val="accent1">
+                      <a:tint val="40000"/>
+                      <a:satMod val="250000"/>
+                    </a:schemeClr>
+                  </a:gs>
+                </a:gsLst>
+                <a:lin ang="5400000"/>
+              </a:gradFill>
+            </a:endParaRPr>
+          </a:p>
+          <a:p>
+            <a:pPr algn="ctr"/>
+            <a:r>
+              <a:rPr lang="en-US" sz="6000" b="1" dirty="0" err="1" smtClean="0">
                 <a:ln w="10541" cmpd="sng">
                   <a:solidFill>
                     <a:schemeClr val="accent1">
@@ -3696,7 +3757,7 @@
               <a:t>Git</a:t>
             </a:r>
             <a:r>
-              <a:rPr lang="en-US" sz="6600" b="1" dirty="0" smtClean="0">
+              <a:rPr lang="en-US" sz="6000" b="1" dirty="0" smtClean="0">
                 <a:ln w="10541" cmpd="sng">
                   <a:solidFill>
                     <a:schemeClr val="accent1">
@@ -3745,7 +3806,7 @@
               <a:t> and </a:t>
             </a:r>
             <a:r>
-              <a:rPr lang="en-US" sz="6600" b="1" dirty="0" err="1" smtClean="0">
+              <a:rPr lang="en-US" sz="6000" b="1" dirty="0" err="1" smtClean="0">
                 <a:ln w="10541" cmpd="sng">
                   <a:solidFill>
                     <a:schemeClr val="accent1">
@@ -3794,7 +3855,7 @@
               <a:t>GitHub</a:t>
             </a:r>
             <a:r>
-              <a:rPr lang="en-US" sz="6600" b="1" dirty="0" smtClean="0">
+              <a:rPr lang="en-US" sz="7200" b="1" dirty="0" smtClean="0">
                 <a:ln w="10541" cmpd="sng">
                   <a:solidFill>
                     <a:schemeClr val="accent1">
@@ -3843,13 +3904,65 @@
               <a:t> </a:t>
             </a:r>
             <a:r>
-              <a:rPr lang="en-US" sz="6600" b="1" dirty="0" smtClean="0"/>
+              <a:rPr lang="en-US" sz="7200" b="1" dirty="0" smtClean="0"/>
               <a:t> </a:t>
             </a:r>
-            <a:endParaRPr lang="en-US" b="1" dirty="0"/>
-          </a:p>
-        </p:txBody>
-      </p:sp>
+            <a:endParaRPr lang="en-US" sz="2000" b="1" dirty="0"/>
+          </a:p>
+        </p:txBody>
+      </p:sp>
+      <p:pic>
+        <p:nvPicPr>
+          <p:cNvPr id="1026" name="Picture 2" descr="C:\Users\user pc\Downloads\images.png"/>
+          <p:cNvPicPr>
+            <a:picLocks noChangeAspect="1" noChangeArrowheads="1"/>
+          </p:cNvPicPr>
+          <p:nvPr/>
+        </p:nvPicPr>
+        <p:blipFill>
+          <a:blip r:embed="rId3"/>
+          <a:srcRect/>
+          <a:stretch>
+            <a:fillRect/>
+          </a:stretch>
+        </p:blipFill>
+        <p:spPr bwMode="auto">
+          <a:xfrm>
+            <a:off x="381000" y="3198019"/>
+            <a:ext cx="2971800" cy="1450181"/>
+          </a:xfrm>
+          <a:prstGeom prst="rect">
+            <a:avLst/>
+          </a:prstGeom>
+          <a:noFill/>
+        </p:spPr>
+      </p:pic>
+      <p:pic>
+        <p:nvPicPr>
+          <p:cNvPr id="1027" name="Picture 3" descr="C:\Users\user pc\Downloads\Octocat.png"/>
+          <p:cNvPicPr>
+            <a:picLocks noChangeAspect="1" noChangeArrowheads="1"/>
+          </p:cNvPicPr>
+          <p:nvPr/>
+        </p:nvPicPr>
+        <p:blipFill>
+          <a:blip r:embed="rId4"/>
+          <a:srcRect/>
+          <a:stretch>
+            <a:fillRect/>
+          </a:stretch>
+        </p:blipFill>
+        <p:spPr bwMode="auto">
+          <a:xfrm>
+            <a:off x="6248400" y="2971800"/>
+            <a:ext cx="2362200" cy="2057400"/>
+          </a:xfrm>
+          <a:prstGeom prst="rect">
+            <a:avLst/>
+          </a:prstGeom>
+          <a:noFill/>
+        </p:spPr>
+      </p:pic>
     </p:spTree>
   </p:cSld>
   <p:clrMapOvr>
@@ -3884,14 +3997,14 @@
       </p:grpSpPr>
       <p:sp>
         <p:nvSpPr>
-          <p:cNvPr id="2" name="Rectangle 1"/>
-          <p:cNvSpPr/>
+          <p:cNvPr id="3" name="TextBox 2"/>
+          <p:cNvSpPr txBox="1"/>
           <p:nvPr/>
         </p:nvSpPr>
         <p:spPr>
           <a:xfrm>
-            <a:off x="685800" y="1114961"/>
-            <a:ext cx="8610600" cy="1323439"/>
+            <a:off x="228600" y="1371600"/>
+            <a:ext cx="8534400" cy="1569660"/>
           </a:xfrm>
           <a:prstGeom prst="rect">
             <a:avLst/>
@@ -3912,191 +4025,61 @@
           </a:fontRef>
         </p:style>
         <p:txBody>
-          <a:bodyPr wrap="square">
+          <a:bodyPr wrap="square" rtlCol="0">
             <a:spAutoFit/>
           </a:bodyPr>
           <a:lstStyle/>
           <a:p>
-            <a:r>
-              <a:rPr lang="en-US" sz="4400" dirty="0" smtClean="0"/>
-              <a:t>-&gt; </a:t>
-            </a:r>
-            <a:r>
-              <a:rPr lang="en-US" sz="4400" b="1" dirty="0" smtClean="0">
-                <a:ln w="10541" cmpd="sng">
-                  <a:solidFill>
-                    <a:schemeClr val="accent1">
-                      <a:shade val="88000"/>
-                      <a:satMod val="110000"/>
-                    </a:schemeClr>
-                  </a:solidFill>
-                  <a:prstDash val="solid"/>
-                </a:ln>
-                <a:gradFill>
-                  <a:gsLst>
-                    <a:gs pos="0">
-                      <a:schemeClr val="accent1">
-                        <a:tint val="40000"/>
-                        <a:satMod val="250000"/>
-                      </a:schemeClr>
-                    </a:gs>
-                    <a:gs pos="9000">
-                      <a:schemeClr val="accent1">
-                        <a:tint val="52000"/>
-                        <a:satMod val="300000"/>
-                      </a:schemeClr>
-                    </a:gs>
-                    <a:gs pos="50000">
-                      <a:schemeClr val="accent1">
-                        <a:shade val="20000"/>
-                        <a:satMod val="300000"/>
-                      </a:schemeClr>
-                    </a:gs>
-                    <a:gs pos="79000">
-                      <a:schemeClr val="accent1">
-                        <a:tint val="52000"/>
-                        <a:satMod val="300000"/>
-                      </a:schemeClr>
-                    </a:gs>
-                    <a:gs pos="100000">
-                      <a:schemeClr val="accent1">
-                        <a:tint val="40000"/>
-                        <a:satMod val="250000"/>
-                      </a:schemeClr>
-                    </a:gs>
-                  </a:gsLst>
-                  <a:lin ang="5400000"/>
-                </a:gradFill>
-              </a:rPr>
-              <a:t>$ </a:t>
-            </a:r>
-            <a:r>
-              <a:rPr lang="en-US" sz="4400" b="1" dirty="0" err="1" smtClean="0">
-                <a:ln w="10541" cmpd="sng">
-                  <a:solidFill>
-                    <a:schemeClr val="accent1">
-                      <a:shade val="88000"/>
-                      <a:satMod val="110000"/>
-                    </a:schemeClr>
-                  </a:solidFill>
-                  <a:prstDash val="solid"/>
-                </a:ln>
-                <a:gradFill>
-                  <a:gsLst>
-                    <a:gs pos="0">
-                      <a:schemeClr val="accent1">
-                        <a:tint val="40000"/>
-                        <a:satMod val="250000"/>
-                      </a:schemeClr>
-                    </a:gs>
-                    <a:gs pos="9000">
-                      <a:schemeClr val="accent1">
-                        <a:tint val="52000"/>
-                        <a:satMod val="300000"/>
-                      </a:schemeClr>
-                    </a:gs>
-                    <a:gs pos="50000">
-                      <a:schemeClr val="accent1">
-                        <a:shade val="20000"/>
-                        <a:satMod val="300000"/>
-                      </a:schemeClr>
-                    </a:gs>
-                    <a:gs pos="79000">
-                      <a:schemeClr val="accent1">
-                        <a:tint val="52000"/>
-                        <a:satMod val="300000"/>
-                      </a:schemeClr>
-                    </a:gs>
-                    <a:gs pos="100000">
-                      <a:schemeClr val="accent1">
-                        <a:tint val="40000"/>
-                        <a:satMod val="250000"/>
-                      </a:schemeClr>
-                    </a:gs>
-                  </a:gsLst>
-                  <a:lin ang="5400000"/>
-                </a:gradFill>
-              </a:rPr>
+            <a:pPr lvl="1"/>
+            <a:r>
+              <a:rPr lang="en-US" sz="4800" dirty="0" smtClean="0"/>
+              <a:t>-&gt; $ </a:t>
+            </a:r>
+            <a:r>
+              <a:rPr lang="en-US" sz="4800" dirty="0" err="1" smtClean="0"/>
               <a:t>git</a:t>
             </a:r>
             <a:r>
-              <a:rPr lang="en-US" sz="4400" b="1" dirty="0" smtClean="0">
-                <a:ln w="10541" cmpd="sng">
-                  <a:solidFill>
-                    <a:schemeClr val="accent1">
-                      <a:shade val="88000"/>
-                      <a:satMod val="110000"/>
-                    </a:schemeClr>
-                  </a:solidFill>
-                  <a:prstDash val="solid"/>
-                </a:ln>
-                <a:gradFill>
-                  <a:gsLst>
-                    <a:gs pos="0">
-                      <a:schemeClr val="accent1">
-                        <a:tint val="40000"/>
-                        <a:satMod val="250000"/>
-                      </a:schemeClr>
-                    </a:gs>
-                    <a:gs pos="9000">
-                      <a:schemeClr val="accent1">
-                        <a:tint val="52000"/>
-                        <a:satMod val="300000"/>
-                      </a:schemeClr>
-                    </a:gs>
-                    <a:gs pos="50000">
-                      <a:schemeClr val="accent1">
-                        <a:shade val="20000"/>
-                        <a:satMod val="300000"/>
-                      </a:schemeClr>
-                    </a:gs>
-                    <a:gs pos="79000">
-                      <a:schemeClr val="accent1">
-                        <a:tint val="52000"/>
-                        <a:satMod val="300000"/>
-                      </a:schemeClr>
-                    </a:gs>
-                    <a:gs pos="100000">
-                      <a:schemeClr val="accent1">
-                        <a:tint val="40000"/>
-                        <a:satMod val="250000"/>
-                      </a:schemeClr>
-                    </a:gs>
-                  </a:gsLst>
-                  <a:lin ang="5400000"/>
-                </a:gradFill>
-              </a:rPr>
-              <a:t>  Status </a:t>
-            </a:r>
-            <a:r>
-              <a:rPr lang="en-US" sz="4000" dirty="0" smtClean="0"/>
+              <a:rPr lang="en-US" sz="4800" dirty="0" smtClean="0"/>
+              <a:t>  add </a:t>
+            </a:r>
+            <a:r>
+              <a:rPr lang="en-US" sz="4800" dirty="0" err="1" smtClean="0"/>
+              <a:t>filename.extension</a:t>
+            </a:r>
+            <a:r>
+              <a:rPr lang="en-US" sz="4800" dirty="0" smtClean="0"/>
               <a:t/>
             </a:r>
             <a:br>
-              <a:rPr lang="en-US" sz="4000" dirty="0" smtClean="0"/>
+              <a:rPr lang="en-US" sz="4800" dirty="0" smtClean="0"/>
             </a:br>
             <a:r>
-              <a:rPr lang="en-US" sz="2400" dirty="0" smtClean="0"/>
-              <a:t>(to view current status ) </a:t>
-            </a:r>
-            <a:r>
-              <a:rPr lang="en-US" sz="3600" dirty="0" smtClean="0"/>
-              <a:t>     </a:t>
-            </a:r>
-            <a:endParaRPr lang="en-US" sz="4000" dirty="0"/>
-          </a:p>
-        </p:txBody>
-      </p:sp>
-      <p:sp>
-        <p:nvSpPr>
-          <p:cNvPr id="3" name="Rectangle 2"/>
+              <a:rPr lang="en-US" sz="4800" dirty="0" smtClean="0"/>
+              <a:t> Like : -&gt; $ </a:t>
+            </a:r>
+            <a:r>
+              <a:rPr lang="en-US" sz="4800" dirty="0" err="1" smtClean="0"/>
+              <a:t>git</a:t>
+            </a:r>
+            <a:r>
+              <a:rPr lang="en-US" sz="4800" dirty="0" smtClean="0"/>
+              <a:t> add main.txt </a:t>
+            </a:r>
+            <a:endParaRPr lang="en-US" sz="2000" dirty="0"/>
+          </a:p>
+        </p:txBody>
+      </p:sp>
+      <p:sp>
+        <p:nvSpPr>
+          <p:cNvPr id="5" name="Rectangle 4"/>
           <p:cNvSpPr/>
           <p:nvPr/>
         </p:nvSpPr>
         <p:spPr>
           <a:xfrm>
-            <a:off x="685800" y="4114800"/>
-            <a:ext cx="8458200" cy="1077218"/>
+            <a:off x="533400" y="3581400"/>
+            <a:ext cx="7772400" cy="1015663"/>
           </a:xfrm>
           <a:prstGeom prst="rect">
             <a:avLst/>
@@ -4123,185 +4106,39 @@
           <a:lstStyle/>
           <a:p>
             <a:r>
-              <a:rPr lang="en-US" sz="3600" dirty="0" smtClean="0"/>
-              <a:t>-&gt; </a:t>
-            </a:r>
-            <a:r>
-              <a:rPr lang="en-US" sz="3600" b="1" dirty="0" smtClean="0">
-                <a:ln w="10541" cmpd="sng">
-                  <a:solidFill>
-                    <a:schemeClr val="accent1">
-                      <a:shade val="88000"/>
-                      <a:satMod val="110000"/>
-                    </a:schemeClr>
-                  </a:solidFill>
-                  <a:prstDash val="solid"/>
-                </a:ln>
-                <a:gradFill>
-                  <a:gsLst>
-                    <a:gs pos="0">
-                      <a:schemeClr val="accent1">
-                        <a:tint val="40000"/>
-                        <a:satMod val="250000"/>
-                      </a:schemeClr>
-                    </a:gs>
-                    <a:gs pos="9000">
-                      <a:schemeClr val="accent1">
-                        <a:tint val="52000"/>
-                        <a:satMod val="300000"/>
-                      </a:schemeClr>
-                    </a:gs>
-                    <a:gs pos="50000">
-                      <a:schemeClr val="accent1">
-                        <a:shade val="20000"/>
-                        <a:satMod val="300000"/>
-                      </a:schemeClr>
-                    </a:gs>
-                    <a:gs pos="79000">
-                      <a:schemeClr val="accent1">
-                        <a:tint val="52000"/>
-                        <a:satMod val="300000"/>
-                      </a:schemeClr>
-                    </a:gs>
-                    <a:gs pos="100000">
-                      <a:schemeClr val="accent1">
-                        <a:tint val="40000"/>
-                        <a:satMod val="250000"/>
-                      </a:schemeClr>
-                    </a:gs>
-                  </a:gsLst>
-                  <a:lin ang="5400000"/>
-                </a:gradFill>
-              </a:rPr>
-              <a:t>$ </a:t>
-            </a:r>
-            <a:r>
-              <a:rPr lang="en-US" sz="3600" b="1" dirty="0" err="1" smtClean="0">
-                <a:ln w="10541" cmpd="sng">
-                  <a:solidFill>
-                    <a:schemeClr val="accent1">
-                      <a:shade val="88000"/>
-                      <a:satMod val="110000"/>
-                    </a:schemeClr>
-                  </a:solidFill>
-                  <a:prstDash val="solid"/>
-                </a:ln>
-                <a:gradFill>
-                  <a:gsLst>
-                    <a:gs pos="0">
-                      <a:schemeClr val="accent1">
-                        <a:tint val="40000"/>
-                        <a:satMod val="250000"/>
-                      </a:schemeClr>
-                    </a:gs>
-                    <a:gs pos="9000">
-                      <a:schemeClr val="accent1">
-                        <a:tint val="52000"/>
-                        <a:satMod val="300000"/>
-                      </a:schemeClr>
-                    </a:gs>
-                    <a:gs pos="50000">
-                      <a:schemeClr val="accent1">
-                        <a:shade val="20000"/>
-                        <a:satMod val="300000"/>
-                      </a:schemeClr>
-                    </a:gs>
-                    <a:gs pos="79000">
-                      <a:schemeClr val="accent1">
-                        <a:tint val="52000"/>
-                        <a:satMod val="300000"/>
-                      </a:schemeClr>
-                    </a:gs>
-                    <a:gs pos="100000">
-                      <a:schemeClr val="accent1">
-                        <a:tint val="40000"/>
-                        <a:satMod val="250000"/>
-                      </a:schemeClr>
-                    </a:gs>
-                  </a:gsLst>
-                  <a:lin ang="5400000"/>
-                </a:gradFill>
-              </a:rPr>
+              <a:rPr lang="en-US" sz="6000" dirty="0" smtClean="0"/>
+              <a:t>	    -&gt; $ </a:t>
+            </a:r>
+            <a:r>
+              <a:rPr lang="en-US" sz="6000" dirty="0" err="1" smtClean="0"/>
               <a:t>git</a:t>
             </a:r>
             <a:r>
-              <a:rPr lang="en-US" sz="3600" b="1" dirty="0" smtClean="0">
-                <a:ln w="10541" cmpd="sng">
-                  <a:solidFill>
-                    <a:schemeClr val="accent1">
-                      <a:shade val="88000"/>
-                      <a:satMod val="110000"/>
-                    </a:schemeClr>
-                  </a:solidFill>
-                  <a:prstDash val="solid"/>
-                </a:ln>
-                <a:gradFill>
-                  <a:gsLst>
-                    <a:gs pos="0">
-                      <a:schemeClr val="accent1">
-                        <a:tint val="40000"/>
-                        <a:satMod val="250000"/>
-                      </a:schemeClr>
-                    </a:gs>
-                    <a:gs pos="9000">
-                      <a:schemeClr val="accent1">
-                        <a:tint val="52000"/>
-                        <a:satMod val="300000"/>
-                      </a:schemeClr>
-                    </a:gs>
-                    <a:gs pos="50000">
-                      <a:schemeClr val="accent1">
-                        <a:shade val="20000"/>
-                        <a:satMod val="300000"/>
-                      </a:schemeClr>
-                    </a:gs>
-                    <a:gs pos="79000">
-                      <a:schemeClr val="accent1">
-                        <a:tint val="52000"/>
-                        <a:satMod val="300000"/>
-                      </a:schemeClr>
-                    </a:gs>
-                    <a:gs pos="100000">
-                      <a:schemeClr val="accent1">
-                        <a:tint val="40000"/>
-                        <a:satMod val="250000"/>
-                      </a:schemeClr>
-                    </a:gs>
-                  </a:gsLst>
-                  <a:lin ang="5400000"/>
-                </a:gradFill>
-              </a:rPr>
-              <a:t>  commit  –m “Your message here”</a:t>
+              <a:rPr lang="en-US" sz="6000" dirty="0" smtClean="0"/>
+              <a:t>  add .</a:t>
             </a:r>
             <a:r>
               <a:rPr lang="en-US" sz="3200" dirty="0" smtClean="0"/>
-              <a:t/>
-            </a:r>
-            <a:br>
-              <a:rPr lang="en-US" sz="3200" dirty="0" smtClean="0"/>
-            </a:br>
-            <a:r>
-              <a:rPr lang="en-US" sz="2400" dirty="0" smtClean="0"/>
-              <a:t>(record a snapshot of staging area</a:t>
-            </a:r>
-            <a:r>
-              <a:rPr lang="en-US" sz="2800" dirty="0" smtClean="0"/>
-              <a:t>)</a:t>
-            </a:r>
-            <a:endParaRPr lang="en-US" sz="3200" dirty="0"/>
-          </a:p>
-        </p:txBody>
-      </p:sp>
-      <p:sp>
-        <p:nvSpPr>
-          <p:cNvPr id="4" name="Rectangle 3"/>
-          <p:cNvSpPr/>
+              <a:t> </a:t>
+            </a:r>
+            <a:r>
+              <a:rPr lang="en-US" sz="4400" dirty="0" smtClean="0"/>
+              <a:t>     </a:t>
+            </a:r>
+            <a:endParaRPr lang="en-US" sz="4400" dirty="0"/>
+          </a:p>
+        </p:txBody>
+      </p:sp>
+      <p:sp>
+        <p:nvSpPr>
+          <p:cNvPr id="4" name="TextBox 3"/>
+          <p:cNvSpPr txBox="1"/>
           <p:nvPr/>
         </p:nvSpPr>
         <p:spPr>
           <a:xfrm>
-            <a:off x="685800" y="2667000"/>
-            <a:ext cx="8534400" cy="1261884"/>
+            <a:off x="2286000" y="4648200"/>
+            <a:ext cx="4114800" cy="369332"/>
           </a:xfrm>
           <a:prstGeom prst="rect">
             <a:avLst/>
@@ -4309,195 +4146,29 @@
         </p:spPr>
         <p:style>
           <a:lnRef idx="2">
-            <a:schemeClr val="accent2"/>
+            <a:schemeClr val="accent1"/>
           </a:lnRef>
           <a:fillRef idx="1">
             <a:schemeClr val="lt1"/>
           </a:fillRef>
           <a:effectRef idx="0">
-            <a:schemeClr val="accent2"/>
+            <a:schemeClr val="accent1"/>
           </a:effectRef>
           <a:fontRef idx="minor">
             <a:schemeClr val="dk1"/>
           </a:fontRef>
         </p:style>
         <p:txBody>
-          <a:bodyPr wrap="square">
+          <a:bodyPr wrap="square" rtlCol="0">
             <a:spAutoFit/>
           </a:bodyPr>
           <a:lstStyle/>
           <a:p>
             <a:r>
-              <a:rPr lang="en-US" sz="4400" dirty="0" smtClean="0"/>
-              <a:t>-&gt; </a:t>
-            </a:r>
-            <a:r>
-              <a:rPr lang="en-US" sz="4400" b="1" dirty="0" smtClean="0">
-                <a:ln w="10541" cmpd="sng">
-                  <a:solidFill>
-                    <a:schemeClr val="accent1">
-                      <a:shade val="88000"/>
-                      <a:satMod val="110000"/>
-                    </a:schemeClr>
-                  </a:solidFill>
-                  <a:prstDash val="solid"/>
-                </a:ln>
-                <a:gradFill>
-                  <a:gsLst>
-                    <a:gs pos="0">
-                      <a:schemeClr val="accent1">
-                        <a:tint val="40000"/>
-                        <a:satMod val="250000"/>
-                      </a:schemeClr>
-                    </a:gs>
-                    <a:gs pos="9000">
-                      <a:schemeClr val="accent1">
-                        <a:tint val="52000"/>
-                        <a:satMod val="300000"/>
-                      </a:schemeClr>
-                    </a:gs>
-                    <a:gs pos="50000">
-                      <a:schemeClr val="accent1">
-                        <a:shade val="20000"/>
-                        <a:satMod val="300000"/>
-                      </a:schemeClr>
-                    </a:gs>
-                    <a:gs pos="79000">
-                      <a:schemeClr val="accent1">
-                        <a:tint val="52000"/>
-                        <a:satMod val="300000"/>
-                      </a:schemeClr>
-                    </a:gs>
-                    <a:gs pos="100000">
-                      <a:schemeClr val="accent1">
-                        <a:tint val="40000"/>
-                        <a:satMod val="250000"/>
-                      </a:schemeClr>
-                    </a:gs>
-                  </a:gsLst>
-                  <a:lin ang="5400000"/>
-                </a:gradFill>
-              </a:rPr>
-              <a:t>$ </a:t>
-            </a:r>
-            <a:r>
-              <a:rPr lang="en-US" sz="4400" b="1" dirty="0" err="1" smtClean="0">
-                <a:ln w="10541" cmpd="sng">
-                  <a:solidFill>
-                    <a:schemeClr val="accent1">
-                      <a:shade val="88000"/>
-                      <a:satMod val="110000"/>
-                    </a:schemeClr>
-                  </a:solidFill>
-                  <a:prstDash val="solid"/>
-                </a:ln>
-                <a:gradFill>
-                  <a:gsLst>
-                    <a:gs pos="0">
-                      <a:schemeClr val="accent1">
-                        <a:tint val="40000"/>
-                        <a:satMod val="250000"/>
-                      </a:schemeClr>
-                    </a:gs>
-                    <a:gs pos="9000">
-                      <a:schemeClr val="accent1">
-                        <a:tint val="52000"/>
-                        <a:satMod val="300000"/>
-                      </a:schemeClr>
-                    </a:gs>
-                    <a:gs pos="50000">
-                      <a:schemeClr val="accent1">
-                        <a:shade val="20000"/>
-                        <a:satMod val="300000"/>
-                      </a:schemeClr>
-                    </a:gs>
-                    <a:gs pos="79000">
-                      <a:schemeClr val="accent1">
-                        <a:tint val="52000"/>
-                        <a:satMod val="300000"/>
-                      </a:schemeClr>
-                    </a:gs>
-                    <a:gs pos="100000">
-                      <a:schemeClr val="accent1">
-                        <a:tint val="40000"/>
-                        <a:satMod val="250000"/>
-                      </a:schemeClr>
-                    </a:gs>
-                  </a:gsLst>
-                  <a:lin ang="5400000"/>
-                </a:gradFill>
-              </a:rPr>
-              <a:t>git</a:t>
-            </a:r>
-            <a:r>
-              <a:rPr lang="en-US" sz="4400" b="1" dirty="0" smtClean="0">
-                <a:ln w="10541" cmpd="sng">
-                  <a:solidFill>
-                    <a:schemeClr val="accent1">
-                      <a:shade val="88000"/>
-                      <a:satMod val="110000"/>
-                    </a:schemeClr>
-                  </a:solidFill>
-                  <a:prstDash val="solid"/>
-                </a:ln>
-                <a:gradFill>
-                  <a:gsLst>
-                    <a:gs pos="0">
-                      <a:schemeClr val="accent1">
-                        <a:tint val="40000"/>
-                        <a:satMod val="250000"/>
-                      </a:schemeClr>
-                    </a:gs>
-                    <a:gs pos="9000">
-                      <a:schemeClr val="accent1">
-                        <a:tint val="52000"/>
-                        <a:satMod val="300000"/>
-                      </a:schemeClr>
-                    </a:gs>
-                    <a:gs pos="50000">
-                      <a:schemeClr val="accent1">
-                        <a:shade val="20000"/>
-                        <a:satMod val="300000"/>
-                      </a:schemeClr>
-                    </a:gs>
-                    <a:gs pos="79000">
-                      <a:schemeClr val="accent1">
-                        <a:tint val="52000"/>
-                        <a:satMod val="300000"/>
-                      </a:schemeClr>
-                    </a:gs>
-                    <a:gs pos="100000">
-                      <a:schemeClr val="accent1">
-                        <a:tint val="40000"/>
-                        <a:satMod val="250000"/>
-                      </a:schemeClr>
-                    </a:gs>
-                  </a:gsLst>
-                  <a:lin ang="5400000"/>
-                </a:gradFill>
-              </a:rPr>
-              <a:t>  diff</a:t>
-            </a:r>
-            <a:r>
-              <a:rPr lang="en-US" sz="3600" dirty="0" smtClean="0"/>
-              <a:t/>
-            </a:r>
-            <a:br>
-              <a:rPr lang="en-US" sz="3600" dirty="0" smtClean="0"/>
-            </a:br>
-            <a:r>
-              <a:rPr lang="en-US" sz="2400" dirty="0" smtClean="0"/>
-              <a:t>(</a:t>
-            </a:r>
-            <a:r>
-              <a:rPr lang="en-US" sz="2000" dirty="0" smtClean="0"/>
-              <a:t>to view the changes )</a:t>
-            </a:r>
-            <a:r>
-              <a:rPr lang="en-US" sz="3200" dirty="0" smtClean="0"/>
-              <a:t>     </a:t>
-            </a:r>
-            <a:endParaRPr lang="en-US" sz="3600" dirty="0"/>
+              <a:rPr lang="en-US" b="1" dirty="0" smtClean="0"/>
+              <a:t>	          add all file </a:t>
+            </a:r>
+            <a:endParaRPr lang="en-US" b="1" dirty="0"/>
           </a:p>
         </p:txBody>
       </p:sp>
@@ -4535,13 +4206,13 @@
       </p:grpSpPr>
       <p:sp>
         <p:nvSpPr>
-          <p:cNvPr id="3" name="Rectangle 2"/>
+          <p:cNvPr id="2" name="Rectangle 1"/>
           <p:cNvSpPr/>
           <p:nvPr/>
         </p:nvSpPr>
         <p:spPr>
           <a:xfrm>
-            <a:off x="533400" y="1524000"/>
+            <a:off x="685800" y="1114961"/>
             <a:ext cx="8610600" cy="1323439"/>
           </a:xfrm>
           <a:prstGeom prst="rect">
@@ -4550,222 +4221,13 @@
         </p:spPr>
         <p:style>
           <a:lnRef idx="2">
-            <a:schemeClr val="accent6"/>
+            <a:schemeClr val="accent2"/>
           </a:lnRef>
           <a:fillRef idx="1">
             <a:schemeClr val="lt1"/>
           </a:fillRef>
           <a:effectRef idx="0">
-            <a:schemeClr val="accent6"/>
-          </a:effectRef>
-          <a:fontRef idx="minor">
-            <a:schemeClr val="dk1"/>
-          </a:fontRef>
-        </p:style>
-        <p:txBody>
-          <a:bodyPr wrap="square">
-            <a:spAutoFit/>
-          </a:bodyPr>
-          <a:lstStyle/>
-          <a:p>
-            <a:r>
-              <a:rPr lang="en-US" sz="4800" dirty="0" smtClean="0"/>
-              <a:t>-&gt; </a:t>
-            </a:r>
-            <a:r>
-              <a:rPr lang="en-US" sz="4800" b="1" dirty="0" smtClean="0">
-                <a:ln w="10541" cmpd="sng">
-                  <a:solidFill>
-                    <a:schemeClr val="accent1">
-                      <a:shade val="88000"/>
-                      <a:satMod val="110000"/>
-                    </a:schemeClr>
-                  </a:solidFill>
-                  <a:prstDash val="solid"/>
-                </a:ln>
-                <a:gradFill>
-                  <a:gsLst>
-                    <a:gs pos="0">
-                      <a:schemeClr val="accent1">
-                        <a:tint val="40000"/>
-                        <a:satMod val="250000"/>
-                      </a:schemeClr>
-                    </a:gs>
-                    <a:gs pos="9000">
-                      <a:schemeClr val="accent1">
-                        <a:tint val="52000"/>
-                        <a:satMod val="300000"/>
-                      </a:schemeClr>
-                    </a:gs>
-                    <a:gs pos="50000">
-                      <a:schemeClr val="accent1">
-                        <a:shade val="20000"/>
-                        <a:satMod val="300000"/>
-                      </a:schemeClr>
-                    </a:gs>
-                    <a:gs pos="79000">
-                      <a:schemeClr val="accent1">
-                        <a:tint val="52000"/>
-                        <a:satMod val="300000"/>
-                      </a:schemeClr>
-                    </a:gs>
-                    <a:gs pos="100000">
-                      <a:schemeClr val="accent1">
-                        <a:tint val="40000"/>
-                        <a:satMod val="250000"/>
-                      </a:schemeClr>
-                    </a:gs>
-                  </a:gsLst>
-                  <a:lin ang="5400000"/>
-                </a:gradFill>
-              </a:rPr>
-              <a:t>$ </a:t>
-            </a:r>
-            <a:r>
-              <a:rPr lang="en-US" sz="4800" b="1" dirty="0" err="1" smtClean="0">
-                <a:ln w="10541" cmpd="sng">
-                  <a:solidFill>
-                    <a:schemeClr val="accent1">
-                      <a:shade val="88000"/>
-                      <a:satMod val="110000"/>
-                    </a:schemeClr>
-                  </a:solidFill>
-                  <a:prstDash val="solid"/>
-                </a:ln>
-                <a:gradFill>
-                  <a:gsLst>
-                    <a:gs pos="0">
-                      <a:schemeClr val="accent1">
-                        <a:tint val="40000"/>
-                        <a:satMod val="250000"/>
-                      </a:schemeClr>
-                    </a:gs>
-                    <a:gs pos="9000">
-                      <a:schemeClr val="accent1">
-                        <a:tint val="52000"/>
-                        <a:satMod val="300000"/>
-                      </a:schemeClr>
-                    </a:gs>
-                    <a:gs pos="50000">
-                      <a:schemeClr val="accent1">
-                        <a:shade val="20000"/>
-                        <a:satMod val="300000"/>
-                      </a:schemeClr>
-                    </a:gs>
-                    <a:gs pos="79000">
-                      <a:schemeClr val="accent1">
-                        <a:tint val="52000"/>
-                        <a:satMod val="300000"/>
-                      </a:schemeClr>
-                    </a:gs>
-                    <a:gs pos="100000">
-                      <a:schemeClr val="accent1">
-                        <a:tint val="40000"/>
-                        <a:satMod val="250000"/>
-                      </a:schemeClr>
-                    </a:gs>
-                  </a:gsLst>
-                  <a:lin ang="5400000"/>
-                </a:gradFill>
-              </a:rPr>
-              <a:t>git</a:t>
-            </a:r>
-            <a:r>
-              <a:rPr lang="en-US" sz="4800" b="1" dirty="0" smtClean="0">
-                <a:ln w="10541" cmpd="sng">
-                  <a:solidFill>
-                    <a:schemeClr val="accent1">
-                      <a:shade val="88000"/>
-                      <a:satMod val="110000"/>
-                    </a:schemeClr>
-                  </a:solidFill>
-                  <a:prstDash val="solid"/>
-                </a:ln>
-                <a:gradFill>
-                  <a:gsLst>
-                    <a:gs pos="0">
-                      <a:schemeClr val="accent1">
-                        <a:tint val="40000"/>
-                        <a:satMod val="250000"/>
-                      </a:schemeClr>
-                    </a:gs>
-                    <a:gs pos="9000">
-                      <a:schemeClr val="accent1">
-                        <a:tint val="52000"/>
-                        <a:satMod val="300000"/>
-                      </a:schemeClr>
-                    </a:gs>
-                    <a:gs pos="50000">
-                      <a:schemeClr val="accent1">
-                        <a:shade val="20000"/>
-                        <a:satMod val="300000"/>
-                      </a:schemeClr>
-                    </a:gs>
-                    <a:gs pos="79000">
-                      <a:schemeClr val="accent1">
-                        <a:tint val="52000"/>
-                        <a:satMod val="300000"/>
-                      </a:schemeClr>
-                    </a:gs>
-                    <a:gs pos="100000">
-                      <a:schemeClr val="accent1">
-                        <a:tint val="40000"/>
-                        <a:satMod val="250000"/>
-                      </a:schemeClr>
-                    </a:gs>
-                  </a:gsLst>
-                  <a:lin ang="5400000"/>
-                </a:gradFill>
-              </a:rPr>
-              <a:t> log</a:t>
-            </a:r>
-            <a:r>
-              <a:rPr lang="en-US" sz="4000" dirty="0" smtClean="0"/>
-              <a:t/>
-            </a:r>
-            <a:br>
-              <a:rPr lang="en-US" sz="4000" dirty="0" smtClean="0"/>
-            </a:br>
-            <a:r>
-              <a:rPr lang="en-US" dirty="0" smtClean="0"/>
-              <a:t>(to view the changes that we have made</a:t>
-            </a:r>
-            <a:r>
-              <a:rPr lang="en-US" sz="2000" dirty="0" smtClean="0"/>
-              <a:t>) </a:t>
-            </a:r>
-            <a:r>
-              <a:rPr lang="en-US" sz="3200" dirty="0" smtClean="0"/>
-              <a:t>     </a:t>
-            </a:r>
-            <a:endParaRPr lang="en-US" sz="4000" dirty="0"/>
-          </a:p>
-        </p:txBody>
-      </p:sp>
-      <p:sp>
-        <p:nvSpPr>
-          <p:cNvPr id="4" name="Rectangle 3"/>
-          <p:cNvSpPr/>
-          <p:nvPr/>
-        </p:nvSpPr>
-        <p:spPr>
-          <a:xfrm>
-            <a:off x="533400" y="3124200"/>
-            <a:ext cx="8610600" cy="1261884"/>
-          </a:xfrm>
-          <a:prstGeom prst="rect">
-            <a:avLst/>
-          </a:prstGeom>
-        </p:spPr>
-        <p:style>
-          <a:lnRef idx="2">
-            <a:schemeClr val="accent6"/>
-          </a:lnRef>
-          <a:fillRef idx="1">
-            <a:schemeClr val="lt1"/>
-          </a:fillRef>
-          <a:effectRef idx="0">
-            <a:schemeClr val="accent6"/>
+            <a:schemeClr val="accent2"/>
           </a:effectRef>
           <a:fontRef idx="minor">
             <a:schemeClr val="dk1"/>
@@ -4926,7 +4388,319 @@
                   <a:lin ang="5400000"/>
                 </a:gradFill>
               </a:rPr>
-              <a:t>  Show </a:t>
+              <a:t>  Status </a:t>
+            </a:r>
+            <a:r>
+              <a:rPr lang="en-US" sz="4000" dirty="0" smtClean="0"/>
+              <a:t/>
+            </a:r>
+            <a:br>
+              <a:rPr lang="en-US" sz="4000" dirty="0" smtClean="0"/>
+            </a:br>
+            <a:r>
+              <a:rPr lang="en-US" sz="2400" dirty="0" smtClean="0"/>
+              <a:t>(to view current status ) </a:t>
+            </a:r>
+            <a:r>
+              <a:rPr lang="en-US" sz="3600" dirty="0" smtClean="0"/>
+              <a:t>     </a:t>
+            </a:r>
+            <a:endParaRPr lang="en-US" sz="4000" dirty="0"/>
+          </a:p>
+        </p:txBody>
+      </p:sp>
+      <p:sp>
+        <p:nvSpPr>
+          <p:cNvPr id="3" name="Rectangle 2"/>
+          <p:cNvSpPr/>
+          <p:nvPr/>
+        </p:nvSpPr>
+        <p:spPr>
+          <a:xfrm>
+            <a:off x="685800" y="4114800"/>
+            <a:ext cx="8458200" cy="1077218"/>
+          </a:xfrm>
+          <a:prstGeom prst="rect">
+            <a:avLst/>
+          </a:prstGeom>
+        </p:spPr>
+        <p:style>
+          <a:lnRef idx="2">
+            <a:schemeClr val="accent2"/>
+          </a:lnRef>
+          <a:fillRef idx="1">
+            <a:schemeClr val="lt1"/>
+          </a:fillRef>
+          <a:effectRef idx="0">
+            <a:schemeClr val="accent2"/>
+          </a:effectRef>
+          <a:fontRef idx="minor">
+            <a:schemeClr val="dk1"/>
+          </a:fontRef>
+        </p:style>
+        <p:txBody>
+          <a:bodyPr wrap="square">
+            <a:spAutoFit/>
+          </a:bodyPr>
+          <a:lstStyle/>
+          <a:p>
+            <a:r>
+              <a:rPr lang="en-US" sz="3600" dirty="0" smtClean="0"/>
+              <a:t>-&gt; </a:t>
+            </a:r>
+            <a:r>
+              <a:rPr lang="en-US" sz="3600" b="1" dirty="0" smtClean="0">
+                <a:ln w="10541" cmpd="sng">
+                  <a:solidFill>
+                    <a:schemeClr val="accent1">
+                      <a:shade val="88000"/>
+                      <a:satMod val="110000"/>
+                    </a:schemeClr>
+                  </a:solidFill>
+                  <a:prstDash val="solid"/>
+                </a:ln>
+                <a:gradFill>
+                  <a:gsLst>
+                    <a:gs pos="0">
+                      <a:schemeClr val="accent1">
+                        <a:tint val="40000"/>
+                        <a:satMod val="250000"/>
+                      </a:schemeClr>
+                    </a:gs>
+                    <a:gs pos="9000">
+                      <a:schemeClr val="accent1">
+                        <a:tint val="52000"/>
+                        <a:satMod val="300000"/>
+                      </a:schemeClr>
+                    </a:gs>
+                    <a:gs pos="50000">
+                      <a:schemeClr val="accent1">
+                        <a:shade val="20000"/>
+                        <a:satMod val="300000"/>
+                      </a:schemeClr>
+                    </a:gs>
+                    <a:gs pos="79000">
+                      <a:schemeClr val="accent1">
+                        <a:tint val="52000"/>
+                        <a:satMod val="300000"/>
+                      </a:schemeClr>
+                    </a:gs>
+                    <a:gs pos="100000">
+                      <a:schemeClr val="accent1">
+                        <a:tint val="40000"/>
+                        <a:satMod val="250000"/>
+                      </a:schemeClr>
+                    </a:gs>
+                  </a:gsLst>
+                  <a:lin ang="5400000"/>
+                </a:gradFill>
+              </a:rPr>
+              <a:t>$ </a:t>
+            </a:r>
+            <a:r>
+              <a:rPr lang="en-US" sz="3600" b="1" dirty="0" err="1" smtClean="0">
+                <a:ln w="10541" cmpd="sng">
+                  <a:solidFill>
+                    <a:schemeClr val="accent1">
+                      <a:shade val="88000"/>
+                      <a:satMod val="110000"/>
+                    </a:schemeClr>
+                  </a:solidFill>
+                  <a:prstDash val="solid"/>
+                </a:ln>
+                <a:gradFill>
+                  <a:gsLst>
+                    <a:gs pos="0">
+                      <a:schemeClr val="accent1">
+                        <a:tint val="40000"/>
+                        <a:satMod val="250000"/>
+                      </a:schemeClr>
+                    </a:gs>
+                    <a:gs pos="9000">
+                      <a:schemeClr val="accent1">
+                        <a:tint val="52000"/>
+                        <a:satMod val="300000"/>
+                      </a:schemeClr>
+                    </a:gs>
+                    <a:gs pos="50000">
+                      <a:schemeClr val="accent1">
+                        <a:shade val="20000"/>
+                        <a:satMod val="300000"/>
+                      </a:schemeClr>
+                    </a:gs>
+                    <a:gs pos="79000">
+                      <a:schemeClr val="accent1">
+                        <a:tint val="52000"/>
+                        <a:satMod val="300000"/>
+                      </a:schemeClr>
+                    </a:gs>
+                    <a:gs pos="100000">
+                      <a:schemeClr val="accent1">
+                        <a:tint val="40000"/>
+                        <a:satMod val="250000"/>
+                      </a:schemeClr>
+                    </a:gs>
+                  </a:gsLst>
+                  <a:lin ang="5400000"/>
+                </a:gradFill>
+              </a:rPr>
+              <a:t>git</a:t>
+            </a:r>
+            <a:r>
+              <a:rPr lang="en-US" sz="3600" b="1" dirty="0" smtClean="0">
+                <a:ln w="10541" cmpd="sng">
+                  <a:solidFill>
+                    <a:schemeClr val="accent1">
+                      <a:shade val="88000"/>
+                      <a:satMod val="110000"/>
+                    </a:schemeClr>
+                  </a:solidFill>
+                  <a:prstDash val="solid"/>
+                </a:ln>
+                <a:gradFill>
+                  <a:gsLst>
+                    <a:gs pos="0">
+                      <a:schemeClr val="accent1">
+                        <a:tint val="40000"/>
+                        <a:satMod val="250000"/>
+                      </a:schemeClr>
+                    </a:gs>
+                    <a:gs pos="9000">
+                      <a:schemeClr val="accent1">
+                        <a:tint val="52000"/>
+                        <a:satMod val="300000"/>
+                      </a:schemeClr>
+                    </a:gs>
+                    <a:gs pos="50000">
+                      <a:schemeClr val="accent1">
+                        <a:shade val="20000"/>
+                        <a:satMod val="300000"/>
+                      </a:schemeClr>
+                    </a:gs>
+                    <a:gs pos="79000">
+                      <a:schemeClr val="accent1">
+                        <a:tint val="52000"/>
+                        <a:satMod val="300000"/>
+                      </a:schemeClr>
+                    </a:gs>
+                    <a:gs pos="100000">
+                      <a:schemeClr val="accent1">
+                        <a:tint val="40000"/>
+                        <a:satMod val="250000"/>
+                      </a:schemeClr>
+                    </a:gs>
+                  </a:gsLst>
+                  <a:lin ang="5400000"/>
+                </a:gradFill>
+              </a:rPr>
+              <a:t>  commit  –m “Your message here”</a:t>
+            </a:r>
+            <a:r>
+              <a:rPr lang="en-US" sz="3200" dirty="0" smtClean="0"/>
+              <a:t/>
+            </a:r>
+            <a:br>
+              <a:rPr lang="en-US" sz="3200" dirty="0" smtClean="0"/>
+            </a:br>
+            <a:r>
+              <a:rPr lang="en-US" sz="2400" dirty="0" smtClean="0"/>
+              <a:t>(record a snapshot of staging area</a:t>
+            </a:r>
+            <a:r>
+              <a:rPr lang="en-US" sz="2800" dirty="0" smtClean="0"/>
+              <a:t>)</a:t>
+            </a:r>
+            <a:endParaRPr lang="en-US" sz="3200" dirty="0"/>
+          </a:p>
+        </p:txBody>
+      </p:sp>
+      <p:sp>
+        <p:nvSpPr>
+          <p:cNvPr id="4" name="Rectangle 3"/>
+          <p:cNvSpPr/>
+          <p:nvPr/>
+        </p:nvSpPr>
+        <p:spPr>
+          <a:xfrm>
+            <a:off x="685800" y="2667000"/>
+            <a:ext cx="8534400" cy="1261884"/>
+          </a:xfrm>
+          <a:prstGeom prst="rect">
+            <a:avLst/>
+          </a:prstGeom>
+        </p:spPr>
+        <p:style>
+          <a:lnRef idx="2">
+            <a:schemeClr val="accent2"/>
+          </a:lnRef>
+          <a:fillRef idx="1">
+            <a:schemeClr val="lt1"/>
+          </a:fillRef>
+          <a:effectRef idx="0">
+            <a:schemeClr val="accent2"/>
+          </a:effectRef>
+          <a:fontRef idx="minor">
+            <a:schemeClr val="dk1"/>
+          </a:fontRef>
+        </p:style>
+        <p:txBody>
+          <a:bodyPr wrap="square">
+            <a:spAutoFit/>
+          </a:bodyPr>
+          <a:lstStyle/>
+          <a:p>
+            <a:r>
+              <a:rPr lang="en-US" sz="4400" dirty="0" smtClean="0"/>
+              <a:t>-&gt; </a:t>
+            </a:r>
+            <a:r>
+              <a:rPr lang="en-US" sz="4400" b="1" dirty="0" smtClean="0">
+                <a:ln w="10541" cmpd="sng">
+                  <a:solidFill>
+                    <a:schemeClr val="accent1">
+                      <a:shade val="88000"/>
+                      <a:satMod val="110000"/>
+                    </a:schemeClr>
+                  </a:solidFill>
+                  <a:prstDash val="solid"/>
+                </a:ln>
+                <a:gradFill>
+                  <a:gsLst>
+                    <a:gs pos="0">
+                      <a:schemeClr val="accent1">
+                        <a:tint val="40000"/>
+                        <a:satMod val="250000"/>
+                      </a:schemeClr>
+                    </a:gs>
+                    <a:gs pos="9000">
+                      <a:schemeClr val="accent1">
+                        <a:tint val="52000"/>
+                        <a:satMod val="300000"/>
+                      </a:schemeClr>
+                    </a:gs>
+                    <a:gs pos="50000">
+                      <a:schemeClr val="accent1">
+                        <a:shade val="20000"/>
+                        <a:satMod val="300000"/>
+                      </a:schemeClr>
+                    </a:gs>
+                    <a:gs pos="79000">
+                      <a:schemeClr val="accent1">
+                        <a:tint val="52000"/>
+                        <a:satMod val="300000"/>
+                      </a:schemeClr>
+                    </a:gs>
+                    <a:gs pos="100000">
+                      <a:schemeClr val="accent1">
+                        <a:tint val="40000"/>
+                        <a:satMod val="250000"/>
+                      </a:schemeClr>
+                    </a:gs>
+                  </a:gsLst>
+                  <a:lin ang="5400000"/>
+                </a:gradFill>
+              </a:rPr>
+              <a:t>$ </a:t>
             </a:r>
             <a:r>
               <a:rPr lang="en-US" sz="4400" b="1" dirty="0" err="1" smtClean="0">
@@ -4975,7 +4749,7 @@
                   <a:lin ang="5400000"/>
                 </a:gradFill>
               </a:rPr>
-              <a:t>hash_keyword</a:t>
+              <a:t>git</a:t>
             </a:r>
             <a:r>
               <a:rPr lang="en-US" sz="4400" b="1" dirty="0" smtClean="0">
@@ -5024,24 +4798,28 @@
                   <a:lin ang="5400000"/>
                 </a:gradFill>
               </a:rPr>
-              <a:t> </a:t>
-            </a:r>
-            <a:r>
-              <a:rPr lang="en-US" sz="4000" dirty="0" smtClean="0"/>
+              <a:t>  diff</a:t>
+            </a:r>
+            <a:r>
+              <a:rPr lang="en-US" sz="3600" dirty="0" smtClean="0"/>
               <a:t/>
             </a:r>
             <a:br>
-              <a:rPr lang="en-US" sz="4000" dirty="0" smtClean="0"/>
+              <a:rPr lang="en-US" sz="3600" dirty="0" smtClean="0"/>
             </a:br>
             <a:r>
+              <a:rPr lang="en-US" sz="2400" dirty="0" smtClean="0"/>
+              <a:t>(</a:t>
+            </a:r>
+            <a:r>
               <a:rPr lang="en-US" sz="2000" dirty="0" smtClean="0"/>
-              <a:t>(to view any particular changes ) </a:t>
+              <a:t>to view the changes )</a:t>
             </a:r>
             <a:r>
               <a:rPr lang="en-US" sz="3200" dirty="0" smtClean="0"/>
               <a:t>     </a:t>
             </a:r>
-            <a:endParaRPr lang="en-US" sz="4000" dirty="0"/>
+            <a:endParaRPr lang="en-US" sz="3600" dirty="0"/>
           </a:p>
         </p:txBody>
       </p:sp>
@@ -5085,63 +4863,8 @@
         </p:nvSpPr>
         <p:spPr>
           <a:xfrm>
-            <a:off x="0" y="533400"/>
-            <a:ext cx="9144000" cy="461665"/>
-          </a:xfrm>
-          <a:prstGeom prst="rect">
-            <a:avLst/>
-          </a:prstGeom>
-        </p:spPr>
-        <p:style>
-          <a:lnRef idx="1">
-            <a:schemeClr val="accent5"/>
-          </a:lnRef>
-          <a:fillRef idx="2">
-            <a:schemeClr val="accent5"/>
-          </a:fillRef>
-          <a:effectRef idx="1">
-            <a:schemeClr val="accent5"/>
-          </a:effectRef>
-          <a:fontRef idx="minor">
-            <a:schemeClr val="dk1"/>
-          </a:fontRef>
-        </p:style>
-        <p:txBody>
-          <a:bodyPr wrap="square">
-            <a:spAutoFit/>
-          </a:bodyPr>
-          <a:lstStyle/>
-          <a:p>
-            <a:r>
-              <a:rPr lang="en-US" sz="2400" dirty="0" smtClean="0"/>
-              <a:t>			</a:t>
-            </a:r>
-            <a:r>
-              <a:rPr lang="en-US" sz="2400" dirty="0" err="1" smtClean="0"/>
-              <a:t>Git</a:t>
-            </a:r>
-            <a:r>
-              <a:rPr lang="en-US" sz="2400" dirty="0" smtClean="0"/>
-              <a:t> </a:t>
-            </a:r>
-            <a:r>
-              <a:rPr lang="en-US" sz="2400" dirty="0" smtClean="0"/>
-              <a:t>Commit Check</a:t>
-            </a:r>
-            <a:endParaRPr lang="en-US" sz="2400" dirty="0"/>
-          </a:p>
-        </p:txBody>
-      </p:sp>
-      <p:sp>
-        <p:nvSpPr>
-          <p:cNvPr id="4" name="Rectangle 3"/>
-          <p:cNvSpPr/>
-          <p:nvPr/>
-        </p:nvSpPr>
-        <p:spPr>
-          <a:xfrm>
-            <a:off x="1981200" y="1600200"/>
-            <a:ext cx="7162800" cy="954107"/>
+            <a:off x="533400" y="1524000"/>
+            <a:ext cx="8610600" cy="1323439"/>
           </a:xfrm>
           <a:prstGeom prst="rect">
             <a:avLst/>
@@ -5149,13 +4872,13 @@
         </p:spPr>
         <p:style>
           <a:lnRef idx="2">
-            <a:schemeClr val="accent2"/>
+            <a:schemeClr val="accent6"/>
           </a:lnRef>
           <a:fillRef idx="1">
             <a:schemeClr val="lt1"/>
           </a:fillRef>
           <a:effectRef idx="0">
-            <a:schemeClr val="accent2"/>
+            <a:schemeClr val="accent6"/>
           </a:effectRef>
           <a:fontRef idx="minor">
             <a:schemeClr val="dk1"/>
@@ -5168,46 +4891,189 @@
           <a:lstStyle/>
           <a:p>
             <a:r>
-              <a:rPr lang="en-US" sz="2800" dirty="0" smtClean="0"/>
+              <a:rPr lang="en-US" sz="4800" dirty="0" smtClean="0"/>
               <a:t>-&gt; </a:t>
             </a:r>
             <a:r>
-              <a:rPr lang="en-US" sz="2800" dirty="0" err="1" smtClean="0"/>
+              <a:rPr lang="en-US" sz="4800" b="1" dirty="0" smtClean="0">
+                <a:ln w="10541" cmpd="sng">
+                  <a:solidFill>
+                    <a:schemeClr val="accent1">
+                      <a:shade val="88000"/>
+                      <a:satMod val="110000"/>
+                    </a:schemeClr>
+                  </a:solidFill>
+                  <a:prstDash val="solid"/>
+                </a:ln>
+                <a:gradFill>
+                  <a:gsLst>
+                    <a:gs pos="0">
+                      <a:schemeClr val="accent1">
+                        <a:tint val="40000"/>
+                        <a:satMod val="250000"/>
+                      </a:schemeClr>
+                    </a:gs>
+                    <a:gs pos="9000">
+                      <a:schemeClr val="accent1">
+                        <a:tint val="52000"/>
+                        <a:satMod val="300000"/>
+                      </a:schemeClr>
+                    </a:gs>
+                    <a:gs pos="50000">
+                      <a:schemeClr val="accent1">
+                        <a:shade val="20000"/>
+                        <a:satMod val="300000"/>
+                      </a:schemeClr>
+                    </a:gs>
+                    <a:gs pos="79000">
+                      <a:schemeClr val="accent1">
+                        <a:tint val="52000"/>
+                        <a:satMod val="300000"/>
+                      </a:schemeClr>
+                    </a:gs>
+                    <a:gs pos="100000">
+                      <a:schemeClr val="accent1">
+                        <a:tint val="40000"/>
+                        <a:satMod val="250000"/>
+                      </a:schemeClr>
+                    </a:gs>
+                  </a:gsLst>
+                  <a:lin ang="5400000"/>
+                </a:gradFill>
+              </a:rPr>
+              <a:t>$ </a:t>
+            </a:r>
+            <a:r>
+              <a:rPr lang="en-US" sz="4800" b="1" dirty="0" err="1" smtClean="0">
+                <a:ln w="10541" cmpd="sng">
+                  <a:solidFill>
+                    <a:schemeClr val="accent1">
+                      <a:shade val="88000"/>
+                      <a:satMod val="110000"/>
+                    </a:schemeClr>
+                  </a:solidFill>
+                  <a:prstDash val="solid"/>
+                </a:ln>
+                <a:gradFill>
+                  <a:gsLst>
+                    <a:gs pos="0">
+                      <a:schemeClr val="accent1">
+                        <a:tint val="40000"/>
+                        <a:satMod val="250000"/>
+                      </a:schemeClr>
+                    </a:gs>
+                    <a:gs pos="9000">
+                      <a:schemeClr val="accent1">
+                        <a:tint val="52000"/>
+                        <a:satMod val="300000"/>
+                      </a:schemeClr>
+                    </a:gs>
+                    <a:gs pos="50000">
+                      <a:schemeClr val="accent1">
+                        <a:shade val="20000"/>
+                        <a:satMod val="300000"/>
+                      </a:schemeClr>
+                    </a:gs>
+                    <a:gs pos="79000">
+                      <a:schemeClr val="accent1">
+                        <a:tint val="52000"/>
+                        <a:satMod val="300000"/>
+                      </a:schemeClr>
+                    </a:gs>
+                    <a:gs pos="100000">
+                      <a:schemeClr val="accent1">
+                        <a:tint val="40000"/>
+                        <a:satMod val="250000"/>
+                      </a:schemeClr>
+                    </a:gs>
+                  </a:gsLst>
+                  <a:lin ang="5400000"/>
+                </a:gradFill>
+              </a:rPr>
               <a:t>git</a:t>
             </a:r>
             <a:r>
-              <a:rPr lang="en-US" sz="2800" dirty="0" smtClean="0"/>
-              <a:t> Log  </a:t>
+              <a:rPr lang="en-US" sz="4800" b="1" dirty="0" smtClean="0">
+                <a:ln w="10541" cmpd="sng">
+                  <a:solidFill>
+                    <a:schemeClr val="accent1">
+                      <a:shade val="88000"/>
+                      <a:satMod val="110000"/>
+                    </a:schemeClr>
+                  </a:solidFill>
+                  <a:prstDash val="solid"/>
+                </a:ln>
+                <a:gradFill>
+                  <a:gsLst>
+                    <a:gs pos="0">
+                      <a:schemeClr val="accent1">
+                        <a:tint val="40000"/>
+                        <a:satMod val="250000"/>
+                      </a:schemeClr>
+                    </a:gs>
+                    <a:gs pos="9000">
+                      <a:schemeClr val="accent1">
+                        <a:tint val="52000"/>
+                        <a:satMod val="300000"/>
+                      </a:schemeClr>
+                    </a:gs>
+                    <a:gs pos="50000">
+                      <a:schemeClr val="accent1">
+                        <a:shade val="20000"/>
+                        <a:satMod val="300000"/>
+                      </a:schemeClr>
+                    </a:gs>
+                    <a:gs pos="79000">
+                      <a:schemeClr val="accent1">
+                        <a:tint val="52000"/>
+                        <a:satMod val="300000"/>
+                      </a:schemeClr>
+                    </a:gs>
+                    <a:gs pos="100000">
+                      <a:schemeClr val="accent1">
+                        <a:tint val="40000"/>
+                        <a:satMod val="250000"/>
+                      </a:schemeClr>
+                    </a:gs>
+                  </a:gsLst>
+                  <a:lin ang="5400000"/>
+                </a:gradFill>
+              </a:rPr>
+              <a:t> log</a:t>
+            </a:r>
+            <a:r>
+              <a:rPr lang="en-US" sz="4000" dirty="0" smtClean="0"/>
+              <a:t/>
             </a:r>
             <a:br>
-              <a:rPr lang="en-US" sz="2800" dirty="0" smtClean="0"/>
+              <a:rPr lang="en-US" sz="4000" dirty="0" smtClean="0"/>
             </a:br>
             <a:r>
-              <a:rPr lang="en-US" sz="2800" dirty="0" smtClean="0"/>
-              <a:t>-&gt; </a:t>
-            </a:r>
-            <a:r>
-              <a:rPr lang="en-US" sz="2800" dirty="0" err="1" smtClean="0"/>
-              <a:t>git</a:t>
-            </a:r>
-            <a:r>
-              <a:rPr lang="en-US" sz="2800" dirty="0" smtClean="0"/>
-              <a:t> show hash number </a:t>
-            </a:r>
-            <a:endParaRPr lang="en-US" sz="2800" dirty="0"/>
-          </a:p>
-        </p:txBody>
-      </p:sp>
-      <p:sp>
-        <p:nvSpPr>
-          <p:cNvPr id="5" name="Rectangle 4"/>
+              <a:rPr lang="en-US" dirty="0" smtClean="0"/>
+              <a:t>(to view the changes that we have made</a:t>
+            </a:r>
+            <a:r>
+              <a:rPr lang="en-US" sz="2000" dirty="0" smtClean="0"/>
+              <a:t>) </a:t>
+            </a:r>
+            <a:r>
+              <a:rPr lang="en-US" sz="3200" dirty="0" smtClean="0"/>
+              <a:t>     </a:t>
+            </a:r>
+            <a:endParaRPr lang="en-US" sz="4000" dirty="0"/>
+          </a:p>
+        </p:txBody>
+      </p:sp>
+      <p:sp>
+        <p:nvSpPr>
+          <p:cNvPr id="4" name="Rectangle 3"/>
           <p:cNvSpPr/>
           <p:nvPr/>
         </p:nvSpPr>
         <p:spPr>
           <a:xfrm>
-            <a:off x="1981200" y="2819400"/>
-            <a:ext cx="7162800" cy="954107"/>
+            <a:off x="533400" y="3124200"/>
+            <a:ext cx="8610600" cy="1261884"/>
           </a:xfrm>
           <a:prstGeom prst="rect">
             <a:avLst/>
@@ -5215,13 +5081,13 @@
         </p:spPr>
         <p:style>
           <a:lnRef idx="2">
-            <a:schemeClr val="accent2"/>
+            <a:schemeClr val="accent6"/>
           </a:lnRef>
           <a:fillRef idx="1">
             <a:schemeClr val="lt1"/>
           </a:fillRef>
           <a:effectRef idx="0">
-            <a:schemeClr val="accent2"/>
+            <a:schemeClr val="accent6"/>
           </a:effectRef>
           <a:fontRef idx="minor">
             <a:schemeClr val="dk1"/>
@@ -5234,80 +5100,270 @@
           <a:lstStyle/>
           <a:p>
             <a:r>
-              <a:rPr lang="en-US" sz="2800" dirty="0" smtClean="0"/>
+              <a:rPr lang="en-US" sz="4400" dirty="0" smtClean="0"/>
               <a:t>-&gt; </a:t>
             </a:r>
             <a:r>
-              <a:rPr lang="en-US" sz="2800" dirty="0" err="1" smtClean="0"/>
+              <a:rPr lang="en-US" sz="4400" b="1" dirty="0" smtClean="0">
+                <a:ln w="10541" cmpd="sng">
+                  <a:solidFill>
+                    <a:schemeClr val="accent1">
+                      <a:shade val="88000"/>
+                      <a:satMod val="110000"/>
+                    </a:schemeClr>
+                  </a:solidFill>
+                  <a:prstDash val="solid"/>
+                </a:ln>
+                <a:gradFill>
+                  <a:gsLst>
+                    <a:gs pos="0">
+                      <a:schemeClr val="accent1">
+                        <a:tint val="40000"/>
+                        <a:satMod val="250000"/>
+                      </a:schemeClr>
+                    </a:gs>
+                    <a:gs pos="9000">
+                      <a:schemeClr val="accent1">
+                        <a:tint val="52000"/>
+                        <a:satMod val="300000"/>
+                      </a:schemeClr>
+                    </a:gs>
+                    <a:gs pos="50000">
+                      <a:schemeClr val="accent1">
+                        <a:shade val="20000"/>
+                        <a:satMod val="300000"/>
+                      </a:schemeClr>
+                    </a:gs>
+                    <a:gs pos="79000">
+                      <a:schemeClr val="accent1">
+                        <a:tint val="52000"/>
+                        <a:satMod val="300000"/>
+                      </a:schemeClr>
+                    </a:gs>
+                    <a:gs pos="100000">
+                      <a:schemeClr val="accent1">
+                        <a:tint val="40000"/>
+                        <a:satMod val="250000"/>
+                      </a:schemeClr>
+                    </a:gs>
+                  </a:gsLst>
+                  <a:lin ang="5400000"/>
+                </a:gradFill>
+              </a:rPr>
+              <a:t>$ </a:t>
+            </a:r>
+            <a:r>
+              <a:rPr lang="en-US" sz="4400" b="1" dirty="0" err="1" smtClean="0">
+                <a:ln w="10541" cmpd="sng">
+                  <a:solidFill>
+                    <a:schemeClr val="accent1">
+                      <a:shade val="88000"/>
+                      <a:satMod val="110000"/>
+                    </a:schemeClr>
+                  </a:solidFill>
+                  <a:prstDash val="solid"/>
+                </a:ln>
+                <a:gradFill>
+                  <a:gsLst>
+                    <a:gs pos="0">
+                      <a:schemeClr val="accent1">
+                        <a:tint val="40000"/>
+                        <a:satMod val="250000"/>
+                      </a:schemeClr>
+                    </a:gs>
+                    <a:gs pos="9000">
+                      <a:schemeClr val="accent1">
+                        <a:tint val="52000"/>
+                        <a:satMod val="300000"/>
+                      </a:schemeClr>
+                    </a:gs>
+                    <a:gs pos="50000">
+                      <a:schemeClr val="accent1">
+                        <a:shade val="20000"/>
+                        <a:satMod val="300000"/>
+                      </a:schemeClr>
+                    </a:gs>
+                    <a:gs pos="79000">
+                      <a:schemeClr val="accent1">
+                        <a:tint val="52000"/>
+                        <a:satMod val="300000"/>
+                      </a:schemeClr>
+                    </a:gs>
+                    <a:gs pos="100000">
+                      <a:schemeClr val="accent1">
+                        <a:tint val="40000"/>
+                        <a:satMod val="250000"/>
+                      </a:schemeClr>
+                    </a:gs>
+                  </a:gsLst>
+                  <a:lin ang="5400000"/>
+                </a:gradFill>
+              </a:rPr>
               <a:t>git</a:t>
             </a:r>
             <a:r>
-              <a:rPr lang="en-US" sz="2800" dirty="0" smtClean="0"/>
-              <a:t> checkout hash number </a:t>
+              <a:rPr lang="en-US" sz="4400" b="1" dirty="0" smtClean="0">
+                <a:ln w="10541" cmpd="sng">
+                  <a:solidFill>
+                    <a:schemeClr val="accent1">
+                      <a:shade val="88000"/>
+                      <a:satMod val="110000"/>
+                    </a:schemeClr>
+                  </a:solidFill>
+                  <a:prstDash val="solid"/>
+                </a:ln>
+                <a:gradFill>
+                  <a:gsLst>
+                    <a:gs pos="0">
+                      <a:schemeClr val="accent1">
+                        <a:tint val="40000"/>
+                        <a:satMod val="250000"/>
+                      </a:schemeClr>
+                    </a:gs>
+                    <a:gs pos="9000">
+                      <a:schemeClr val="accent1">
+                        <a:tint val="52000"/>
+                        <a:satMod val="300000"/>
+                      </a:schemeClr>
+                    </a:gs>
+                    <a:gs pos="50000">
+                      <a:schemeClr val="accent1">
+                        <a:shade val="20000"/>
+                        <a:satMod val="300000"/>
+                      </a:schemeClr>
+                    </a:gs>
+                    <a:gs pos="79000">
+                      <a:schemeClr val="accent1">
+                        <a:tint val="52000"/>
+                        <a:satMod val="300000"/>
+                      </a:schemeClr>
+                    </a:gs>
+                    <a:gs pos="100000">
+                      <a:schemeClr val="accent1">
+                        <a:tint val="40000"/>
+                        <a:satMod val="250000"/>
+                      </a:schemeClr>
+                    </a:gs>
+                  </a:gsLst>
+                  <a:lin ang="5400000"/>
+                </a:gradFill>
+              </a:rPr>
+              <a:t>  Show </a:t>
+            </a:r>
+            <a:r>
+              <a:rPr lang="en-US" sz="4400" b="1" dirty="0" err="1" smtClean="0">
+                <a:ln w="10541" cmpd="sng">
+                  <a:solidFill>
+                    <a:schemeClr val="accent1">
+                      <a:shade val="88000"/>
+                      <a:satMod val="110000"/>
+                    </a:schemeClr>
+                  </a:solidFill>
+                  <a:prstDash val="solid"/>
+                </a:ln>
+                <a:gradFill>
+                  <a:gsLst>
+                    <a:gs pos="0">
+                      <a:schemeClr val="accent1">
+                        <a:tint val="40000"/>
+                        <a:satMod val="250000"/>
+                      </a:schemeClr>
+                    </a:gs>
+                    <a:gs pos="9000">
+                      <a:schemeClr val="accent1">
+                        <a:tint val="52000"/>
+                        <a:satMod val="300000"/>
+                      </a:schemeClr>
+                    </a:gs>
+                    <a:gs pos="50000">
+                      <a:schemeClr val="accent1">
+                        <a:shade val="20000"/>
+                        <a:satMod val="300000"/>
+                      </a:schemeClr>
+                    </a:gs>
+                    <a:gs pos="79000">
+                      <a:schemeClr val="accent1">
+                        <a:tint val="52000"/>
+                        <a:satMod val="300000"/>
+                      </a:schemeClr>
+                    </a:gs>
+                    <a:gs pos="100000">
+                      <a:schemeClr val="accent1">
+                        <a:tint val="40000"/>
+                        <a:satMod val="250000"/>
+                      </a:schemeClr>
+                    </a:gs>
+                  </a:gsLst>
+                  <a:lin ang="5400000"/>
+                </a:gradFill>
+              </a:rPr>
+              <a:t>hash_keyword</a:t>
+            </a:r>
+            <a:r>
+              <a:rPr lang="en-US" sz="4400" b="1" dirty="0" smtClean="0">
+                <a:ln w="10541" cmpd="sng">
+                  <a:solidFill>
+                    <a:schemeClr val="accent1">
+                      <a:shade val="88000"/>
+                      <a:satMod val="110000"/>
+                    </a:schemeClr>
+                  </a:solidFill>
+                  <a:prstDash val="solid"/>
+                </a:ln>
+                <a:gradFill>
+                  <a:gsLst>
+                    <a:gs pos="0">
+                      <a:schemeClr val="accent1">
+                        <a:tint val="40000"/>
+                        <a:satMod val="250000"/>
+                      </a:schemeClr>
+                    </a:gs>
+                    <a:gs pos="9000">
+                      <a:schemeClr val="accent1">
+                        <a:tint val="52000"/>
+                        <a:satMod val="300000"/>
+                      </a:schemeClr>
+                    </a:gs>
+                    <a:gs pos="50000">
+                      <a:schemeClr val="accent1">
+                        <a:shade val="20000"/>
+                        <a:satMod val="300000"/>
+                      </a:schemeClr>
+                    </a:gs>
+                    <a:gs pos="79000">
+                      <a:schemeClr val="accent1">
+                        <a:tint val="52000"/>
+                        <a:satMod val="300000"/>
+                      </a:schemeClr>
+                    </a:gs>
+                    <a:gs pos="100000">
+                      <a:schemeClr val="accent1">
+                        <a:tint val="40000"/>
+                        <a:satMod val="250000"/>
+                      </a:schemeClr>
+                    </a:gs>
+                  </a:gsLst>
+                  <a:lin ang="5400000"/>
+                </a:gradFill>
+              </a:rPr>
+              <a:t> </a:t>
+            </a:r>
+            <a:r>
+              <a:rPr lang="en-US" sz="4000" dirty="0" smtClean="0"/>
+              <a:t/>
             </a:r>
             <a:br>
-              <a:rPr lang="en-US" sz="2800" dirty="0" smtClean="0"/>
+              <a:rPr lang="en-US" sz="4000" dirty="0" smtClean="0"/>
             </a:br>
             <a:r>
-              <a:rPr lang="en-US" sz="2800" dirty="0" smtClean="0"/>
-              <a:t>-&gt; cat </a:t>
-            </a:r>
-            <a:r>
-              <a:rPr lang="en-US" sz="2800" dirty="0" err="1" smtClean="0"/>
-              <a:t>filename.extension</a:t>
-            </a:r>
-            <a:endParaRPr lang="en-US" sz="2800" dirty="0"/>
-          </a:p>
-        </p:txBody>
-      </p:sp>
-      <p:sp>
-        <p:nvSpPr>
-          <p:cNvPr id="6" name="Rectangle 5"/>
-          <p:cNvSpPr/>
-          <p:nvPr/>
-        </p:nvSpPr>
-        <p:spPr>
-          <a:xfrm>
-            <a:off x="1981200" y="4267200"/>
-            <a:ext cx="7162800" cy="584775"/>
-          </a:xfrm>
-          <a:prstGeom prst="rect">
-            <a:avLst/>
-          </a:prstGeom>
-        </p:spPr>
-        <p:style>
-          <a:lnRef idx="2">
-            <a:schemeClr val="accent2"/>
-          </a:lnRef>
-          <a:fillRef idx="1">
-            <a:schemeClr val="lt1"/>
-          </a:fillRef>
-          <a:effectRef idx="0">
-            <a:schemeClr val="accent2"/>
-          </a:effectRef>
-          <a:fontRef idx="minor">
-            <a:schemeClr val="dk1"/>
-          </a:fontRef>
-        </p:style>
-        <p:txBody>
-          <a:bodyPr wrap="square">
-            <a:spAutoFit/>
-          </a:bodyPr>
-          <a:lstStyle/>
-          <a:p>
+              <a:rPr lang="en-US" sz="2000" dirty="0" smtClean="0"/>
+              <a:t>(to view any particular changes ) </a:t>
+            </a:r>
             <a:r>
               <a:rPr lang="en-US" sz="3200" dirty="0" smtClean="0"/>
-              <a:t>-&gt; </a:t>
-            </a:r>
-            <a:r>
-              <a:rPr lang="en-US" sz="3200" dirty="0" err="1" smtClean="0"/>
-              <a:t>git</a:t>
-            </a:r>
-            <a:r>
-              <a:rPr lang="en-US" sz="3200" dirty="0" smtClean="0"/>
-              <a:t> checkout master</a:t>
-            </a:r>
-            <a:endParaRPr lang="en-US" sz="3200" dirty="0"/>
+              <a:t>     </a:t>
+            </a:r>
+            <a:endParaRPr lang="en-US" sz="4000" dirty="0"/>
           </a:p>
         </p:txBody>
       </p:sp>
@@ -5351,6 +5407,268 @@
         </p:nvSpPr>
         <p:spPr>
           <a:xfrm>
+            <a:off x="0" y="533400"/>
+            <a:ext cx="9144000" cy="461665"/>
+          </a:xfrm>
+          <a:prstGeom prst="rect">
+            <a:avLst/>
+          </a:prstGeom>
+        </p:spPr>
+        <p:style>
+          <a:lnRef idx="1">
+            <a:schemeClr val="accent5"/>
+          </a:lnRef>
+          <a:fillRef idx="2">
+            <a:schemeClr val="accent5"/>
+          </a:fillRef>
+          <a:effectRef idx="1">
+            <a:schemeClr val="accent5"/>
+          </a:effectRef>
+          <a:fontRef idx="minor">
+            <a:schemeClr val="dk1"/>
+          </a:fontRef>
+        </p:style>
+        <p:txBody>
+          <a:bodyPr wrap="square">
+            <a:spAutoFit/>
+          </a:bodyPr>
+          <a:lstStyle/>
+          <a:p>
+            <a:r>
+              <a:rPr lang="en-US" sz="2400" dirty="0" smtClean="0"/>
+              <a:t>			</a:t>
+            </a:r>
+            <a:r>
+              <a:rPr lang="en-US" sz="2400" dirty="0" err="1" smtClean="0"/>
+              <a:t>Git</a:t>
+            </a:r>
+            <a:r>
+              <a:rPr lang="en-US" sz="2400" dirty="0" smtClean="0"/>
+              <a:t> Commit Check</a:t>
+            </a:r>
+            <a:endParaRPr lang="en-US" sz="2400" dirty="0"/>
+          </a:p>
+        </p:txBody>
+      </p:sp>
+      <p:sp>
+        <p:nvSpPr>
+          <p:cNvPr id="4" name="Rectangle 3"/>
+          <p:cNvSpPr/>
+          <p:nvPr/>
+        </p:nvSpPr>
+        <p:spPr>
+          <a:xfrm>
+            <a:off x="1981200" y="1600200"/>
+            <a:ext cx="7162800" cy="954107"/>
+          </a:xfrm>
+          <a:prstGeom prst="rect">
+            <a:avLst/>
+          </a:prstGeom>
+        </p:spPr>
+        <p:style>
+          <a:lnRef idx="2">
+            <a:schemeClr val="accent2"/>
+          </a:lnRef>
+          <a:fillRef idx="1">
+            <a:schemeClr val="lt1"/>
+          </a:fillRef>
+          <a:effectRef idx="0">
+            <a:schemeClr val="accent2"/>
+          </a:effectRef>
+          <a:fontRef idx="minor">
+            <a:schemeClr val="dk1"/>
+          </a:fontRef>
+        </p:style>
+        <p:txBody>
+          <a:bodyPr wrap="square">
+            <a:spAutoFit/>
+          </a:bodyPr>
+          <a:lstStyle/>
+          <a:p>
+            <a:r>
+              <a:rPr lang="en-US" sz="2800" dirty="0" smtClean="0"/>
+              <a:t>-&gt; </a:t>
+            </a:r>
+            <a:r>
+              <a:rPr lang="en-US" sz="2800" dirty="0" err="1" smtClean="0"/>
+              <a:t>git</a:t>
+            </a:r>
+            <a:r>
+              <a:rPr lang="en-US" sz="2800" dirty="0" smtClean="0"/>
+              <a:t> Log  </a:t>
+            </a:r>
+            <a:br>
+              <a:rPr lang="en-US" sz="2800" dirty="0" smtClean="0"/>
+            </a:br>
+            <a:r>
+              <a:rPr lang="en-US" sz="2800" dirty="0" smtClean="0"/>
+              <a:t>-&gt; </a:t>
+            </a:r>
+            <a:r>
+              <a:rPr lang="en-US" sz="2800" dirty="0" err="1" smtClean="0"/>
+              <a:t>git</a:t>
+            </a:r>
+            <a:r>
+              <a:rPr lang="en-US" sz="2800" dirty="0" smtClean="0"/>
+              <a:t> show hash number </a:t>
+            </a:r>
+            <a:endParaRPr lang="en-US" sz="2800" dirty="0"/>
+          </a:p>
+        </p:txBody>
+      </p:sp>
+      <p:sp>
+        <p:nvSpPr>
+          <p:cNvPr id="5" name="Rectangle 4"/>
+          <p:cNvSpPr/>
+          <p:nvPr/>
+        </p:nvSpPr>
+        <p:spPr>
+          <a:xfrm>
+            <a:off x="1981200" y="2819400"/>
+            <a:ext cx="7162800" cy="954107"/>
+          </a:xfrm>
+          <a:prstGeom prst="rect">
+            <a:avLst/>
+          </a:prstGeom>
+        </p:spPr>
+        <p:style>
+          <a:lnRef idx="2">
+            <a:schemeClr val="accent2"/>
+          </a:lnRef>
+          <a:fillRef idx="1">
+            <a:schemeClr val="lt1"/>
+          </a:fillRef>
+          <a:effectRef idx="0">
+            <a:schemeClr val="accent2"/>
+          </a:effectRef>
+          <a:fontRef idx="minor">
+            <a:schemeClr val="dk1"/>
+          </a:fontRef>
+        </p:style>
+        <p:txBody>
+          <a:bodyPr wrap="square">
+            <a:spAutoFit/>
+          </a:bodyPr>
+          <a:lstStyle/>
+          <a:p>
+            <a:r>
+              <a:rPr lang="en-US" sz="2800" dirty="0" smtClean="0"/>
+              <a:t>-&gt; </a:t>
+            </a:r>
+            <a:r>
+              <a:rPr lang="en-US" sz="2800" dirty="0" err="1" smtClean="0"/>
+              <a:t>git</a:t>
+            </a:r>
+            <a:r>
+              <a:rPr lang="en-US" sz="2800" dirty="0" smtClean="0"/>
+              <a:t> checkout hash number </a:t>
+            </a:r>
+            <a:br>
+              <a:rPr lang="en-US" sz="2800" dirty="0" smtClean="0"/>
+            </a:br>
+            <a:r>
+              <a:rPr lang="en-US" sz="2800" dirty="0" smtClean="0"/>
+              <a:t>-&gt; cat </a:t>
+            </a:r>
+            <a:r>
+              <a:rPr lang="en-US" sz="2800" dirty="0" err="1" smtClean="0"/>
+              <a:t>filename.extension</a:t>
+            </a:r>
+            <a:endParaRPr lang="en-US" sz="2800" dirty="0"/>
+          </a:p>
+        </p:txBody>
+      </p:sp>
+      <p:sp>
+        <p:nvSpPr>
+          <p:cNvPr id="6" name="Rectangle 5"/>
+          <p:cNvSpPr/>
+          <p:nvPr/>
+        </p:nvSpPr>
+        <p:spPr>
+          <a:xfrm>
+            <a:off x="1981200" y="4267200"/>
+            <a:ext cx="7162800" cy="584775"/>
+          </a:xfrm>
+          <a:prstGeom prst="rect">
+            <a:avLst/>
+          </a:prstGeom>
+        </p:spPr>
+        <p:style>
+          <a:lnRef idx="2">
+            <a:schemeClr val="accent2"/>
+          </a:lnRef>
+          <a:fillRef idx="1">
+            <a:schemeClr val="lt1"/>
+          </a:fillRef>
+          <a:effectRef idx="0">
+            <a:schemeClr val="accent2"/>
+          </a:effectRef>
+          <a:fontRef idx="minor">
+            <a:schemeClr val="dk1"/>
+          </a:fontRef>
+        </p:style>
+        <p:txBody>
+          <a:bodyPr wrap="square">
+            <a:spAutoFit/>
+          </a:bodyPr>
+          <a:lstStyle/>
+          <a:p>
+            <a:r>
+              <a:rPr lang="en-US" sz="3200" dirty="0" smtClean="0"/>
+              <a:t>-&gt; </a:t>
+            </a:r>
+            <a:r>
+              <a:rPr lang="en-US" sz="3200" dirty="0" err="1" smtClean="0"/>
+              <a:t>git</a:t>
+            </a:r>
+            <a:r>
+              <a:rPr lang="en-US" sz="3200" dirty="0" smtClean="0"/>
+              <a:t> checkout master</a:t>
+            </a:r>
+            <a:endParaRPr lang="en-US" sz="3200" dirty="0"/>
+          </a:p>
+        </p:txBody>
+      </p:sp>
+    </p:spTree>
+  </p:cSld>
+  <p:clrMapOvr>
+    <a:masterClrMapping/>
+  </p:clrMapOvr>
+  <p:timing>
+    <p:tnLst>
+      <p:par>
+        <p:cTn id="1" dur="indefinite" restart="never" nodeType="tmRoot"/>
+      </p:par>
+    </p:tnLst>
+  </p:timing>
+</p:sld>
+</file>
+
+<file path=ppt/slides/slide14.xml><?xml version="1.0" encoding="utf-8"?>
+<p:sld xmlns:a="http://schemas.openxmlformats.org/drawingml/2006/main" xmlns:r="http://schemas.openxmlformats.org/officeDocument/2006/relationships" xmlns:p="http://schemas.openxmlformats.org/presentationml/2006/main">
+  <p:cSld>
+    <p:spTree>
+      <p:nvGrpSpPr>
+        <p:cNvPr id="1" name=""/>
+        <p:cNvGrpSpPr/>
+        <p:nvPr/>
+      </p:nvGrpSpPr>
+      <p:grpSpPr>
+        <a:xfrm>
+          <a:off x="0" y="0"/>
+          <a:ext cx="0" cy="0"/>
+          <a:chOff x="0" y="0"/>
+          <a:chExt cx="0" cy="0"/>
+        </a:xfrm>
+      </p:grpSpPr>
+      <p:sp>
+        <p:nvSpPr>
+          <p:cNvPr id="3" name="Rectangle 2"/>
+          <p:cNvSpPr/>
+          <p:nvPr/>
+        </p:nvSpPr>
+        <p:spPr>
+          <a:xfrm>
             <a:off x="1600200" y="1524000"/>
             <a:ext cx="7543800" cy="523220"/>
           </a:xfrm>
@@ -5556,11 +5874,7 @@
             </a:r>
             <a:r>
               <a:rPr lang="en-US" sz="2400" dirty="0" smtClean="0"/>
-              <a:t> Commit Individual </a:t>
-            </a:r>
-            <a:r>
-              <a:rPr lang="en-US" sz="2400" dirty="0" smtClean="0"/>
-              <a:t>Check</a:t>
+              <a:t> Commit Individual Check</a:t>
             </a:r>
             <a:endParaRPr lang="en-US" sz="2400" dirty="0"/>
           </a:p>
@@ -5581,7 +5895,2324 @@
 </p:sld>
 </file>
 
+<file path=ppt/slides/slide15.xml><?xml version="1.0" encoding="utf-8"?>
+<p:sld xmlns:a="http://schemas.openxmlformats.org/drawingml/2006/main" xmlns:r="http://schemas.openxmlformats.org/officeDocument/2006/relationships" xmlns:p="http://schemas.openxmlformats.org/presentationml/2006/main">
+  <p:cSld>
+    <p:spTree>
+      <p:nvGrpSpPr>
+        <p:cNvPr id="1" name=""/>
+        <p:cNvGrpSpPr/>
+        <p:nvPr/>
+      </p:nvGrpSpPr>
+      <p:grpSpPr>
+        <a:xfrm>
+          <a:off x="0" y="0"/>
+          <a:ext cx="0" cy="0"/>
+          <a:chOff x="0" y="0"/>
+          <a:chExt cx="0" cy="0"/>
+        </a:xfrm>
+      </p:grpSpPr>
+      <p:pic>
+        <p:nvPicPr>
+          <p:cNvPr id="5122" name="Picture 4" descr="C:\Users\user pc\Downloads\images.jpg"/>
+          <p:cNvPicPr>
+            <a:picLocks noChangeAspect="1" noChangeArrowheads="1"/>
+          </p:cNvPicPr>
+          <p:nvPr/>
+        </p:nvPicPr>
+        <p:blipFill>
+          <a:blip r:embed="rId2"/>
+          <a:srcRect/>
+          <a:stretch>
+            <a:fillRect/>
+          </a:stretch>
+        </p:blipFill>
+        <p:spPr bwMode="auto">
+          <a:xfrm>
+            <a:off x="0" y="0"/>
+            <a:ext cx="9144000" cy="6934200"/>
+          </a:xfrm>
+          <a:prstGeom prst="rect">
+            <a:avLst/>
+          </a:prstGeom>
+          <a:noFill/>
+          <a:ln w="9525">
+            <a:noFill/>
+            <a:miter lim="800000"/>
+            <a:headEnd/>
+            <a:tailEnd/>
+          </a:ln>
+        </p:spPr>
+      </p:pic>
+      <p:sp>
+        <p:nvSpPr>
+          <p:cNvPr id="6" name="Title 5"/>
+          <p:cNvSpPr>
+            <a:spLocks noGrp="1"/>
+          </p:cNvSpPr>
+          <p:nvPr>
+            <p:ph type="title"/>
+          </p:nvPr>
+        </p:nvSpPr>
+        <p:spPr>
+          <a:xfrm>
+            <a:off x="228600" y="274638"/>
+            <a:ext cx="8763000" cy="1143000"/>
+          </a:xfrm>
+        </p:spPr>
+        <p:txBody>
+          <a:bodyPr rtlCol="0">
+            <a:noAutofit/>
+          </a:bodyPr>
+          <a:lstStyle/>
+          <a:p>
+            <a:pPr algn="l" eaLnBrk="1" fontAlgn="auto" hangingPunct="1">
+              <a:spcAft>
+                <a:spcPts val="0"/>
+              </a:spcAft>
+              <a:defRPr/>
+            </a:pPr>
+            <a:r>
+              <a:rPr lang="en-US" sz="4000" b="1" dirty="0" smtClean="0">
+                <a:solidFill>
+                  <a:schemeClr val="tx1">
+                    <a:lumMod val="75000"/>
+                    <a:lumOff val="25000"/>
+                  </a:schemeClr>
+                </a:solidFill>
+              </a:rPr>
+              <a:t>Some </a:t>
+            </a:r>
+            <a:r>
+              <a:rPr lang="en-US" sz="4000" b="1" dirty="0" err="1" smtClean="0">
+                <a:solidFill>
+                  <a:schemeClr val="tx1">
+                    <a:lumMod val="75000"/>
+                    <a:lumOff val="25000"/>
+                  </a:schemeClr>
+                </a:solidFill>
+              </a:rPr>
+              <a:t>Git</a:t>
+            </a:r>
+            <a:r>
+              <a:rPr lang="en-US" sz="4000" b="1" dirty="0" smtClean="0">
+                <a:solidFill>
+                  <a:schemeClr val="tx1">
+                    <a:lumMod val="75000"/>
+                    <a:lumOff val="25000"/>
+                  </a:schemeClr>
+                </a:solidFill>
+              </a:rPr>
+              <a:t> Repository Hosting Service</a:t>
+            </a:r>
+          </a:p>
+        </p:txBody>
+      </p:sp>
+      <p:sp>
+        <p:nvSpPr>
+          <p:cNvPr id="8" name="Content Placeholder 2"/>
+          <p:cNvSpPr txBox="1">
+            <a:spLocks/>
+          </p:cNvSpPr>
+          <p:nvPr/>
+        </p:nvSpPr>
+        <p:spPr>
+          <a:xfrm>
+            <a:off x="381000" y="1371600"/>
+            <a:ext cx="4419600" cy="5029200"/>
+          </a:xfrm>
+          <a:prstGeom prst="rect">
+            <a:avLst/>
+          </a:prstGeom>
+        </p:spPr>
+        <p:txBody>
+          <a:bodyPr>
+            <a:normAutofit/>
+          </a:bodyPr>
+          <a:lstStyle/>
+          <a:p>
+            <a:pPr marL="342900" indent="-342900" fontAlgn="auto">
+              <a:spcBef>
+                <a:spcPct val="20000"/>
+              </a:spcBef>
+              <a:spcAft>
+                <a:spcPts val="0"/>
+              </a:spcAft>
+              <a:buFont typeface="Arial" pitchFamily="34" charset="0"/>
+              <a:buChar char="•"/>
+              <a:defRPr/>
+            </a:pPr>
+            <a:endParaRPr lang="en-US" sz="3200" b="1" dirty="0">
+              <a:solidFill>
+                <a:schemeClr val="tx1">
+                  <a:lumMod val="65000"/>
+                  <a:lumOff val="35000"/>
+                </a:schemeClr>
+              </a:solidFill>
+              <a:latin typeface="+mn-lt"/>
+              <a:cs typeface="+mn-cs"/>
+            </a:endParaRPr>
+          </a:p>
+        </p:txBody>
+      </p:sp>
+      <p:pic>
+        <p:nvPicPr>
+          <p:cNvPr id="5126" name="Picture 3" descr="C:\Users\user pc\Downloads\download (2).png"/>
+          <p:cNvPicPr>
+            <a:picLocks noChangeAspect="1" noChangeArrowheads="1"/>
+          </p:cNvPicPr>
+          <p:nvPr/>
+        </p:nvPicPr>
+        <p:blipFill>
+          <a:blip r:embed="rId3"/>
+          <a:srcRect/>
+          <a:stretch>
+            <a:fillRect/>
+          </a:stretch>
+        </p:blipFill>
+        <p:spPr bwMode="auto">
+          <a:xfrm>
+            <a:off x="3505200" y="1524000"/>
+            <a:ext cx="2514600" cy="1371600"/>
+          </a:xfrm>
+          <a:prstGeom prst="roundRect">
+            <a:avLst>
+              <a:gd name="adj" fmla="val 8594"/>
+            </a:avLst>
+          </a:prstGeom>
+          <a:solidFill>
+            <a:srgbClr val="FFFFFF">
+              <a:shade val="85000"/>
+            </a:srgbClr>
+          </a:solidFill>
+          <a:ln>
+            <a:noFill/>
+          </a:ln>
+          <a:effectLst>
+            <a:reflection blurRad="12700" stA="38000" endPos="28000" dist="5000" dir="5400000" sy="-100000" algn="bl" rotWithShape="0"/>
+          </a:effectLst>
+        </p:spPr>
+      </p:pic>
+      <p:pic>
+        <p:nvPicPr>
+          <p:cNvPr id="5127" name="Picture 4" descr="C:\Users\user pc\Downloads\images.png"/>
+          <p:cNvPicPr>
+            <a:picLocks noChangeAspect="1" noChangeArrowheads="1"/>
+          </p:cNvPicPr>
+          <p:nvPr/>
+        </p:nvPicPr>
+        <p:blipFill>
+          <a:blip r:embed="rId4"/>
+          <a:srcRect/>
+          <a:stretch>
+            <a:fillRect/>
+          </a:stretch>
+        </p:blipFill>
+        <p:spPr bwMode="auto">
+          <a:xfrm>
+            <a:off x="152400" y="1524000"/>
+            <a:ext cx="3279775" cy="1371600"/>
+          </a:xfrm>
+          <a:prstGeom prst="roundRect">
+            <a:avLst>
+              <a:gd name="adj" fmla="val 8594"/>
+            </a:avLst>
+          </a:prstGeom>
+          <a:solidFill>
+            <a:srgbClr val="FFFFFF">
+              <a:shade val="85000"/>
+            </a:srgbClr>
+          </a:solidFill>
+          <a:ln>
+            <a:noFill/>
+          </a:ln>
+          <a:effectLst>
+            <a:reflection blurRad="12700" stA="38000" endPos="28000" dist="5000" dir="5400000" sy="-100000" algn="bl" rotWithShape="0"/>
+          </a:effectLst>
+        </p:spPr>
+      </p:pic>
+      <p:pic>
+        <p:nvPicPr>
+          <p:cNvPr id="5128" name="Picture 5" descr="C:\Users\user pc\Downloads\download (2).jpg"/>
+          <p:cNvPicPr>
+            <a:picLocks noChangeAspect="1" noChangeArrowheads="1"/>
+          </p:cNvPicPr>
+          <p:nvPr/>
+        </p:nvPicPr>
+        <p:blipFill>
+          <a:blip r:embed="rId5"/>
+          <a:srcRect/>
+          <a:stretch>
+            <a:fillRect/>
+          </a:stretch>
+        </p:blipFill>
+        <p:spPr bwMode="auto">
+          <a:xfrm>
+            <a:off x="6096000" y="1524000"/>
+            <a:ext cx="1397000" cy="1371600"/>
+          </a:xfrm>
+          <a:prstGeom prst="roundRect">
+            <a:avLst>
+              <a:gd name="adj" fmla="val 8594"/>
+            </a:avLst>
+          </a:prstGeom>
+          <a:solidFill>
+            <a:srgbClr val="FFFFFF">
+              <a:shade val="85000"/>
+            </a:srgbClr>
+          </a:solidFill>
+          <a:ln>
+            <a:noFill/>
+          </a:ln>
+          <a:effectLst>
+            <a:reflection blurRad="12700" stA="38000" endPos="28000" dist="5000" dir="5400000" sy="-100000" algn="bl" rotWithShape="0"/>
+          </a:effectLst>
+        </p:spPr>
+      </p:pic>
+      <p:pic>
+        <p:nvPicPr>
+          <p:cNvPr id="5129" name="Picture 9" descr="C:\Users\user pc\Downloads\Untitled.png"/>
+          <p:cNvPicPr>
+            <a:picLocks noChangeAspect="1" noChangeArrowheads="1"/>
+          </p:cNvPicPr>
+          <p:nvPr/>
+        </p:nvPicPr>
+        <p:blipFill>
+          <a:blip r:embed="rId6"/>
+          <a:srcRect/>
+          <a:stretch>
+            <a:fillRect/>
+          </a:stretch>
+        </p:blipFill>
+        <p:spPr bwMode="auto">
+          <a:xfrm>
+            <a:off x="457200" y="4114800"/>
+            <a:ext cx="8229600" cy="2214563"/>
+          </a:xfrm>
+          <a:prstGeom prst="rect">
+            <a:avLst/>
+          </a:prstGeom>
+          <a:ln w="38100" cap="sq">
+            <a:solidFill>
+              <a:srgbClr val="000000"/>
+            </a:solidFill>
+            <a:prstDash val="solid"/>
+            <a:miter lim="800000"/>
+          </a:ln>
+          <a:effectLst>
+            <a:outerShdw blurRad="50800" dist="38100" dir="2700000" algn="tl" rotWithShape="0">
+              <a:srgbClr val="000000">
+                <a:alpha val="43000"/>
+              </a:srgbClr>
+            </a:outerShdw>
+          </a:effectLst>
+        </p:spPr>
+      </p:pic>
+      <p:sp>
+        <p:nvSpPr>
+          <p:cNvPr id="10" name="Title 5"/>
+          <p:cNvSpPr txBox="1">
+            <a:spLocks/>
+          </p:cNvSpPr>
+          <p:nvPr/>
+        </p:nvSpPr>
+        <p:spPr bwMode="auto">
+          <a:xfrm>
+            <a:off x="304800" y="3048000"/>
+            <a:ext cx="8763000" cy="1143000"/>
+          </a:xfrm>
+          <a:prstGeom prst="rect">
+            <a:avLst/>
+          </a:prstGeom>
+          <a:noFill/>
+          <a:ln w="9525">
+            <a:noFill/>
+            <a:miter lim="800000"/>
+            <a:headEnd/>
+            <a:tailEnd/>
+          </a:ln>
+        </p:spPr>
+        <p:txBody>
+          <a:bodyPr anchor="ctr"/>
+          <a:lstStyle/>
+          <a:p>
+            <a:pPr fontAlgn="auto">
+              <a:spcAft>
+                <a:spcPts val="0"/>
+              </a:spcAft>
+              <a:defRPr/>
+            </a:pPr>
+            <a:r>
+              <a:rPr lang="en-US" sz="4000" b="1" dirty="0">
+                <a:solidFill>
+                  <a:schemeClr val="tx1">
+                    <a:lumMod val="75000"/>
+                    <a:lumOff val="25000"/>
+                  </a:schemeClr>
+                </a:solidFill>
+                <a:latin typeface="+mj-lt"/>
+                <a:ea typeface="+mj-ea"/>
+                <a:cs typeface="+mj-cs"/>
+              </a:rPr>
+              <a:t>Some Tech Giants Use </a:t>
+            </a:r>
+            <a:r>
+              <a:rPr lang="en-US" sz="4000" b="1" dirty="0" err="1">
+                <a:solidFill>
+                  <a:schemeClr val="tx1">
+                    <a:lumMod val="75000"/>
+                    <a:lumOff val="25000"/>
+                  </a:schemeClr>
+                </a:solidFill>
+                <a:latin typeface="+mj-lt"/>
+                <a:ea typeface="+mj-ea"/>
+                <a:cs typeface="+mj-cs"/>
+              </a:rPr>
+              <a:t>G</a:t>
+            </a:r>
+            <a:r>
+              <a:rPr lang="en-US" sz="4000" b="1" dirty="0">
+                <a:solidFill>
+                  <a:schemeClr val="tx1">
+                    <a:lumMod val="75000"/>
+                    <a:lumOff val="25000"/>
+                  </a:schemeClr>
+                </a:solidFill>
+                <a:latin typeface="+mj-lt"/>
+                <a:ea typeface="+mj-ea"/>
+                <a:cs typeface="+mj-cs"/>
+              </a:rPr>
+              <a:t>it</a:t>
+            </a:r>
+          </a:p>
+        </p:txBody>
+      </p:sp>
+      <p:pic>
+        <p:nvPicPr>
+          <p:cNvPr id="5125" name="Picture 2" descr="C:\Users\user pc\Downloads\download (1).png"/>
+          <p:cNvPicPr>
+            <a:picLocks noChangeAspect="1" noChangeArrowheads="1"/>
+          </p:cNvPicPr>
+          <p:nvPr/>
+        </p:nvPicPr>
+        <p:blipFill>
+          <a:blip r:embed="rId7"/>
+          <a:srcRect/>
+          <a:stretch>
+            <a:fillRect/>
+          </a:stretch>
+        </p:blipFill>
+        <p:spPr bwMode="auto">
+          <a:xfrm>
+            <a:off x="7620000" y="1524000"/>
+            <a:ext cx="1371600" cy="1371600"/>
+          </a:xfrm>
+          <a:prstGeom prst="roundRect">
+            <a:avLst>
+              <a:gd name="adj" fmla="val 8594"/>
+            </a:avLst>
+          </a:prstGeom>
+          <a:solidFill>
+            <a:srgbClr val="FFFFFF">
+              <a:shade val="85000"/>
+            </a:srgbClr>
+          </a:solidFill>
+          <a:ln>
+            <a:noFill/>
+          </a:ln>
+          <a:effectLst>
+            <a:reflection blurRad="12700" stA="38000" endPos="28000" dist="5000" dir="5400000" sy="-100000" algn="bl" rotWithShape="0"/>
+          </a:effectLst>
+        </p:spPr>
+      </p:pic>
+    </p:spTree>
+  </p:cSld>
+  <p:clrMapOvr>
+    <a:masterClrMapping/>
+  </p:clrMapOvr>
+  <p:timing>
+    <p:tnLst>
+      <p:par>
+        <p:cTn id="1" dur="indefinite" restart="never" nodeType="tmRoot">
+          <p:childTnLst>
+            <p:seq concurrent="1" nextAc="seek">
+              <p:cTn id="2" dur="indefinite" nodeType="mainSeq">
+                <p:childTnLst>
+                  <p:par>
+                    <p:cTn id="3" fill="hold">
+                      <p:stCondLst>
+                        <p:cond delay="indefinite"/>
+                        <p:cond evt="onBegin" delay="0">
+                          <p:tn val="2"/>
+                        </p:cond>
+                      </p:stCondLst>
+                      <p:childTnLst>
+                        <p:par>
+                          <p:cTn id="4" fill="hold">
+                            <p:stCondLst>
+                              <p:cond delay="0"/>
+                            </p:stCondLst>
+                            <p:childTnLst>
+                              <p:par>
+                                <p:cTn id="5" presetID="27" presetClass="entr" presetSubtype="0" fill="hold" nodeType="afterEffect" nodePh="1">
+                                  <p:stCondLst>
+                                    <p:cond delay="0"/>
+                                  </p:stCondLst>
+                                  <p:endCondLst>
+                                    <p:cond evt="begin" delay="0">
+                                      <p:tn val="5"/>
+                                    </p:cond>
+                                  </p:endCondLst>
+                                  <p:iterate type="lt">
+                                    <p:tmPct val="50000"/>
+                                  </p:iterate>
+                                  <p:childTnLst>
+                                    <p:set>
+                                      <p:cBhvr>
+                                        <p:cTn id="6" dur="1" fill="hold">
+                                          <p:stCondLst>
+                                            <p:cond delay="0"/>
+                                          </p:stCondLst>
+                                        </p:cTn>
+                                        <p:tgtEl>
+                                          <p:spTgt spid="8">
+                                            <p:txEl>
+                                              <p:pRg st="0" end="0"/>
+                                            </p:txEl>
+                                          </p:spTgt>
+                                        </p:tgtEl>
+                                        <p:attrNameLst>
+                                          <p:attrName>style.visibility</p:attrName>
+                                        </p:attrNameLst>
+                                      </p:cBhvr>
+                                      <p:to>
+                                        <p:strVal val="visible"/>
+                                      </p:to>
+                                    </p:set>
+                                    <p:anim calcmode="discrete" valueType="clr">
+                                      <p:cBhvr override="childStyle">
+                                        <p:cTn id="7" dur="80"/>
+                                        <p:tgtEl>
+                                          <p:spTgt spid="8">
+                                            <p:txEl>
+                                              <p:pRg st="0" end="0"/>
+                                            </p:txEl>
+                                          </p:spTgt>
+                                        </p:tgtEl>
+                                        <p:attrNameLst>
+                                          <p:attrName>style.color</p:attrName>
+                                        </p:attrNameLst>
+                                      </p:cBhvr>
+                                      <p:tavLst>
+                                        <p:tav tm="0">
+                                          <p:val>
+                                            <p:clrVal>
+                                              <a:schemeClr val="accent2"/>
+                                            </p:clrVal>
+                                          </p:val>
+                                        </p:tav>
+                                        <p:tav tm="50000">
+                                          <p:val>
+                                            <p:clrVal>
+                                              <a:schemeClr val="hlink"/>
+                                            </p:clrVal>
+                                          </p:val>
+                                        </p:tav>
+                                      </p:tavLst>
+                                    </p:anim>
+                                    <p:anim calcmode="discrete" valueType="clr">
+                                      <p:cBhvr>
+                                        <p:cTn id="8" dur="80"/>
+                                        <p:tgtEl>
+                                          <p:spTgt spid="8">
+                                            <p:txEl>
+                                              <p:pRg st="0" end="0"/>
+                                            </p:txEl>
+                                          </p:spTgt>
+                                        </p:tgtEl>
+                                        <p:attrNameLst>
+                                          <p:attrName>fillcolor</p:attrName>
+                                        </p:attrNameLst>
+                                      </p:cBhvr>
+                                      <p:tavLst>
+                                        <p:tav tm="0">
+                                          <p:val>
+                                            <p:clrVal>
+                                              <a:schemeClr val="accent2"/>
+                                            </p:clrVal>
+                                          </p:val>
+                                        </p:tav>
+                                        <p:tav tm="50000">
+                                          <p:val>
+                                            <p:clrVal>
+                                              <a:schemeClr val="hlink"/>
+                                            </p:clrVal>
+                                          </p:val>
+                                        </p:tav>
+                                      </p:tavLst>
+                                    </p:anim>
+                                    <p:set>
+                                      <p:cBhvr>
+                                        <p:cTn id="9" dur="80"/>
+                                        <p:tgtEl>
+                                          <p:spTgt spid="8">
+                                            <p:txEl>
+                                              <p:pRg st="0" end="0"/>
+                                            </p:txEl>
+                                          </p:spTgt>
+                                        </p:tgtEl>
+                                        <p:attrNameLst>
+                                          <p:attrName>fill.type</p:attrName>
+                                        </p:attrNameLst>
+                                      </p:cBhvr>
+                                      <p:to>
+                                        <p:strVal val="solid"/>
+                                      </p:to>
+                                    </p:set>
+                                  </p:childTnLst>
+                                </p:cTn>
+                              </p:par>
+                            </p:childTnLst>
+                          </p:cTn>
+                        </p:par>
+                      </p:childTnLst>
+                    </p:cTn>
+                  </p:par>
+                  <p:par>
+                    <p:cTn id="10" fill="hold">
+                      <p:stCondLst>
+                        <p:cond delay="indefinite"/>
+                      </p:stCondLst>
+                      <p:childTnLst>
+                        <p:par>
+                          <p:cTn id="11" fill="hold">
+                            <p:stCondLst>
+                              <p:cond delay="0"/>
+                            </p:stCondLst>
+                            <p:childTnLst>
+                              <p:par>
+                                <p:cTn id="12" presetID="27" presetClass="entr" presetSubtype="0" fill="hold" grpId="0" nodeType="clickEffect">
+                                  <p:stCondLst>
+                                    <p:cond delay="0"/>
+                                  </p:stCondLst>
+                                  <p:iterate type="lt">
+                                    <p:tmPct val="50000"/>
+                                  </p:iterate>
+                                  <p:childTnLst>
+                                    <p:set>
+                                      <p:cBhvr>
+                                        <p:cTn id="13" dur="1" fill="hold">
+                                          <p:stCondLst>
+                                            <p:cond delay="0"/>
+                                          </p:stCondLst>
+                                        </p:cTn>
+                                        <p:tgtEl>
+                                          <p:spTgt spid="6"/>
+                                        </p:tgtEl>
+                                        <p:attrNameLst>
+                                          <p:attrName>style.visibility</p:attrName>
+                                        </p:attrNameLst>
+                                      </p:cBhvr>
+                                      <p:to>
+                                        <p:strVal val="visible"/>
+                                      </p:to>
+                                    </p:set>
+                                    <p:anim calcmode="discrete" valueType="clr">
+                                      <p:cBhvr override="childStyle">
+                                        <p:cTn id="14" dur="80"/>
+                                        <p:tgtEl>
+                                          <p:spTgt spid="6"/>
+                                        </p:tgtEl>
+                                        <p:attrNameLst>
+                                          <p:attrName>style.color</p:attrName>
+                                        </p:attrNameLst>
+                                      </p:cBhvr>
+                                      <p:tavLst>
+                                        <p:tav tm="0">
+                                          <p:val>
+                                            <p:clrVal>
+                                              <a:schemeClr val="accent2"/>
+                                            </p:clrVal>
+                                          </p:val>
+                                        </p:tav>
+                                        <p:tav tm="50000">
+                                          <p:val>
+                                            <p:clrVal>
+                                              <a:schemeClr val="hlink"/>
+                                            </p:clrVal>
+                                          </p:val>
+                                        </p:tav>
+                                      </p:tavLst>
+                                    </p:anim>
+                                    <p:anim calcmode="discrete" valueType="clr">
+                                      <p:cBhvr>
+                                        <p:cTn id="15" dur="80"/>
+                                        <p:tgtEl>
+                                          <p:spTgt spid="6"/>
+                                        </p:tgtEl>
+                                        <p:attrNameLst>
+                                          <p:attrName>fillcolor</p:attrName>
+                                        </p:attrNameLst>
+                                      </p:cBhvr>
+                                      <p:tavLst>
+                                        <p:tav tm="0">
+                                          <p:val>
+                                            <p:clrVal>
+                                              <a:schemeClr val="accent2"/>
+                                            </p:clrVal>
+                                          </p:val>
+                                        </p:tav>
+                                        <p:tav tm="50000">
+                                          <p:val>
+                                            <p:clrVal>
+                                              <a:schemeClr val="hlink"/>
+                                            </p:clrVal>
+                                          </p:val>
+                                        </p:tav>
+                                      </p:tavLst>
+                                    </p:anim>
+                                    <p:set>
+                                      <p:cBhvr>
+                                        <p:cTn id="16" dur="80"/>
+                                        <p:tgtEl>
+                                          <p:spTgt spid="6"/>
+                                        </p:tgtEl>
+                                        <p:attrNameLst>
+                                          <p:attrName>fill.type</p:attrName>
+                                        </p:attrNameLst>
+                                      </p:cBhvr>
+                                      <p:to>
+                                        <p:strVal val="solid"/>
+                                      </p:to>
+                                    </p:set>
+                                  </p:childTnLst>
+                                </p:cTn>
+                              </p:par>
+                            </p:childTnLst>
+                          </p:cTn>
+                        </p:par>
+                      </p:childTnLst>
+                    </p:cTn>
+                  </p:par>
+                  <p:par>
+                    <p:cTn id="17" fill="hold">
+                      <p:stCondLst>
+                        <p:cond delay="indefinite"/>
+                      </p:stCondLst>
+                      <p:childTnLst>
+                        <p:par>
+                          <p:cTn id="18" fill="hold">
+                            <p:stCondLst>
+                              <p:cond delay="0"/>
+                            </p:stCondLst>
+                            <p:childTnLst>
+                              <p:par>
+                                <p:cTn id="19" presetID="27" presetClass="entr" presetSubtype="0" fill="hold" grpId="0" nodeType="clickEffect">
+                                  <p:stCondLst>
+                                    <p:cond delay="0"/>
+                                  </p:stCondLst>
+                                  <p:iterate type="lt">
+                                    <p:tmPct val="50000"/>
+                                  </p:iterate>
+                                  <p:childTnLst>
+                                    <p:set>
+                                      <p:cBhvr>
+                                        <p:cTn id="20" dur="1" fill="hold">
+                                          <p:stCondLst>
+                                            <p:cond delay="0"/>
+                                          </p:stCondLst>
+                                        </p:cTn>
+                                        <p:tgtEl>
+                                          <p:spTgt spid="10"/>
+                                        </p:tgtEl>
+                                        <p:attrNameLst>
+                                          <p:attrName>style.visibility</p:attrName>
+                                        </p:attrNameLst>
+                                      </p:cBhvr>
+                                      <p:to>
+                                        <p:strVal val="visible"/>
+                                      </p:to>
+                                    </p:set>
+                                    <p:anim calcmode="discrete" valueType="clr">
+                                      <p:cBhvr override="childStyle">
+                                        <p:cTn id="21" dur="80"/>
+                                        <p:tgtEl>
+                                          <p:spTgt spid="10"/>
+                                        </p:tgtEl>
+                                        <p:attrNameLst>
+                                          <p:attrName>style.color</p:attrName>
+                                        </p:attrNameLst>
+                                      </p:cBhvr>
+                                      <p:tavLst>
+                                        <p:tav tm="0">
+                                          <p:val>
+                                            <p:clrVal>
+                                              <a:schemeClr val="accent2"/>
+                                            </p:clrVal>
+                                          </p:val>
+                                        </p:tav>
+                                        <p:tav tm="50000">
+                                          <p:val>
+                                            <p:clrVal>
+                                              <a:schemeClr val="hlink"/>
+                                            </p:clrVal>
+                                          </p:val>
+                                        </p:tav>
+                                      </p:tavLst>
+                                    </p:anim>
+                                    <p:anim calcmode="discrete" valueType="clr">
+                                      <p:cBhvr>
+                                        <p:cTn id="22" dur="80"/>
+                                        <p:tgtEl>
+                                          <p:spTgt spid="10"/>
+                                        </p:tgtEl>
+                                        <p:attrNameLst>
+                                          <p:attrName>fillcolor</p:attrName>
+                                        </p:attrNameLst>
+                                      </p:cBhvr>
+                                      <p:tavLst>
+                                        <p:tav tm="0">
+                                          <p:val>
+                                            <p:clrVal>
+                                              <a:schemeClr val="accent2"/>
+                                            </p:clrVal>
+                                          </p:val>
+                                        </p:tav>
+                                        <p:tav tm="50000">
+                                          <p:val>
+                                            <p:clrVal>
+                                              <a:schemeClr val="hlink"/>
+                                            </p:clrVal>
+                                          </p:val>
+                                        </p:tav>
+                                      </p:tavLst>
+                                    </p:anim>
+                                    <p:set>
+                                      <p:cBhvr>
+                                        <p:cTn id="23" dur="80"/>
+                                        <p:tgtEl>
+                                          <p:spTgt spid="10"/>
+                                        </p:tgtEl>
+                                        <p:attrNameLst>
+                                          <p:attrName>fill.type</p:attrName>
+                                        </p:attrNameLst>
+                                      </p:cBhvr>
+                                      <p:to>
+                                        <p:strVal val="solid"/>
+                                      </p:to>
+                                    </p:set>
+                                  </p:childTnLst>
+                                </p:cTn>
+                              </p:par>
+                            </p:childTnLst>
+                          </p:cTn>
+                        </p:par>
+                      </p:childTnLst>
+                    </p:cTn>
+                  </p:par>
+                </p:childTnLst>
+              </p:cTn>
+              <p:prevCondLst>
+                <p:cond evt="onPrev" delay="0">
+                  <p:tgtEl>
+                    <p:sldTgt/>
+                  </p:tgtEl>
+                </p:cond>
+              </p:prevCondLst>
+              <p:nextCondLst>
+                <p:cond evt="onNext" delay="0">
+                  <p:tgtEl>
+                    <p:sldTgt/>
+                  </p:tgtEl>
+                </p:cond>
+              </p:nextCondLst>
+            </p:seq>
+          </p:childTnLst>
+        </p:cTn>
+      </p:par>
+    </p:tnLst>
+    <p:bldLst>
+      <p:bldP spid="6" grpId="0"/>
+      <p:bldP spid="10" grpId="0"/>
+    </p:bldLst>
+  </p:timing>
+</p:sld>
+</file>
+
+<file path=ppt/slides/slide16.xml><?xml version="1.0" encoding="utf-8"?>
+<p:sld xmlns:a="http://schemas.openxmlformats.org/drawingml/2006/main" xmlns:r="http://schemas.openxmlformats.org/officeDocument/2006/relationships" xmlns:p="http://schemas.openxmlformats.org/presentationml/2006/main">
+  <p:cSld>
+    <p:spTree>
+      <p:nvGrpSpPr>
+        <p:cNvPr id="1" name=""/>
+        <p:cNvGrpSpPr/>
+        <p:nvPr/>
+      </p:nvGrpSpPr>
+      <p:grpSpPr>
+        <a:xfrm>
+          <a:off x="0" y="0"/>
+          <a:ext cx="0" cy="0"/>
+          <a:chOff x="0" y="0"/>
+          <a:chExt cx="0" cy="0"/>
+        </a:xfrm>
+      </p:grpSpPr>
+      <p:sp>
+        <p:nvSpPr>
+          <p:cNvPr id="6146" name="Title 1"/>
+          <p:cNvSpPr>
+            <a:spLocks noGrp="1"/>
+          </p:cNvSpPr>
+          <p:nvPr>
+            <p:ph type="title"/>
+          </p:nvPr>
+        </p:nvSpPr>
+        <p:spPr/>
+        <p:txBody>
+          <a:bodyPr/>
+          <a:lstStyle/>
+          <a:p>
+            <a:r>
+              <a:rPr lang="en-US" smtClean="0"/>
+              <a:t>Create account</a:t>
+            </a:r>
+          </a:p>
+        </p:txBody>
+      </p:sp>
+      <p:sp>
+        <p:nvSpPr>
+          <p:cNvPr id="6147" name="Content Placeholder 2"/>
+          <p:cNvSpPr>
+            <a:spLocks noGrp="1"/>
+          </p:cNvSpPr>
+          <p:nvPr>
+            <p:ph idx="1"/>
+          </p:nvPr>
+        </p:nvSpPr>
+        <p:spPr>
+          <a:xfrm>
+            <a:off x="457200" y="1600200"/>
+            <a:ext cx="8229600" cy="914400"/>
+          </a:xfrm>
+        </p:spPr>
+        <p:txBody>
+          <a:bodyPr/>
+          <a:lstStyle/>
+          <a:p>
+            <a:r>
+              <a:rPr lang="en-US" smtClean="0"/>
+              <a:t>Go to:     </a:t>
+            </a:r>
+            <a:r>
+              <a:rPr lang="en-US" smtClean="0">
+                <a:solidFill>
+                  <a:schemeClr val="accent1"/>
+                </a:solidFill>
+              </a:rPr>
+              <a:t>https://github.com/</a:t>
+            </a:r>
+          </a:p>
+        </p:txBody>
+      </p:sp>
+    </p:spTree>
+  </p:cSld>
+  <p:clrMapOvr>
+    <a:masterClrMapping/>
+  </p:clrMapOvr>
+</p:sld>
+</file>
+
+<file path=ppt/slides/slide17.xml><?xml version="1.0" encoding="utf-8"?>
+<p:sld xmlns:a="http://schemas.openxmlformats.org/drawingml/2006/main" xmlns:r="http://schemas.openxmlformats.org/officeDocument/2006/relationships" xmlns:p="http://schemas.openxmlformats.org/presentationml/2006/main">
+  <p:cSld>
+    <p:spTree>
+      <p:nvGrpSpPr>
+        <p:cNvPr id="1" name=""/>
+        <p:cNvGrpSpPr/>
+        <p:nvPr/>
+      </p:nvGrpSpPr>
+      <p:grpSpPr>
+        <a:xfrm>
+          <a:off x="0" y="0"/>
+          <a:ext cx="0" cy="0"/>
+          <a:chOff x="0" y="0"/>
+          <a:chExt cx="0" cy="0"/>
+        </a:xfrm>
+      </p:grpSpPr>
+      <p:sp>
+        <p:nvSpPr>
+          <p:cNvPr id="7170" name="Title 1"/>
+          <p:cNvSpPr>
+            <a:spLocks noGrp="1"/>
+          </p:cNvSpPr>
+          <p:nvPr>
+            <p:ph type="title"/>
+          </p:nvPr>
+        </p:nvSpPr>
+        <p:spPr/>
+        <p:txBody>
+          <a:bodyPr/>
+          <a:lstStyle/>
+          <a:p>
+            <a:r>
+              <a:rPr lang="en-US" smtClean="0"/>
+              <a:t>Git Public key</a:t>
+            </a:r>
+          </a:p>
+        </p:txBody>
+      </p:sp>
+      <p:sp>
+        <p:nvSpPr>
+          <p:cNvPr id="7171" name="Content Placeholder 2"/>
+          <p:cNvSpPr>
+            <a:spLocks noGrp="1"/>
+          </p:cNvSpPr>
+          <p:nvPr>
+            <p:ph idx="1"/>
+          </p:nvPr>
+        </p:nvSpPr>
+        <p:spPr/>
+        <p:txBody>
+          <a:bodyPr/>
+          <a:lstStyle/>
+          <a:p>
+            <a:r>
+              <a:rPr lang="de-DE" smtClean="0"/>
+              <a:t>ssh-keygen -t rsa -b 4096 -C "</a:t>
+            </a:r>
+            <a:r>
+              <a:rPr lang="de-DE" i="1" smtClean="0"/>
+              <a:t>your_email@example.com</a:t>
+            </a:r>
+            <a:r>
+              <a:rPr lang="de-DE" smtClean="0"/>
+              <a:t>"</a:t>
+            </a:r>
+          </a:p>
+          <a:p>
+            <a:r>
+              <a:rPr lang="en-US" smtClean="0"/>
+              <a:t>clip &lt; ~/.ssh/id_rsa.pub</a:t>
+            </a:r>
+          </a:p>
+        </p:txBody>
+      </p:sp>
+    </p:spTree>
+  </p:cSld>
+  <p:clrMapOvr>
+    <a:masterClrMapping/>
+  </p:clrMapOvr>
+</p:sld>
+</file>
+
+<file path=ppt/slides/slide18.xml><?xml version="1.0" encoding="utf-8"?>
+<p:sld xmlns:a="http://schemas.openxmlformats.org/drawingml/2006/main" xmlns:r="http://schemas.openxmlformats.org/officeDocument/2006/relationships" xmlns:p="http://schemas.openxmlformats.org/presentationml/2006/main">
+  <p:cSld>
+    <p:spTree>
+      <p:nvGrpSpPr>
+        <p:cNvPr id="1" name=""/>
+        <p:cNvGrpSpPr/>
+        <p:nvPr/>
+      </p:nvGrpSpPr>
+      <p:grpSpPr>
+        <a:xfrm>
+          <a:off x="0" y="0"/>
+          <a:ext cx="0" cy="0"/>
+          <a:chOff x="0" y="0"/>
+          <a:chExt cx="0" cy="0"/>
+        </a:xfrm>
+      </p:grpSpPr>
+      <p:sp>
+        <p:nvSpPr>
+          <p:cNvPr id="8194" name="Title 1"/>
+          <p:cNvSpPr>
+            <a:spLocks noGrp="1"/>
+          </p:cNvSpPr>
+          <p:nvPr>
+            <p:ph type="title"/>
+          </p:nvPr>
+        </p:nvSpPr>
+        <p:spPr/>
+        <p:txBody>
+          <a:bodyPr/>
+          <a:lstStyle/>
+          <a:p>
+            <a:r>
+              <a:rPr lang="en-US" smtClean="0"/>
+              <a:t>Clone</a:t>
+            </a:r>
+          </a:p>
+        </p:txBody>
+      </p:sp>
+      <p:sp>
+        <p:nvSpPr>
+          <p:cNvPr id="8195" name="Content Placeholder 2"/>
+          <p:cNvSpPr>
+            <a:spLocks noGrp="1"/>
+          </p:cNvSpPr>
+          <p:nvPr>
+            <p:ph idx="1"/>
+          </p:nvPr>
+        </p:nvSpPr>
+        <p:spPr/>
+        <p:txBody>
+          <a:bodyPr/>
+          <a:lstStyle/>
+          <a:p>
+            <a:r>
+              <a:rPr lang="en-US" smtClean="0"/>
+              <a:t>Git clone /url/</a:t>
+            </a:r>
+          </a:p>
+        </p:txBody>
+      </p:sp>
+    </p:spTree>
+  </p:cSld>
+  <p:clrMapOvr>
+    <a:masterClrMapping/>
+  </p:clrMapOvr>
+</p:sld>
+</file>
+
+<file path=ppt/slides/slide19.xml><?xml version="1.0" encoding="utf-8"?>
+<p:sld xmlns:a="http://schemas.openxmlformats.org/drawingml/2006/main" xmlns:r="http://schemas.openxmlformats.org/officeDocument/2006/relationships" xmlns:p="http://schemas.openxmlformats.org/presentationml/2006/main">
+  <p:cSld>
+    <p:spTree>
+      <p:nvGrpSpPr>
+        <p:cNvPr id="1" name=""/>
+        <p:cNvGrpSpPr/>
+        <p:nvPr/>
+      </p:nvGrpSpPr>
+      <p:grpSpPr>
+        <a:xfrm>
+          <a:off x="0" y="0"/>
+          <a:ext cx="0" cy="0"/>
+          <a:chOff x="0" y="0"/>
+          <a:chExt cx="0" cy="0"/>
+        </a:xfrm>
+      </p:grpSpPr>
+      <p:sp>
+        <p:nvSpPr>
+          <p:cNvPr id="9218" name="Title 1"/>
+          <p:cNvSpPr>
+            <a:spLocks noGrp="1"/>
+          </p:cNvSpPr>
+          <p:nvPr>
+            <p:ph type="title"/>
+          </p:nvPr>
+        </p:nvSpPr>
+        <p:spPr/>
+        <p:txBody>
+          <a:bodyPr/>
+          <a:lstStyle/>
+          <a:p>
+            <a:r>
+              <a:rPr lang="en-US" smtClean="0"/>
+              <a:t>clone</a:t>
+            </a:r>
+          </a:p>
+        </p:txBody>
+      </p:sp>
+      <p:sp>
+        <p:nvSpPr>
+          <p:cNvPr id="9219" name="Content Placeholder 2"/>
+          <p:cNvSpPr>
+            <a:spLocks noGrp="1"/>
+          </p:cNvSpPr>
+          <p:nvPr>
+            <p:ph idx="1"/>
+          </p:nvPr>
+        </p:nvSpPr>
+        <p:spPr/>
+        <p:txBody>
+          <a:bodyPr/>
+          <a:lstStyle/>
+          <a:p>
+            <a:r>
+              <a:rPr lang="en-US" smtClean="0"/>
+              <a:t>Git clone /url/</a:t>
+            </a:r>
+          </a:p>
+        </p:txBody>
+      </p:sp>
+    </p:spTree>
+  </p:cSld>
+  <p:clrMapOvr>
+    <a:masterClrMapping/>
+  </p:clrMapOvr>
+</p:sld>
+</file>
+
 <file path=ppt/slides/slide2.xml><?xml version="1.0" encoding="utf-8"?>
+<p:sld xmlns:a="http://schemas.openxmlformats.org/drawingml/2006/main" xmlns:r="http://schemas.openxmlformats.org/officeDocument/2006/relationships" xmlns:p="http://schemas.openxmlformats.org/presentationml/2006/main">
+  <p:cSld>
+    <p:spTree>
+      <p:nvGrpSpPr>
+        <p:cNvPr id="1" name=""/>
+        <p:cNvGrpSpPr/>
+        <p:nvPr/>
+      </p:nvGrpSpPr>
+      <p:grpSpPr>
+        <a:xfrm>
+          <a:off x="0" y="0"/>
+          <a:ext cx="0" cy="0"/>
+          <a:chOff x="0" y="0"/>
+          <a:chExt cx="0" cy="0"/>
+        </a:xfrm>
+      </p:grpSpPr>
+      <p:sp>
+        <p:nvSpPr>
+          <p:cNvPr id="6" name="Title 5"/>
+          <p:cNvSpPr>
+            <a:spLocks noGrp="1"/>
+          </p:cNvSpPr>
+          <p:nvPr>
+            <p:ph type="title"/>
+          </p:nvPr>
+        </p:nvSpPr>
+        <p:spPr>
+          <a:xfrm>
+            <a:off x="228600" y="274638"/>
+            <a:ext cx="8229600" cy="1143000"/>
+          </a:xfrm>
+        </p:spPr>
+        <p:txBody>
+          <a:bodyPr rtlCol="0">
+            <a:normAutofit/>
+          </a:bodyPr>
+          <a:lstStyle/>
+          <a:p>
+            <a:pPr algn="l" eaLnBrk="1" fontAlgn="auto" hangingPunct="1">
+              <a:spcAft>
+                <a:spcPts val="0"/>
+              </a:spcAft>
+              <a:defRPr/>
+            </a:pPr>
+            <a:r>
+              <a:rPr lang="en-US" b="1" dirty="0" smtClean="0">
+                <a:solidFill>
+                  <a:schemeClr val="bg1"/>
+                </a:solidFill>
+              </a:rPr>
+              <a:t>VCS</a:t>
+            </a:r>
+            <a:endParaRPr lang="en-US" b="1" dirty="0" smtClean="0">
+              <a:solidFill>
+                <a:schemeClr val="bg1"/>
+              </a:solidFill>
+            </a:endParaRPr>
+          </a:p>
+        </p:txBody>
+      </p:sp>
+      <p:pic>
+        <p:nvPicPr>
+          <p:cNvPr id="4103" name="Picture 7" descr="C:\Users\user pc\Downloads\basic_diffs.png"/>
+          <p:cNvPicPr>
+            <a:picLocks noChangeAspect="1" noChangeArrowheads="1"/>
+          </p:cNvPicPr>
+          <p:nvPr/>
+        </p:nvPicPr>
+        <p:blipFill>
+          <a:blip r:embed="rId2"/>
+          <a:srcRect/>
+          <a:stretch>
+            <a:fillRect/>
+          </a:stretch>
+        </p:blipFill>
+        <p:spPr bwMode="auto">
+          <a:xfrm>
+            <a:off x="228600" y="3962400"/>
+            <a:ext cx="5029200" cy="2514600"/>
+          </a:xfrm>
+          <a:prstGeom prst="rect">
+            <a:avLst/>
+          </a:prstGeom>
+          <a:ln>
+            <a:noFill/>
+          </a:ln>
+          <a:effectLst>
+            <a:softEdge rad="112500"/>
+          </a:effectLst>
+        </p:spPr>
+      </p:pic>
+      <p:sp>
+        <p:nvSpPr>
+          <p:cNvPr id="8" name="Content Placeholder 2"/>
+          <p:cNvSpPr txBox="1">
+            <a:spLocks/>
+          </p:cNvSpPr>
+          <p:nvPr/>
+        </p:nvSpPr>
+        <p:spPr>
+          <a:xfrm>
+            <a:off x="304800" y="1371600"/>
+            <a:ext cx="4419600" cy="2743200"/>
+          </a:xfrm>
+          <a:prstGeom prst="rect">
+            <a:avLst/>
+          </a:prstGeom>
+        </p:spPr>
+        <p:txBody>
+          <a:bodyPr>
+            <a:normAutofit/>
+          </a:bodyPr>
+          <a:lstStyle/>
+          <a:p>
+            <a:pPr marL="342900" indent="-342900" fontAlgn="auto">
+              <a:spcBef>
+                <a:spcPct val="20000"/>
+              </a:spcBef>
+              <a:spcAft>
+                <a:spcPts val="0"/>
+              </a:spcAft>
+              <a:buFont typeface="Arial" pitchFamily="34" charset="0"/>
+              <a:buChar char="•"/>
+              <a:defRPr/>
+            </a:pPr>
+            <a:endParaRPr lang="en-US" sz="3200" b="1" dirty="0">
+              <a:solidFill>
+                <a:schemeClr val="tx1">
+                  <a:lumMod val="65000"/>
+                  <a:lumOff val="35000"/>
+                </a:schemeClr>
+              </a:solidFill>
+              <a:latin typeface="+mn-lt"/>
+              <a:cs typeface="+mn-cs"/>
+            </a:endParaRPr>
+          </a:p>
+        </p:txBody>
+      </p:sp>
+      <p:sp>
+        <p:nvSpPr>
+          <p:cNvPr id="7" name="Content Placeholder 2"/>
+          <p:cNvSpPr txBox="1">
+            <a:spLocks/>
+          </p:cNvSpPr>
+          <p:nvPr/>
+        </p:nvSpPr>
+        <p:spPr>
+          <a:xfrm>
+            <a:off x="228600" y="1219200"/>
+            <a:ext cx="4267200" cy="2590800"/>
+          </a:xfrm>
+          <a:prstGeom prst="rect">
+            <a:avLst/>
+          </a:prstGeom>
+          <a:ln>
+            <a:noFill/>
+          </a:ln>
+        </p:spPr>
+        <p:txBody>
+          <a:bodyPr>
+            <a:normAutofit/>
+          </a:bodyPr>
+          <a:lstStyle/>
+          <a:p>
+            <a:pPr marL="342900" indent="-342900">
+              <a:spcBef>
+                <a:spcPct val="20000"/>
+              </a:spcBef>
+              <a:buFont typeface="Arial" pitchFamily="34" charset="0"/>
+              <a:buChar char="•"/>
+              <a:defRPr/>
+            </a:pPr>
+            <a:r>
+              <a:rPr lang="en-US" sz="2400" b="1" dirty="0">
+                <a:solidFill>
+                  <a:schemeClr val="bg1"/>
+                </a:solidFill>
+                <a:latin typeface="+mn-lt"/>
+                <a:cs typeface="+mn-cs"/>
+              </a:rPr>
+              <a:t>Understanding What Happened</a:t>
+            </a:r>
+          </a:p>
+          <a:p>
+            <a:pPr marL="342900" indent="-342900">
+              <a:spcBef>
+                <a:spcPct val="20000"/>
+              </a:spcBef>
+              <a:buFont typeface="Arial" pitchFamily="34" charset="0"/>
+              <a:buChar char="•"/>
+              <a:defRPr/>
+            </a:pPr>
+            <a:r>
+              <a:rPr lang="en-US" sz="2400" b="1" dirty="0">
+                <a:solidFill>
+                  <a:schemeClr val="bg1"/>
+                </a:solidFill>
+                <a:latin typeface="+mn-lt"/>
+                <a:cs typeface="+mn-cs"/>
+              </a:rPr>
+              <a:t>Restoring Previous Versions</a:t>
+            </a:r>
+          </a:p>
+          <a:p>
+            <a:pPr marL="342900" indent="-342900">
+              <a:spcBef>
+                <a:spcPct val="20000"/>
+              </a:spcBef>
+              <a:buFont typeface="Arial" pitchFamily="34" charset="0"/>
+              <a:buChar char="•"/>
+              <a:defRPr/>
+            </a:pPr>
+            <a:r>
+              <a:rPr lang="en-US" sz="2400" b="1" dirty="0">
+                <a:solidFill>
+                  <a:schemeClr val="bg1"/>
+                </a:solidFill>
+                <a:latin typeface="+mn-lt"/>
+                <a:cs typeface="+mn-cs"/>
+              </a:rPr>
+              <a:t>Storing Versions (Properly)</a:t>
+            </a:r>
+          </a:p>
+          <a:p>
+            <a:pPr marL="342900" indent="-342900">
+              <a:spcBef>
+                <a:spcPct val="20000"/>
+              </a:spcBef>
+              <a:buFont typeface="Arial" pitchFamily="34" charset="0"/>
+              <a:buChar char="•"/>
+              <a:defRPr/>
+            </a:pPr>
+            <a:r>
+              <a:rPr lang="en-US" sz="2400" b="1" dirty="0">
+                <a:solidFill>
+                  <a:schemeClr val="bg1"/>
+                </a:solidFill>
+                <a:latin typeface="+mn-lt"/>
+                <a:cs typeface="+mn-cs"/>
+              </a:rPr>
+              <a:t>Collaboration</a:t>
+            </a:r>
+          </a:p>
+          <a:p>
+            <a:pPr marL="342900" indent="-342900">
+              <a:spcBef>
+                <a:spcPct val="20000"/>
+              </a:spcBef>
+              <a:buFont typeface="Arial" pitchFamily="34" charset="0"/>
+              <a:buChar char="•"/>
+              <a:defRPr/>
+            </a:pPr>
+            <a:r>
+              <a:rPr lang="en-US" sz="2400" b="1" dirty="0">
+                <a:solidFill>
+                  <a:schemeClr val="bg1"/>
+                </a:solidFill>
+                <a:latin typeface="+mn-lt"/>
+                <a:cs typeface="+mn-cs"/>
+              </a:rPr>
+              <a:t>Backup</a:t>
+            </a:r>
+          </a:p>
+          <a:p>
+            <a:pPr marL="342900" indent="-342900" fontAlgn="auto">
+              <a:spcBef>
+                <a:spcPct val="20000"/>
+              </a:spcBef>
+              <a:spcAft>
+                <a:spcPts val="0"/>
+              </a:spcAft>
+              <a:buFont typeface="Arial" pitchFamily="34" charset="0"/>
+              <a:buChar char="•"/>
+              <a:defRPr/>
+            </a:pPr>
+            <a:endParaRPr lang="en-US" sz="2800" b="1" dirty="0">
+              <a:solidFill>
+                <a:schemeClr val="tx1">
+                  <a:lumMod val="65000"/>
+                  <a:lumOff val="35000"/>
+                </a:schemeClr>
+              </a:solidFill>
+              <a:latin typeface="+mn-lt"/>
+              <a:cs typeface="+mn-cs"/>
+            </a:endParaRPr>
+          </a:p>
+        </p:txBody>
+      </p:sp>
+      <p:pic>
+        <p:nvPicPr>
+          <p:cNvPr id="4104" name="Picture 8" descr="C:\Users\user pc\Downloads\VersionControl-Server.png"/>
+          <p:cNvPicPr>
+            <a:picLocks noChangeAspect="1" noChangeArrowheads="1"/>
+          </p:cNvPicPr>
+          <p:nvPr/>
+        </p:nvPicPr>
+        <p:blipFill>
+          <a:blip r:embed="rId3"/>
+          <a:srcRect/>
+          <a:stretch>
+            <a:fillRect/>
+          </a:stretch>
+        </p:blipFill>
+        <p:spPr bwMode="auto">
+          <a:xfrm>
+            <a:off x="4267200" y="1219200"/>
+            <a:ext cx="4679950" cy="2682875"/>
+          </a:xfrm>
+          <a:prstGeom prst="rect">
+            <a:avLst/>
+          </a:prstGeom>
+          <a:noFill/>
+          <a:ln w="9525">
+            <a:noFill/>
+            <a:miter lim="800000"/>
+            <a:headEnd/>
+            <a:tailEnd/>
+          </a:ln>
+        </p:spPr>
+      </p:pic>
+    </p:spTree>
+  </p:cSld>
+  <p:clrMapOvr>
+    <a:masterClrMapping/>
+  </p:clrMapOvr>
+  <p:timing>
+    <p:tnLst>
+      <p:par>
+        <p:cTn id="1" dur="indefinite" restart="never" nodeType="tmRoot">
+          <p:childTnLst>
+            <p:seq concurrent="1" nextAc="seek">
+              <p:cTn id="2" dur="indefinite" nodeType="mainSeq">
+                <p:childTnLst>
+                  <p:par>
+                    <p:cTn id="3" fill="hold">
+                      <p:stCondLst>
+                        <p:cond delay="indefinite"/>
+                        <p:cond evt="onBegin" delay="0">
+                          <p:tn val="2"/>
+                        </p:cond>
+                      </p:stCondLst>
+                      <p:childTnLst>
+                        <p:par>
+                          <p:cTn id="4" fill="hold">
+                            <p:stCondLst>
+                              <p:cond delay="0"/>
+                            </p:stCondLst>
+                            <p:childTnLst>
+                              <p:par>
+                                <p:cTn id="5" presetID="27" presetClass="entr" presetSubtype="0" fill="hold" nodeType="afterEffect" nodePh="1">
+                                  <p:stCondLst>
+                                    <p:cond delay="0"/>
+                                  </p:stCondLst>
+                                  <p:endCondLst>
+                                    <p:cond evt="begin" delay="0">
+                                      <p:tn val="5"/>
+                                    </p:cond>
+                                  </p:endCondLst>
+                                  <p:iterate type="lt">
+                                    <p:tmPct val="50000"/>
+                                  </p:iterate>
+                                  <p:childTnLst>
+                                    <p:set>
+                                      <p:cBhvr>
+                                        <p:cTn id="6" dur="1" fill="hold">
+                                          <p:stCondLst>
+                                            <p:cond delay="0"/>
+                                          </p:stCondLst>
+                                        </p:cTn>
+                                        <p:tgtEl>
+                                          <p:spTgt spid="8">
+                                            <p:txEl>
+                                              <p:pRg st="0" end="0"/>
+                                            </p:txEl>
+                                          </p:spTgt>
+                                        </p:tgtEl>
+                                        <p:attrNameLst>
+                                          <p:attrName>style.visibility</p:attrName>
+                                        </p:attrNameLst>
+                                      </p:cBhvr>
+                                      <p:to>
+                                        <p:strVal val="visible"/>
+                                      </p:to>
+                                    </p:set>
+                                    <p:anim calcmode="discrete" valueType="clr">
+                                      <p:cBhvr override="childStyle">
+                                        <p:cTn id="7" dur="80"/>
+                                        <p:tgtEl>
+                                          <p:spTgt spid="8">
+                                            <p:txEl>
+                                              <p:pRg st="0" end="0"/>
+                                            </p:txEl>
+                                          </p:spTgt>
+                                        </p:tgtEl>
+                                        <p:attrNameLst>
+                                          <p:attrName>style.color</p:attrName>
+                                        </p:attrNameLst>
+                                      </p:cBhvr>
+                                      <p:tavLst>
+                                        <p:tav tm="0">
+                                          <p:val>
+                                            <p:clrVal>
+                                              <a:schemeClr val="accent2"/>
+                                            </p:clrVal>
+                                          </p:val>
+                                        </p:tav>
+                                        <p:tav tm="50000">
+                                          <p:val>
+                                            <p:clrVal>
+                                              <a:schemeClr val="hlink"/>
+                                            </p:clrVal>
+                                          </p:val>
+                                        </p:tav>
+                                      </p:tavLst>
+                                    </p:anim>
+                                    <p:anim calcmode="discrete" valueType="clr">
+                                      <p:cBhvr>
+                                        <p:cTn id="8" dur="80"/>
+                                        <p:tgtEl>
+                                          <p:spTgt spid="8">
+                                            <p:txEl>
+                                              <p:pRg st="0" end="0"/>
+                                            </p:txEl>
+                                          </p:spTgt>
+                                        </p:tgtEl>
+                                        <p:attrNameLst>
+                                          <p:attrName>fillcolor</p:attrName>
+                                        </p:attrNameLst>
+                                      </p:cBhvr>
+                                      <p:tavLst>
+                                        <p:tav tm="0">
+                                          <p:val>
+                                            <p:clrVal>
+                                              <a:schemeClr val="accent2"/>
+                                            </p:clrVal>
+                                          </p:val>
+                                        </p:tav>
+                                        <p:tav tm="50000">
+                                          <p:val>
+                                            <p:clrVal>
+                                              <a:schemeClr val="hlink"/>
+                                            </p:clrVal>
+                                          </p:val>
+                                        </p:tav>
+                                      </p:tavLst>
+                                    </p:anim>
+                                    <p:set>
+                                      <p:cBhvr>
+                                        <p:cTn id="9" dur="80"/>
+                                        <p:tgtEl>
+                                          <p:spTgt spid="8">
+                                            <p:txEl>
+                                              <p:pRg st="0" end="0"/>
+                                            </p:txEl>
+                                          </p:spTgt>
+                                        </p:tgtEl>
+                                        <p:attrNameLst>
+                                          <p:attrName>fill.type</p:attrName>
+                                        </p:attrNameLst>
+                                      </p:cBhvr>
+                                      <p:to>
+                                        <p:strVal val="solid"/>
+                                      </p:to>
+                                    </p:set>
+                                  </p:childTnLst>
+                                </p:cTn>
+                              </p:par>
+                            </p:childTnLst>
+                          </p:cTn>
+                        </p:par>
+                      </p:childTnLst>
+                    </p:cTn>
+                  </p:par>
+                </p:childTnLst>
+              </p:cTn>
+              <p:prevCondLst>
+                <p:cond evt="onPrev" delay="0">
+                  <p:tgtEl>
+                    <p:sldTgt/>
+                  </p:tgtEl>
+                </p:cond>
+              </p:prevCondLst>
+              <p:nextCondLst>
+                <p:cond evt="onNext" delay="0">
+                  <p:tgtEl>
+                    <p:sldTgt/>
+                  </p:tgtEl>
+                </p:cond>
+              </p:nextCondLst>
+            </p:seq>
+          </p:childTnLst>
+        </p:cTn>
+      </p:par>
+    </p:tnLst>
+  </p:timing>
+</p:sld>
+</file>
+
+<file path=ppt/slides/slide20.xml><?xml version="1.0" encoding="utf-8"?>
+<p:sld xmlns:a="http://schemas.openxmlformats.org/drawingml/2006/main" xmlns:r="http://schemas.openxmlformats.org/officeDocument/2006/relationships" xmlns:p="http://schemas.openxmlformats.org/presentationml/2006/main">
+  <p:cSld>
+    <p:spTree>
+      <p:nvGrpSpPr>
+        <p:cNvPr id="1" name=""/>
+        <p:cNvGrpSpPr/>
+        <p:nvPr/>
+      </p:nvGrpSpPr>
+      <p:grpSpPr>
+        <a:xfrm>
+          <a:off x="0" y="0"/>
+          <a:ext cx="0" cy="0"/>
+          <a:chOff x="0" y="0"/>
+          <a:chExt cx="0" cy="0"/>
+        </a:xfrm>
+      </p:grpSpPr>
+      <p:sp>
+        <p:nvSpPr>
+          <p:cNvPr id="10242" name="Title 1"/>
+          <p:cNvSpPr>
+            <a:spLocks noGrp="1"/>
+          </p:cNvSpPr>
+          <p:nvPr>
+            <p:ph type="title"/>
+          </p:nvPr>
+        </p:nvSpPr>
+        <p:spPr/>
+        <p:txBody>
+          <a:bodyPr/>
+          <a:lstStyle/>
+          <a:p>
+            <a:r>
+              <a:rPr lang="en-US" smtClean="0"/>
+              <a:t>Push</a:t>
+            </a:r>
+          </a:p>
+        </p:txBody>
+      </p:sp>
+      <p:sp>
+        <p:nvSpPr>
+          <p:cNvPr id="10243" name="Content Placeholder 2"/>
+          <p:cNvSpPr>
+            <a:spLocks noGrp="1"/>
+          </p:cNvSpPr>
+          <p:nvPr>
+            <p:ph idx="1"/>
+          </p:nvPr>
+        </p:nvSpPr>
+        <p:spPr/>
+        <p:txBody>
+          <a:bodyPr/>
+          <a:lstStyle/>
+          <a:p>
+            <a:endParaRPr lang="en-US" smtClean="0"/>
+          </a:p>
+        </p:txBody>
+      </p:sp>
+    </p:spTree>
+  </p:cSld>
+  <p:clrMapOvr>
+    <a:masterClrMapping/>
+  </p:clrMapOvr>
+</p:sld>
+</file>
+
+<file path=ppt/slides/slide21.xml><?xml version="1.0" encoding="utf-8"?>
+<p:sld xmlns:a="http://schemas.openxmlformats.org/drawingml/2006/main" xmlns:r="http://schemas.openxmlformats.org/officeDocument/2006/relationships" xmlns:p="http://schemas.openxmlformats.org/presentationml/2006/main">
+  <p:cSld>
+    <p:spTree>
+      <p:nvGrpSpPr>
+        <p:cNvPr id="1" name=""/>
+        <p:cNvGrpSpPr/>
+        <p:nvPr/>
+      </p:nvGrpSpPr>
+      <p:grpSpPr>
+        <a:xfrm>
+          <a:off x="0" y="0"/>
+          <a:ext cx="0" cy="0"/>
+          <a:chOff x="0" y="0"/>
+          <a:chExt cx="0" cy="0"/>
+        </a:xfrm>
+      </p:grpSpPr>
+      <p:sp>
+        <p:nvSpPr>
+          <p:cNvPr id="11266" name="Title 1"/>
+          <p:cNvSpPr>
+            <a:spLocks noGrp="1"/>
+          </p:cNvSpPr>
+          <p:nvPr>
+            <p:ph type="title"/>
+          </p:nvPr>
+        </p:nvSpPr>
+        <p:spPr/>
+        <p:txBody>
+          <a:bodyPr/>
+          <a:lstStyle/>
+          <a:p>
+            <a:r>
+              <a:rPr lang="en-US" smtClean="0"/>
+              <a:t>Pull</a:t>
+            </a:r>
+          </a:p>
+        </p:txBody>
+      </p:sp>
+      <p:sp>
+        <p:nvSpPr>
+          <p:cNvPr id="11267" name="Content Placeholder 2"/>
+          <p:cNvSpPr>
+            <a:spLocks noGrp="1"/>
+          </p:cNvSpPr>
+          <p:nvPr>
+            <p:ph idx="1"/>
+          </p:nvPr>
+        </p:nvSpPr>
+        <p:spPr/>
+        <p:txBody>
+          <a:bodyPr/>
+          <a:lstStyle/>
+          <a:p>
+            <a:endParaRPr lang="en-US" smtClean="0"/>
+          </a:p>
+        </p:txBody>
+      </p:sp>
+    </p:spTree>
+  </p:cSld>
+  <p:clrMapOvr>
+    <a:masterClrMapping/>
+  </p:clrMapOvr>
+</p:sld>
+</file>
+
+<file path=ppt/slides/slide22.xml><?xml version="1.0" encoding="utf-8"?>
+<p:sld xmlns:a="http://schemas.openxmlformats.org/drawingml/2006/main" xmlns:r="http://schemas.openxmlformats.org/officeDocument/2006/relationships" xmlns:p="http://schemas.openxmlformats.org/presentationml/2006/main">
+  <p:cSld>
+    <p:spTree>
+      <p:nvGrpSpPr>
+        <p:cNvPr id="1" name=""/>
+        <p:cNvGrpSpPr/>
+        <p:nvPr/>
+      </p:nvGrpSpPr>
+      <p:grpSpPr>
+        <a:xfrm>
+          <a:off x="0" y="0"/>
+          <a:ext cx="0" cy="0"/>
+          <a:chOff x="0" y="0"/>
+          <a:chExt cx="0" cy="0"/>
+        </a:xfrm>
+      </p:grpSpPr>
+      <p:sp>
+        <p:nvSpPr>
+          <p:cNvPr id="2" name="Title 1"/>
+          <p:cNvSpPr>
+            <a:spLocks noGrp="1"/>
+          </p:cNvSpPr>
+          <p:nvPr>
+            <p:ph type="title"/>
+          </p:nvPr>
+        </p:nvSpPr>
+        <p:spPr/>
+        <p:txBody>
+          <a:bodyPr>
+            <a:normAutofit fontScale="90000"/>
+          </a:bodyPr>
+          <a:lstStyle/>
+          <a:p>
+            <a:pPr>
+              <a:defRPr/>
+            </a:pPr>
+            <a:r>
+              <a:rPr lang="en-US" dirty="0" smtClean="0"/>
+              <a:t>Conflict management</a:t>
+            </a:r>
+            <a:br>
+              <a:rPr lang="en-US" dirty="0" smtClean="0"/>
+            </a:br>
+            <a:endParaRPr lang="en-US" dirty="0"/>
+          </a:p>
+        </p:txBody>
+      </p:sp>
+      <p:sp>
+        <p:nvSpPr>
+          <p:cNvPr id="12291" name="Content Placeholder 2"/>
+          <p:cNvSpPr>
+            <a:spLocks noGrp="1"/>
+          </p:cNvSpPr>
+          <p:nvPr>
+            <p:ph idx="1"/>
+          </p:nvPr>
+        </p:nvSpPr>
+        <p:spPr/>
+        <p:txBody>
+          <a:bodyPr/>
+          <a:lstStyle/>
+          <a:p>
+            <a:endParaRPr lang="en-US" smtClean="0"/>
+          </a:p>
+        </p:txBody>
+      </p:sp>
+    </p:spTree>
+  </p:cSld>
+  <p:clrMapOvr>
+    <a:masterClrMapping/>
+  </p:clrMapOvr>
+</p:sld>
+</file>
+
+<file path=ppt/slides/slide23.xml><?xml version="1.0" encoding="utf-8"?>
+<p:sld xmlns:a="http://schemas.openxmlformats.org/drawingml/2006/main" xmlns:r="http://schemas.openxmlformats.org/officeDocument/2006/relationships" xmlns:p="http://schemas.openxmlformats.org/presentationml/2006/main">
+  <p:cSld>
+    <p:spTree>
+      <p:nvGrpSpPr>
+        <p:cNvPr id="1" name=""/>
+        <p:cNvGrpSpPr/>
+        <p:nvPr/>
+      </p:nvGrpSpPr>
+      <p:grpSpPr>
+        <a:xfrm>
+          <a:off x="0" y="0"/>
+          <a:ext cx="0" cy="0"/>
+          <a:chOff x="0" y="0"/>
+          <a:chExt cx="0" cy="0"/>
+        </a:xfrm>
+      </p:grpSpPr>
+      <p:sp>
+        <p:nvSpPr>
+          <p:cNvPr id="13314" name="Title 1"/>
+          <p:cNvSpPr>
+            <a:spLocks noGrp="1"/>
+          </p:cNvSpPr>
+          <p:nvPr>
+            <p:ph type="title"/>
+          </p:nvPr>
+        </p:nvSpPr>
+        <p:spPr/>
+        <p:txBody>
+          <a:bodyPr/>
+          <a:lstStyle/>
+          <a:p>
+            <a:r>
+              <a:rPr lang="en-US" smtClean="0"/>
+              <a:t>commit</a:t>
+            </a:r>
+          </a:p>
+        </p:txBody>
+      </p:sp>
+      <p:sp>
+        <p:nvSpPr>
+          <p:cNvPr id="13315" name="Content Placeholder 2"/>
+          <p:cNvSpPr>
+            <a:spLocks noGrp="1"/>
+          </p:cNvSpPr>
+          <p:nvPr>
+            <p:ph idx="1"/>
+          </p:nvPr>
+        </p:nvSpPr>
+        <p:spPr/>
+        <p:txBody>
+          <a:bodyPr/>
+          <a:lstStyle/>
+          <a:p>
+            <a:endParaRPr lang="en-US" smtClean="0"/>
+          </a:p>
+        </p:txBody>
+      </p:sp>
+    </p:spTree>
+  </p:cSld>
+  <p:clrMapOvr>
+    <a:masterClrMapping/>
+  </p:clrMapOvr>
+</p:sld>
+</file>
+
+<file path=ppt/slides/slide24.xml><?xml version="1.0" encoding="utf-8"?>
+<p:sld xmlns:a="http://schemas.openxmlformats.org/drawingml/2006/main" xmlns:r="http://schemas.openxmlformats.org/officeDocument/2006/relationships" xmlns:p="http://schemas.openxmlformats.org/presentationml/2006/main">
+  <p:cSld>
+    <p:spTree>
+      <p:nvGrpSpPr>
+        <p:cNvPr id="1" name=""/>
+        <p:cNvGrpSpPr/>
+        <p:nvPr/>
+      </p:nvGrpSpPr>
+      <p:grpSpPr>
+        <a:xfrm>
+          <a:off x="0" y="0"/>
+          <a:ext cx="0" cy="0"/>
+          <a:chOff x="0" y="0"/>
+          <a:chExt cx="0" cy="0"/>
+        </a:xfrm>
+      </p:grpSpPr>
+      <p:sp>
+        <p:nvSpPr>
+          <p:cNvPr id="14338" name="Title 1"/>
+          <p:cNvSpPr>
+            <a:spLocks noGrp="1"/>
+          </p:cNvSpPr>
+          <p:nvPr>
+            <p:ph type="title"/>
+          </p:nvPr>
+        </p:nvSpPr>
+        <p:spPr/>
+        <p:txBody>
+          <a:bodyPr/>
+          <a:lstStyle/>
+          <a:p>
+            <a:r>
+              <a:rPr lang="en-US" smtClean="0"/>
+              <a:t>diff</a:t>
+            </a:r>
+          </a:p>
+        </p:txBody>
+      </p:sp>
+      <p:sp>
+        <p:nvSpPr>
+          <p:cNvPr id="14339" name="Content Placeholder 2"/>
+          <p:cNvSpPr>
+            <a:spLocks noGrp="1"/>
+          </p:cNvSpPr>
+          <p:nvPr>
+            <p:ph idx="1"/>
+          </p:nvPr>
+        </p:nvSpPr>
+        <p:spPr/>
+        <p:txBody>
+          <a:bodyPr/>
+          <a:lstStyle/>
+          <a:p>
+            <a:endParaRPr lang="en-US" smtClean="0"/>
+          </a:p>
+        </p:txBody>
+      </p:sp>
+    </p:spTree>
+  </p:cSld>
+  <p:clrMapOvr>
+    <a:masterClrMapping/>
+  </p:clrMapOvr>
+</p:sld>
+</file>
+
+<file path=ppt/slides/slide25.xml><?xml version="1.0" encoding="utf-8"?>
+<p:sld xmlns:a="http://schemas.openxmlformats.org/drawingml/2006/main" xmlns:r="http://schemas.openxmlformats.org/officeDocument/2006/relationships" xmlns:p="http://schemas.openxmlformats.org/presentationml/2006/main" show="0">
+  <p:cSld>
+    <p:spTree>
+      <p:nvGrpSpPr>
+        <p:cNvPr id="1" name=""/>
+        <p:cNvGrpSpPr/>
+        <p:nvPr/>
+      </p:nvGrpSpPr>
+      <p:grpSpPr>
+        <a:xfrm>
+          <a:off x="0" y="0"/>
+          <a:ext cx="0" cy="0"/>
+          <a:chOff x="0" y="0"/>
+          <a:chExt cx="0" cy="0"/>
+        </a:xfrm>
+      </p:grpSpPr>
+      <p:sp>
+        <p:nvSpPr>
+          <p:cNvPr id="15362" name="Title 1"/>
+          <p:cNvSpPr>
+            <a:spLocks noGrp="1"/>
+          </p:cNvSpPr>
+          <p:nvPr>
+            <p:ph type="title"/>
+          </p:nvPr>
+        </p:nvSpPr>
+        <p:spPr/>
+        <p:txBody>
+          <a:bodyPr/>
+          <a:lstStyle/>
+          <a:p>
+            <a:r>
+              <a:rPr lang="en-US" smtClean="0"/>
+              <a:t>reset</a:t>
+            </a:r>
+          </a:p>
+        </p:txBody>
+      </p:sp>
+      <p:sp>
+        <p:nvSpPr>
+          <p:cNvPr id="15363" name="Content Placeholder 2"/>
+          <p:cNvSpPr>
+            <a:spLocks noGrp="1"/>
+          </p:cNvSpPr>
+          <p:nvPr>
+            <p:ph idx="1"/>
+          </p:nvPr>
+        </p:nvSpPr>
+        <p:spPr/>
+        <p:txBody>
+          <a:bodyPr/>
+          <a:lstStyle/>
+          <a:p>
+            <a:endParaRPr lang="en-US" smtClean="0"/>
+          </a:p>
+        </p:txBody>
+      </p:sp>
+    </p:spTree>
+  </p:cSld>
+  <p:clrMapOvr>
+    <a:masterClrMapping/>
+  </p:clrMapOvr>
+  <p:transition/>
+</p:sld>
+</file>
+
+<file path=ppt/slides/slide26.xml><?xml version="1.0" encoding="utf-8"?>
+<p:sld xmlns:a="http://schemas.openxmlformats.org/drawingml/2006/main" xmlns:r="http://schemas.openxmlformats.org/officeDocument/2006/relationships" xmlns:p="http://schemas.openxmlformats.org/presentationml/2006/main" show="0">
+  <p:cSld>
+    <p:spTree>
+      <p:nvGrpSpPr>
+        <p:cNvPr id="1" name=""/>
+        <p:cNvGrpSpPr/>
+        <p:nvPr/>
+      </p:nvGrpSpPr>
+      <p:grpSpPr>
+        <a:xfrm>
+          <a:off x="0" y="0"/>
+          <a:ext cx="0" cy="0"/>
+          <a:chOff x="0" y="0"/>
+          <a:chExt cx="0" cy="0"/>
+        </a:xfrm>
+      </p:grpSpPr>
+      <p:sp>
+        <p:nvSpPr>
+          <p:cNvPr id="16386" name="Title 1"/>
+          <p:cNvSpPr>
+            <a:spLocks noGrp="1"/>
+          </p:cNvSpPr>
+          <p:nvPr>
+            <p:ph type="title"/>
+          </p:nvPr>
+        </p:nvSpPr>
+        <p:spPr/>
+        <p:txBody>
+          <a:bodyPr/>
+          <a:lstStyle/>
+          <a:p>
+            <a:r>
+              <a:rPr lang="en-US" smtClean="0"/>
+              <a:t>amend</a:t>
+            </a:r>
+          </a:p>
+        </p:txBody>
+      </p:sp>
+      <p:sp>
+        <p:nvSpPr>
+          <p:cNvPr id="16387" name="Content Placeholder 2"/>
+          <p:cNvSpPr>
+            <a:spLocks noGrp="1"/>
+          </p:cNvSpPr>
+          <p:nvPr>
+            <p:ph idx="1"/>
+          </p:nvPr>
+        </p:nvSpPr>
+        <p:spPr/>
+        <p:txBody>
+          <a:bodyPr/>
+          <a:lstStyle/>
+          <a:p>
+            <a:endParaRPr lang="en-US" smtClean="0"/>
+          </a:p>
+        </p:txBody>
+      </p:sp>
+    </p:spTree>
+  </p:cSld>
+  <p:clrMapOvr>
+    <a:masterClrMapping/>
+  </p:clrMapOvr>
+  <p:transition/>
+</p:sld>
+</file>
+
+<file path=ppt/slides/slide27.xml><?xml version="1.0" encoding="utf-8"?>
+<p:sld xmlns:a="http://schemas.openxmlformats.org/drawingml/2006/main" xmlns:r="http://schemas.openxmlformats.org/officeDocument/2006/relationships" xmlns:p="http://schemas.openxmlformats.org/presentationml/2006/main">
+  <p:cSld>
+    <p:spTree>
+      <p:nvGrpSpPr>
+        <p:cNvPr id="1" name=""/>
+        <p:cNvGrpSpPr/>
+        <p:nvPr/>
+      </p:nvGrpSpPr>
+      <p:grpSpPr>
+        <a:xfrm>
+          <a:off x="0" y="0"/>
+          <a:ext cx="0" cy="0"/>
+          <a:chOff x="0" y="0"/>
+          <a:chExt cx="0" cy="0"/>
+        </a:xfrm>
+      </p:grpSpPr>
+      <p:sp>
+        <p:nvSpPr>
+          <p:cNvPr id="17410" name="Title 1"/>
+          <p:cNvSpPr>
+            <a:spLocks noGrp="1"/>
+          </p:cNvSpPr>
+          <p:nvPr>
+            <p:ph type="title"/>
+          </p:nvPr>
+        </p:nvSpPr>
+        <p:spPr/>
+        <p:txBody>
+          <a:bodyPr/>
+          <a:lstStyle/>
+          <a:p>
+            <a:r>
+              <a:rPr lang="en-US" smtClean="0"/>
+              <a:t>Merge</a:t>
+            </a:r>
+          </a:p>
+        </p:txBody>
+      </p:sp>
+      <p:sp>
+        <p:nvSpPr>
+          <p:cNvPr id="17411" name="Content Placeholder 2"/>
+          <p:cNvSpPr>
+            <a:spLocks noGrp="1"/>
+          </p:cNvSpPr>
+          <p:nvPr>
+            <p:ph idx="1"/>
+          </p:nvPr>
+        </p:nvSpPr>
+        <p:spPr/>
+        <p:txBody>
+          <a:bodyPr/>
+          <a:lstStyle/>
+          <a:p>
+            <a:endParaRPr lang="en-US" smtClean="0"/>
+          </a:p>
+        </p:txBody>
+      </p:sp>
+    </p:spTree>
+  </p:cSld>
+  <p:clrMapOvr>
+    <a:masterClrMapping/>
+  </p:clrMapOvr>
+</p:sld>
+</file>
+
+<file path=ppt/slides/slide28.xml><?xml version="1.0" encoding="utf-8"?>
+<p:sld xmlns:a="http://schemas.openxmlformats.org/drawingml/2006/main" xmlns:r="http://schemas.openxmlformats.org/officeDocument/2006/relationships" xmlns:p="http://schemas.openxmlformats.org/presentationml/2006/main">
+  <p:cSld>
+    <p:spTree>
+      <p:nvGrpSpPr>
+        <p:cNvPr id="1" name=""/>
+        <p:cNvGrpSpPr/>
+        <p:nvPr/>
+      </p:nvGrpSpPr>
+      <p:grpSpPr>
+        <a:xfrm>
+          <a:off x="0" y="0"/>
+          <a:ext cx="0" cy="0"/>
+          <a:chOff x="0" y="0"/>
+          <a:chExt cx="0" cy="0"/>
+        </a:xfrm>
+      </p:grpSpPr>
+      <p:sp>
+        <p:nvSpPr>
+          <p:cNvPr id="18434" name="Title 1"/>
+          <p:cNvSpPr>
+            <a:spLocks noGrp="1"/>
+          </p:cNvSpPr>
+          <p:nvPr>
+            <p:ph type="title"/>
+          </p:nvPr>
+        </p:nvSpPr>
+        <p:spPr/>
+        <p:txBody>
+          <a:bodyPr/>
+          <a:lstStyle/>
+          <a:p>
+            <a:r>
+              <a:rPr lang="en-US" smtClean="0"/>
+              <a:t>Branching</a:t>
+            </a:r>
+          </a:p>
+        </p:txBody>
+      </p:sp>
+      <p:sp>
+        <p:nvSpPr>
+          <p:cNvPr id="18435" name="Content Placeholder 2"/>
+          <p:cNvSpPr>
+            <a:spLocks noGrp="1"/>
+          </p:cNvSpPr>
+          <p:nvPr>
+            <p:ph idx="1"/>
+          </p:nvPr>
+        </p:nvSpPr>
+        <p:spPr/>
+        <p:txBody>
+          <a:bodyPr/>
+          <a:lstStyle/>
+          <a:p>
+            <a:endParaRPr lang="en-US" smtClean="0"/>
+          </a:p>
+        </p:txBody>
+      </p:sp>
+    </p:spTree>
+  </p:cSld>
+  <p:clrMapOvr>
+    <a:masterClrMapping/>
+  </p:clrMapOvr>
+</p:sld>
+</file>
+
+<file path=ppt/slides/slide29.xml><?xml version="1.0" encoding="utf-8"?>
+<p:sld xmlns:a="http://schemas.openxmlformats.org/drawingml/2006/main" xmlns:r="http://schemas.openxmlformats.org/officeDocument/2006/relationships" xmlns:p="http://schemas.openxmlformats.org/presentationml/2006/main">
+  <p:cSld>
+    <p:spTree>
+      <p:nvGrpSpPr>
+        <p:cNvPr id="1" name=""/>
+        <p:cNvGrpSpPr/>
+        <p:nvPr/>
+      </p:nvGrpSpPr>
+      <p:grpSpPr>
+        <a:xfrm>
+          <a:off x="0" y="0"/>
+          <a:ext cx="0" cy="0"/>
+          <a:chOff x="0" y="0"/>
+          <a:chExt cx="0" cy="0"/>
+        </a:xfrm>
+      </p:grpSpPr>
+      <p:sp>
+        <p:nvSpPr>
+          <p:cNvPr id="19458" name="Title 1"/>
+          <p:cNvSpPr>
+            <a:spLocks noGrp="1"/>
+          </p:cNvSpPr>
+          <p:nvPr>
+            <p:ph type="title"/>
+          </p:nvPr>
+        </p:nvSpPr>
+        <p:spPr/>
+        <p:txBody>
+          <a:bodyPr/>
+          <a:lstStyle/>
+          <a:p>
+            <a:r>
+              <a:rPr lang="en-US" smtClean="0"/>
+              <a:t>Diff head</a:t>
+            </a:r>
+          </a:p>
+        </p:txBody>
+      </p:sp>
+      <p:sp>
+        <p:nvSpPr>
+          <p:cNvPr id="19459" name="Content Placeholder 2"/>
+          <p:cNvSpPr>
+            <a:spLocks noGrp="1"/>
+          </p:cNvSpPr>
+          <p:nvPr>
+            <p:ph idx="1"/>
+          </p:nvPr>
+        </p:nvSpPr>
+        <p:spPr/>
+        <p:txBody>
+          <a:bodyPr/>
+          <a:lstStyle/>
+          <a:p>
+            <a:endParaRPr lang="en-US" smtClean="0"/>
+          </a:p>
+        </p:txBody>
+      </p:sp>
+    </p:spTree>
+  </p:cSld>
+  <p:clrMapOvr>
+    <a:masterClrMapping/>
+  </p:clrMapOvr>
+</p:sld>
+</file>
+
+<file path=ppt/slides/slide3.xml><?xml version="1.0" encoding="utf-8"?>
 <p:sld xmlns:a="http://schemas.openxmlformats.org/drawingml/2006/main" xmlns:r="http://schemas.openxmlformats.org/officeDocument/2006/relationships" xmlns:p="http://schemas.openxmlformats.org/presentationml/2006/main">
   <p:cSld>
     <p:spTree>
@@ -5659,7 +8290,7 @@
         </p:nvSpPr>
         <p:spPr>
           <a:xfrm>
-            <a:off x="304800" y="1219200"/>
+            <a:off x="304800" y="1447800"/>
             <a:ext cx="4419600" cy="5029200"/>
           </a:xfrm>
           <a:prstGeom prst="rect">
@@ -6041,7 +8672,88 @@
 </p:sld>
 </file>
 
-<file path=ppt/slides/slide3.xml><?xml version="1.0" encoding="utf-8"?>
+<file path=ppt/slides/slide30.xml><?xml version="1.0" encoding="utf-8"?>
+<p:sld xmlns:a="http://schemas.openxmlformats.org/drawingml/2006/main" xmlns:r="http://schemas.openxmlformats.org/officeDocument/2006/relationships" xmlns:p="http://schemas.openxmlformats.org/presentationml/2006/main">
+  <p:cSld>
+    <p:spTree>
+      <p:nvGrpSpPr>
+        <p:cNvPr id="1" name=""/>
+        <p:cNvGrpSpPr/>
+        <p:nvPr/>
+      </p:nvGrpSpPr>
+      <p:grpSpPr>
+        <a:xfrm>
+          <a:off x="0" y="0"/>
+          <a:ext cx="0" cy="0"/>
+          <a:chOff x="0" y="0"/>
+          <a:chExt cx="0" cy="0"/>
+        </a:xfrm>
+      </p:grpSpPr>
+      <p:sp>
+        <p:nvSpPr>
+          <p:cNvPr id="20482" name="Title 1"/>
+          <p:cNvSpPr>
+            <a:spLocks noGrp="1"/>
+          </p:cNvSpPr>
+          <p:nvPr>
+            <p:ph type="title"/>
+          </p:nvPr>
+        </p:nvSpPr>
+        <p:spPr/>
+        <p:txBody>
+          <a:bodyPr/>
+          <a:lstStyle/>
+          <a:p>
+            <a:r>
+              <a:rPr lang="en-US" smtClean="0"/>
+              <a:t>Origin Master Remote</a:t>
+            </a:r>
+          </a:p>
+        </p:txBody>
+      </p:sp>
+      <p:sp>
+        <p:nvSpPr>
+          <p:cNvPr id="20483" name="Content Placeholder 2"/>
+          <p:cNvSpPr>
+            <a:spLocks noGrp="1"/>
+          </p:cNvSpPr>
+          <p:nvPr>
+            <p:ph idx="1"/>
+          </p:nvPr>
+        </p:nvSpPr>
+        <p:spPr/>
+        <p:txBody>
+          <a:bodyPr/>
+          <a:lstStyle/>
+          <a:p>
+            <a:r>
+              <a:rPr lang="en-US" smtClean="0"/>
+              <a:t>-am</a:t>
+            </a:r>
+          </a:p>
+          <a:p>
+            <a:r>
+              <a:rPr lang="en-US" smtClean="0"/>
+              <a:t>-u</a:t>
+            </a:r>
+          </a:p>
+          <a:p>
+            <a:r>
+              <a:rPr lang="en-US" smtClean="0"/>
+              <a:t>.</a:t>
+            </a:r>
+          </a:p>
+        </p:txBody>
+      </p:sp>
+    </p:spTree>
+  </p:cSld>
+  <p:clrMapOvr>
+    <a:masterClrMapping/>
+  </p:clrMapOvr>
+</p:sld>
+</file>
+
+<file path=ppt/slides/slide4.xml><?xml version="1.0" encoding="utf-8"?>
 <p:sld xmlns:a="http://schemas.openxmlformats.org/drawingml/2006/main" xmlns:r="http://schemas.openxmlformats.org/officeDocument/2006/relationships" xmlns:p="http://schemas.openxmlformats.org/presentationml/2006/main">
   <p:cSld>
     <p:spTree>
@@ -6267,7 +8979,7 @@
 </p:sld>
 </file>
 
-<file path=ppt/slides/slide4.xml><?xml version="1.0" encoding="utf-8"?>
+<file path=ppt/slides/slide5.xml><?xml version="1.0" encoding="utf-8"?>
 <p:sld xmlns:a="http://schemas.openxmlformats.org/drawingml/2006/main" xmlns:r="http://schemas.openxmlformats.org/officeDocument/2006/relationships" xmlns:p="http://schemas.openxmlformats.org/presentationml/2006/main">
   <p:cSld>
     <p:spTree>
@@ -6321,11 +9033,7 @@
           <a:p>
             <a:r>
               <a:rPr lang="en-US" sz="4000" b="1" dirty="0" smtClean="0"/>
-              <a:t>    </a:t>
-            </a:r>
-            <a:r>
-              <a:rPr lang="en-US" sz="4000" b="1" dirty="0" smtClean="0"/>
-              <a:t>	      </a:t>
+              <a:t>    	      </a:t>
             </a:r>
             <a:r>
               <a:rPr lang="en-US" sz="4000" b="1" dirty="0" err="1" smtClean="0"/>
@@ -6333,11 +9041,7 @@
             </a:r>
             <a:r>
               <a:rPr lang="en-US" sz="4000" b="1" dirty="0" smtClean="0"/>
-              <a:t> </a:t>
-            </a:r>
-            <a:r>
-              <a:rPr lang="en-US" sz="4000" b="1" dirty="0" smtClean="0"/>
-              <a:t>Download</a:t>
+              <a:t> Download</a:t>
             </a:r>
             <a:endParaRPr lang="en-US" sz="4000" b="1" dirty="0"/>
           </a:p>
@@ -6380,175 +9084,9 @@
           <a:p>
             <a:r>
               <a:rPr lang="en-US" sz="3600" dirty="0" smtClean="0"/>
-              <a:t> </a:t>
-            </a:r>
-            <a:r>
-              <a:rPr lang="en-US" sz="3600" dirty="0" smtClean="0"/>
-              <a:t>     </a:t>
-            </a:r>
-            <a:r>
-              <a:rPr lang="en-US" sz="3600" dirty="0" smtClean="0"/>
-              <a:t>https</a:t>
-            </a:r>
-            <a:r>
-              <a:rPr lang="en-US" sz="3600" dirty="0" smtClean="0"/>
-              <a:t>://git-scm.com/downloads</a:t>
+              <a:t>      https://git-scm.com/downloads</a:t>
             </a:r>
             <a:endParaRPr lang="en-US" sz="3600" dirty="0"/>
-          </a:p>
-        </p:txBody>
-      </p:sp>
-    </p:spTree>
-  </p:cSld>
-  <p:clrMapOvr>
-    <a:masterClrMapping/>
-  </p:clrMapOvr>
-  <p:timing>
-    <p:tnLst>
-      <p:par>
-        <p:cTn id="1" dur="indefinite" restart="never" nodeType="tmRoot"/>
-      </p:par>
-    </p:tnLst>
-  </p:timing>
-</p:sld>
-</file>
-
-<file path=ppt/slides/slide5.xml><?xml version="1.0" encoding="utf-8"?>
-<p:sld xmlns:a="http://schemas.openxmlformats.org/drawingml/2006/main" xmlns:r="http://schemas.openxmlformats.org/officeDocument/2006/relationships" xmlns:p="http://schemas.openxmlformats.org/presentationml/2006/main">
-  <p:cSld>
-    <p:spTree>
-      <p:nvGrpSpPr>
-        <p:cNvPr id="1" name=""/>
-        <p:cNvGrpSpPr/>
-        <p:nvPr/>
-      </p:nvGrpSpPr>
-      <p:grpSpPr>
-        <a:xfrm>
-          <a:off x="0" y="0"/>
-          <a:ext cx="0" cy="0"/>
-          <a:chOff x="0" y="0"/>
-          <a:chExt cx="0" cy="0"/>
-        </a:xfrm>
-      </p:grpSpPr>
-      <p:sp>
-        <p:nvSpPr>
-          <p:cNvPr id="2" name="TextBox 1"/>
-          <p:cNvSpPr txBox="1"/>
-          <p:nvPr/>
-        </p:nvSpPr>
-        <p:spPr>
-          <a:xfrm>
-            <a:off x="0" y="649069"/>
-            <a:ext cx="9144000" cy="646331"/>
-          </a:xfrm>
-          <a:prstGeom prst="rect">
-            <a:avLst/>
-          </a:prstGeom>
-        </p:spPr>
-        <p:style>
-          <a:lnRef idx="3">
-            <a:schemeClr val="lt1"/>
-          </a:lnRef>
-          <a:fillRef idx="1">
-            <a:schemeClr val="accent5"/>
-          </a:fillRef>
-          <a:effectRef idx="1">
-            <a:schemeClr val="accent5"/>
-          </a:effectRef>
-          <a:fontRef idx="minor">
-            <a:schemeClr val="lt1"/>
-          </a:fontRef>
-        </p:style>
-        <p:txBody>
-          <a:bodyPr wrap="square" rtlCol="0">
-            <a:spAutoFit/>
-          </a:bodyPr>
-          <a:lstStyle/>
-          <a:p>
-            <a:r>
-              <a:rPr lang="en-US" sz="3600" b="1" dirty="0" smtClean="0"/>
-              <a:t>       Command  </a:t>
-            </a:r>
-            <a:r>
-              <a:rPr lang="en-US" sz="3600" b="1" dirty="0" smtClean="0"/>
-              <a:t>we need to know to use </a:t>
-            </a:r>
-            <a:r>
-              <a:rPr lang="en-US" sz="3600" b="1" dirty="0" err="1" smtClean="0"/>
-              <a:t>Git</a:t>
-            </a:r>
-            <a:r>
-              <a:rPr lang="en-US" sz="3600" b="1" dirty="0" smtClean="0"/>
-              <a:t> </a:t>
-            </a:r>
-            <a:endParaRPr lang="en-US" sz="3600" b="1" dirty="0"/>
-          </a:p>
-        </p:txBody>
-      </p:sp>
-      <p:sp>
-        <p:nvSpPr>
-          <p:cNvPr id="3" name="TextBox 2"/>
-          <p:cNvSpPr txBox="1"/>
-          <p:nvPr/>
-        </p:nvSpPr>
-        <p:spPr>
-          <a:xfrm>
-            <a:off x="0" y="1905000"/>
-            <a:ext cx="9144000" cy="2123658"/>
-          </a:xfrm>
-          <a:prstGeom prst="rect">
-            <a:avLst/>
-          </a:prstGeom>
-        </p:spPr>
-        <p:style>
-          <a:lnRef idx="2">
-            <a:schemeClr val="accent2"/>
-          </a:lnRef>
-          <a:fillRef idx="1">
-            <a:schemeClr val="lt1"/>
-          </a:fillRef>
-          <a:effectRef idx="0">
-            <a:schemeClr val="accent2"/>
-          </a:effectRef>
-          <a:fontRef idx="minor">
-            <a:schemeClr val="dk1"/>
-          </a:fontRef>
-        </p:style>
-        <p:txBody>
-          <a:bodyPr wrap="square" rtlCol="0">
-            <a:spAutoFit/>
-          </a:bodyPr>
-          <a:lstStyle/>
-          <a:p>
-            <a:pPr lvl="3">
-              <a:buFont typeface="Wingdings" pitchFamily="2" charset="2"/>
-              <a:buChar char="Ø"/>
-            </a:pPr>
-            <a:r>
-              <a:rPr lang="en-US" sz="4400" dirty="0" smtClean="0"/>
-              <a:t>Commit</a:t>
-            </a:r>
-          </a:p>
-          <a:p>
-            <a:pPr lvl="3">
-              <a:buFont typeface="Wingdings" pitchFamily="2" charset="2"/>
-              <a:buChar char="Ø"/>
-            </a:pPr>
-            <a:r>
-              <a:rPr lang="en-US" sz="4400" dirty="0" smtClean="0"/>
-              <a:t>Push</a:t>
-            </a:r>
-          </a:p>
-          <a:p>
-            <a:pPr lvl="3">
-              <a:buFont typeface="Wingdings" pitchFamily="2" charset="2"/>
-              <a:buChar char="Ø"/>
-            </a:pPr>
-            <a:r>
-              <a:rPr lang="en-US" sz="4400" dirty="0" smtClean="0"/>
-              <a:t>Pull</a:t>
-            </a:r>
-            <a:endParaRPr lang="en-US" sz="4400" dirty="0"/>
           </a:p>
         </p:txBody>
       </p:sp>
@@ -6592,112 +9130,6 @@
         </p:nvSpPr>
         <p:spPr>
           <a:xfrm>
-            <a:off x="609600" y="1828800"/>
-            <a:ext cx="8153400" cy="3970318"/>
-          </a:xfrm>
-          <a:prstGeom prst="rect">
-            <a:avLst/>
-          </a:prstGeom>
-        </p:spPr>
-        <p:style>
-          <a:lnRef idx="2">
-            <a:schemeClr val="accent1"/>
-          </a:lnRef>
-          <a:fillRef idx="1">
-            <a:schemeClr val="lt1"/>
-          </a:fillRef>
-          <a:effectRef idx="0">
-            <a:schemeClr val="accent1"/>
-          </a:effectRef>
-          <a:fontRef idx="minor">
-            <a:schemeClr val="dk1"/>
-          </a:fontRef>
-        </p:style>
-        <p:txBody>
-          <a:bodyPr wrap="square" rtlCol="0">
-            <a:spAutoFit/>
-          </a:bodyPr>
-          <a:lstStyle/>
-          <a:p>
-            <a:pPr>
-              <a:buFont typeface="Wingdings" pitchFamily="2" charset="2"/>
-              <a:buChar char="Ø"/>
-            </a:pPr>
-            <a:r>
-              <a:rPr lang="en-US" sz="3600" dirty="0" smtClean="0"/>
-              <a:t>Init</a:t>
-            </a:r>
-          </a:p>
-          <a:p>
-            <a:pPr>
-              <a:buFont typeface="Wingdings" pitchFamily="2" charset="2"/>
-              <a:buChar char="Ø"/>
-            </a:pPr>
-            <a:r>
-              <a:rPr lang="en-US" sz="3600" dirty="0" smtClean="0"/>
-              <a:t>Add</a:t>
-            </a:r>
-          </a:p>
-          <a:p>
-            <a:pPr>
-              <a:buFont typeface="Wingdings" pitchFamily="2" charset="2"/>
-              <a:buChar char="Ø"/>
-            </a:pPr>
-            <a:r>
-              <a:rPr lang="en-US" sz="3600" dirty="0" smtClean="0"/>
-              <a:t>Status</a:t>
-            </a:r>
-          </a:p>
-          <a:p>
-            <a:pPr>
-              <a:buFont typeface="Wingdings" pitchFamily="2" charset="2"/>
-              <a:buChar char="Ø"/>
-            </a:pPr>
-            <a:r>
-              <a:rPr lang="en-US" sz="3600" dirty="0" smtClean="0"/>
-              <a:t>Log</a:t>
-            </a:r>
-          </a:p>
-          <a:p>
-            <a:pPr>
-              <a:buFont typeface="Wingdings" pitchFamily="2" charset="2"/>
-              <a:buChar char="Ø"/>
-            </a:pPr>
-            <a:r>
-              <a:rPr lang="en-US" sz="3600" dirty="0" smtClean="0"/>
-              <a:t>Show</a:t>
-            </a:r>
-          </a:p>
-          <a:p>
-            <a:pPr>
-              <a:buFont typeface="Wingdings" pitchFamily="2" charset="2"/>
-              <a:buChar char="Ø"/>
-            </a:pPr>
-            <a:r>
-              <a:rPr lang="en-US" sz="3600" dirty="0" smtClean="0"/>
-              <a:t>Merge</a:t>
-            </a:r>
-          </a:p>
-          <a:p>
-            <a:pPr>
-              <a:buFont typeface="Wingdings" pitchFamily="2" charset="2"/>
-              <a:buChar char="Ø"/>
-            </a:pPr>
-            <a:r>
-              <a:rPr lang="en-US" sz="3600" dirty="0" smtClean="0"/>
-              <a:t>stash</a:t>
-            </a:r>
-          </a:p>
-        </p:txBody>
-      </p:sp>
-      <p:sp>
-        <p:nvSpPr>
-          <p:cNvPr id="3" name="TextBox 2"/>
-          <p:cNvSpPr txBox="1"/>
-          <p:nvPr/>
-        </p:nvSpPr>
-        <p:spPr>
-          <a:xfrm>
             <a:off x="0" y="649069"/>
             <a:ext cx="9144000" cy="646331"/>
           </a:xfrm>
@@ -6727,11 +9159,7 @@
           <a:p>
             <a:r>
               <a:rPr lang="en-US" sz="3600" b="1" dirty="0" smtClean="0"/>
-              <a:t>       Command  </a:t>
-            </a:r>
-            <a:r>
-              <a:rPr lang="en-US" sz="3600" b="1" dirty="0" smtClean="0"/>
-              <a:t>we need to know to use </a:t>
+              <a:t>       Command  we need to know to use </a:t>
             </a:r>
             <a:r>
               <a:rPr lang="en-US" sz="3600" b="1" dirty="0" err="1" smtClean="0"/>
@@ -6742,6 +9170,73 @@
               <a:t> </a:t>
             </a:r>
             <a:endParaRPr lang="en-US" sz="3600" b="1" dirty="0"/>
+          </a:p>
+        </p:txBody>
+      </p:sp>
+      <p:sp>
+        <p:nvSpPr>
+          <p:cNvPr id="3" name="TextBox 2"/>
+          <p:cNvSpPr txBox="1"/>
+          <p:nvPr/>
+        </p:nvSpPr>
+        <p:spPr>
+          <a:xfrm>
+            <a:off x="0" y="1905000"/>
+            <a:ext cx="9144000" cy="2123658"/>
+          </a:xfrm>
+          <a:prstGeom prst="rect">
+            <a:avLst/>
+          </a:prstGeom>
+        </p:spPr>
+        <p:style>
+          <a:lnRef idx="2">
+            <a:schemeClr val="accent2"/>
+          </a:lnRef>
+          <a:fillRef idx="1">
+            <a:schemeClr val="lt1"/>
+          </a:fillRef>
+          <a:effectRef idx="0">
+            <a:schemeClr val="accent2"/>
+          </a:effectRef>
+          <a:fontRef idx="minor">
+            <a:schemeClr val="dk1"/>
+          </a:fontRef>
+        </p:style>
+        <p:txBody>
+          <a:bodyPr wrap="square" rtlCol="0">
+            <a:spAutoFit/>
+          </a:bodyPr>
+          <a:lstStyle/>
+          <a:p>
+            <a:pPr lvl="3">
+              <a:buFont typeface="Wingdings" pitchFamily="2" charset="2"/>
+              <a:buChar char="Ø"/>
+            </a:pPr>
+            <a:r>
+              <a:rPr lang="en-US" sz="4400" dirty="0" smtClean="0"/>
+              <a:t>Commit</a:t>
+            </a:r>
+          </a:p>
+          <a:p>
+            <a:pPr lvl="3">
+              <a:buFont typeface="Wingdings" pitchFamily="2" charset="2"/>
+              <a:buChar char="Ø"/>
+            </a:pPr>
+            <a:r>
+              <a:rPr lang="en-US" sz="4400" dirty="0" smtClean="0"/>
+              <a:t>Push</a:t>
+            </a:r>
+          </a:p>
+          <a:p>
+            <a:pPr lvl="3">
+              <a:buFont typeface="Wingdings" pitchFamily="2" charset="2"/>
+              <a:buChar char="Ø"/>
+            </a:pPr>
+            <a:r>
+              <a:rPr lang="en-US" sz="4400" dirty="0" smtClean="0"/>
+              <a:t>Pull</a:t>
+            </a:r>
+            <a:endParaRPr lang="en-US" sz="4400" dirty="0"/>
           </a:p>
         </p:txBody>
       </p:sp>
@@ -6785,8 +9280,8 @@
         </p:nvSpPr>
         <p:spPr>
           <a:xfrm>
-            <a:off x="0" y="381000"/>
-            <a:ext cx="9144000" cy="523220"/>
+            <a:off x="609600" y="1828800"/>
+            <a:ext cx="8153400" cy="3970318"/>
           </a:xfrm>
           <a:prstGeom prst="rect">
             <a:avLst/>
@@ -6812,23 +9307,74 @@
           </a:bodyPr>
           <a:lstStyle/>
           <a:p>
-            <a:r>
-              <a:rPr lang="en-US" sz="2800" b="1" dirty="0" smtClean="0"/>
-              <a:t>                                      </a:t>
-            </a:r>
-            <a:r>
-              <a:rPr lang="en-US" sz="2800" b="1" dirty="0" err="1" smtClean="0"/>
-              <a:t>Git</a:t>
-            </a:r>
-            <a:r>
-              <a:rPr lang="en-US" sz="2800" b="1" dirty="0" smtClean="0"/>
-              <a:t> </a:t>
-            </a:r>
-            <a:r>
-              <a:rPr lang="en-US" sz="2800" b="1" dirty="0" smtClean="0"/>
-              <a:t>Commands</a:t>
-            </a:r>
-            <a:endParaRPr lang="en-US" sz="2800" b="1" dirty="0"/>
+            <a:pPr>
+              <a:buFont typeface="Wingdings" pitchFamily="2" charset="2"/>
+              <a:buChar char="Ø"/>
+            </a:pPr>
+            <a:r>
+              <a:rPr lang="en-US" sz="3600" dirty="0" smtClean="0"/>
+              <a:t>Init</a:t>
+            </a:r>
+          </a:p>
+          <a:p>
+            <a:pPr>
+              <a:buFont typeface="Wingdings" pitchFamily="2" charset="2"/>
+              <a:buChar char="Ø"/>
+            </a:pPr>
+            <a:r>
+              <a:rPr lang="en-US" sz="3600" dirty="0" smtClean="0"/>
+              <a:t>Add</a:t>
+            </a:r>
+          </a:p>
+          <a:p>
+            <a:pPr>
+              <a:buFont typeface="Wingdings" pitchFamily="2" charset="2"/>
+              <a:buChar char="Ø"/>
+            </a:pPr>
+            <a:r>
+              <a:rPr lang="en-US" sz="3600" dirty="0" smtClean="0"/>
+              <a:t>Status</a:t>
+            </a:r>
+          </a:p>
+          <a:p>
+            <a:pPr>
+              <a:buFont typeface="Wingdings" pitchFamily="2" charset="2"/>
+              <a:buChar char="Ø"/>
+            </a:pPr>
+            <a:r>
+              <a:rPr lang="en-US" sz="3600" dirty="0" smtClean="0"/>
+              <a:t>Log</a:t>
+            </a:r>
+          </a:p>
+          <a:p>
+            <a:pPr>
+              <a:buFont typeface="Wingdings" pitchFamily="2" charset="2"/>
+              <a:buChar char="Ø"/>
+            </a:pPr>
+            <a:r>
+              <a:rPr lang="en-US" sz="3600" dirty="0" smtClean="0"/>
+              <a:t>Show</a:t>
+            </a:r>
+          </a:p>
+          <a:p>
+            <a:pPr>
+              <a:buFont typeface="Wingdings" pitchFamily="2" charset="2"/>
+              <a:buChar char="Ø"/>
+            </a:pPr>
+            <a:r>
+              <a:rPr lang="en-US" sz="3600" dirty="0" smtClean="0"/>
+              <a:t>Merge</a:t>
+            </a:r>
+          </a:p>
+          <a:p>
+            <a:pPr>
+              <a:buFont typeface="Wingdings" pitchFamily="2" charset="2"/>
+              <a:buChar char="Ø"/>
+            </a:pPr>
+            <a:r>
+              <a:rPr lang="en-US" sz="3600" dirty="0" smtClean="0"/>
+              <a:t>stash</a:t>
+            </a:r>
           </a:p>
         </p:txBody>
       </p:sp>
@@ -6840,25 +9386,25 @@
         </p:nvSpPr>
         <p:spPr>
           <a:xfrm>
-            <a:off x="1295400" y="1447800"/>
-            <a:ext cx="5943600" cy="1015663"/>
+            <a:off x="0" y="649069"/>
+            <a:ext cx="9144000" cy="646331"/>
           </a:xfrm>
           <a:prstGeom prst="rect">
             <a:avLst/>
           </a:prstGeom>
         </p:spPr>
         <p:style>
-          <a:lnRef idx="2">
-            <a:schemeClr val="accent2"/>
+          <a:lnRef idx="3">
+            <a:schemeClr val="lt1"/>
           </a:lnRef>
           <a:fillRef idx="1">
-            <a:schemeClr val="lt1"/>
+            <a:schemeClr val="accent5"/>
           </a:fillRef>
-          <a:effectRef idx="0">
-            <a:schemeClr val="accent2"/>
+          <a:effectRef idx="1">
+            <a:schemeClr val="accent5"/>
           </a:effectRef>
           <a:fontRef idx="minor">
-            <a:schemeClr val="dk1"/>
+            <a:schemeClr val="lt1"/>
           </a:fontRef>
         </p:style>
         <p:txBody>
@@ -6868,187 +9414,18 @@
           <a:lstStyle/>
           <a:p>
             <a:r>
-              <a:rPr lang="en-US" dirty="0" smtClean="0"/>
-              <a:t>                    </a:t>
-            </a:r>
-            <a:r>
-              <a:rPr lang="en-US" sz="6000" dirty="0" smtClean="0"/>
-              <a:t>-&gt; </a:t>
-            </a:r>
-            <a:r>
-              <a:rPr lang="en-US" sz="6000" dirty="0" smtClean="0"/>
-              <a:t>$ </a:t>
-            </a:r>
-            <a:r>
-              <a:rPr lang="en-US" sz="6000" dirty="0" err="1" smtClean="0"/>
-              <a:t>git</a:t>
-            </a:r>
-            <a:r>
-              <a:rPr lang="en-US" sz="6000" dirty="0" smtClean="0"/>
+              <a:rPr lang="en-US" sz="3600" b="1" dirty="0" smtClean="0"/>
+              <a:t>       Command  we need to know to use </a:t>
+            </a:r>
+            <a:r>
+              <a:rPr lang="en-US" sz="3600" b="1" dirty="0" err="1" smtClean="0"/>
+              <a:t>Git</a:t>
+            </a:r>
+            <a:r>
+              <a:rPr lang="en-US" sz="3600" b="1" dirty="0" smtClean="0"/>
               <a:t> </a:t>
             </a:r>
-            <a:r>
-              <a:rPr lang="en-US" sz="6000" dirty="0" smtClean="0"/>
-              <a:t>init</a:t>
-            </a:r>
-            <a:endParaRPr lang="en-US" dirty="0"/>
-          </a:p>
-        </p:txBody>
-      </p:sp>
-      <p:sp>
-        <p:nvSpPr>
-          <p:cNvPr id="4" name="TextBox 3"/>
-          <p:cNvSpPr txBox="1"/>
-          <p:nvPr/>
-        </p:nvSpPr>
-        <p:spPr>
-          <a:xfrm>
-            <a:off x="1219200" y="3733800"/>
-            <a:ext cx="6019800" cy="1015663"/>
-          </a:xfrm>
-          <a:prstGeom prst="rect">
-            <a:avLst/>
-          </a:prstGeom>
-        </p:spPr>
-        <p:style>
-          <a:lnRef idx="2">
-            <a:schemeClr val="accent2"/>
-          </a:lnRef>
-          <a:fillRef idx="1">
-            <a:schemeClr val="lt1"/>
-          </a:fillRef>
-          <a:effectRef idx="0">
-            <a:schemeClr val="accent2"/>
-          </a:effectRef>
-          <a:fontRef idx="minor">
-            <a:schemeClr val="dk1"/>
-          </a:fontRef>
-        </p:style>
-        <p:txBody>
-          <a:bodyPr wrap="square" rtlCol="0">
-            <a:spAutoFit/>
-          </a:bodyPr>
-          <a:lstStyle/>
-          <a:p>
-            <a:r>
-              <a:rPr lang="en-US" sz="6000" dirty="0" smtClean="0"/>
-              <a:t>        -&gt; </a:t>
-            </a:r>
-            <a:r>
-              <a:rPr lang="en-US" sz="6000" dirty="0" smtClean="0"/>
-              <a:t>$ </a:t>
-            </a:r>
-            <a:r>
-              <a:rPr lang="en-US" sz="6000" dirty="0" err="1" smtClean="0"/>
-              <a:t>ls</a:t>
-            </a:r>
-            <a:r>
-              <a:rPr lang="en-US" sz="6000" dirty="0" smtClean="0"/>
-              <a:t> -la</a:t>
-            </a:r>
-            <a:endParaRPr lang="en-US" sz="6000" dirty="0"/>
-          </a:p>
-        </p:txBody>
-      </p:sp>
-      <p:sp>
-        <p:nvSpPr>
-          <p:cNvPr id="5" name="TextBox 4"/>
-          <p:cNvSpPr txBox="1"/>
-          <p:nvPr/>
-        </p:nvSpPr>
-        <p:spPr>
-          <a:xfrm>
-            <a:off x="2209800" y="2480846"/>
-            <a:ext cx="4114800" cy="338554"/>
-          </a:xfrm>
-          <a:prstGeom prst="rect">
-            <a:avLst/>
-          </a:prstGeom>
-        </p:spPr>
-        <p:style>
-          <a:lnRef idx="2">
-            <a:schemeClr val="accent1"/>
-          </a:lnRef>
-          <a:fillRef idx="1">
-            <a:schemeClr val="lt1"/>
-          </a:fillRef>
-          <a:effectRef idx="0">
-            <a:schemeClr val="accent1"/>
-          </a:effectRef>
-          <a:fontRef idx="minor">
-            <a:schemeClr val="dk1"/>
-          </a:fontRef>
-        </p:style>
-        <p:txBody>
-          <a:bodyPr wrap="square" rtlCol="0">
-            <a:spAutoFit/>
-          </a:bodyPr>
-          <a:lstStyle/>
-          <a:p>
-            <a:r>
-              <a:rPr lang="en-US" sz="1600" b="1" dirty="0" smtClean="0"/>
-              <a:t>	 Initialize </a:t>
-            </a:r>
-            <a:r>
-              <a:rPr lang="en-US" sz="1600" b="1" dirty="0" err="1" smtClean="0"/>
-              <a:t>git</a:t>
-            </a:r>
-            <a:r>
-              <a:rPr lang="en-US" sz="1600" b="1" dirty="0" smtClean="0"/>
-              <a:t> in your project</a:t>
-            </a:r>
-            <a:endParaRPr lang="en-US" sz="1600" b="1" dirty="0"/>
-          </a:p>
-        </p:txBody>
-      </p:sp>
-      <p:sp>
-        <p:nvSpPr>
-          <p:cNvPr id="6" name="TextBox 5"/>
-          <p:cNvSpPr txBox="1"/>
-          <p:nvPr/>
-        </p:nvSpPr>
-        <p:spPr>
-          <a:xfrm>
-            <a:off x="2286000" y="4766846"/>
-            <a:ext cx="4114800" cy="338554"/>
-          </a:xfrm>
-          <a:prstGeom prst="rect">
-            <a:avLst/>
-          </a:prstGeom>
-        </p:spPr>
-        <p:style>
-          <a:lnRef idx="2">
-            <a:schemeClr val="accent1"/>
-          </a:lnRef>
-          <a:fillRef idx="1">
-            <a:schemeClr val="lt1"/>
-          </a:fillRef>
-          <a:effectRef idx="0">
-            <a:schemeClr val="accent1"/>
-          </a:effectRef>
-          <a:fontRef idx="minor">
-            <a:schemeClr val="dk1"/>
-          </a:fontRef>
-        </p:style>
-        <p:txBody>
-          <a:bodyPr wrap="square" rtlCol="0">
-            <a:spAutoFit/>
-          </a:bodyPr>
-          <a:lstStyle/>
-          <a:p>
-            <a:r>
-              <a:rPr lang="en-US" sz="1600" b="1" dirty="0" smtClean="0"/>
-              <a:t>	to Show </a:t>
-            </a:r>
-            <a:r>
-              <a:rPr lang="en-US" sz="1600" b="1" dirty="0" err="1" smtClean="0"/>
-              <a:t>git</a:t>
-            </a:r>
-            <a:r>
-              <a:rPr lang="en-US" sz="1600" b="1" dirty="0" smtClean="0"/>
-              <a:t> files list</a:t>
-            </a:r>
-            <a:endParaRPr lang="en-US" sz="1600" b="1" dirty="0"/>
+            <a:endParaRPr lang="en-US" sz="3600" b="1" dirty="0"/>
           </a:p>
         </p:txBody>
       </p:sp>
@@ -7092,21 +9469,21 @@
         </p:nvSpPr>
         <p:spPr>
           <a:xfrm>
-            <a:off x="1219200" y="533400"/>
-            <a:ext cx="5181600" cy="461665"/>
+            <a:off x="0" y="381000"/>
+            <a:ext cx="9144000" cy="523220"/>
           </a:xfrm>
           <a:prstGeom prst="rect">
             <a:avLst/>
           </a:prstGeom>
         </p:spPr>
         <p:style>
-          <a:lnRef idx="1">
+          <a:lnRef idx="2">
             <a:schemeClr val="accent1"/>
           </a:lnRef>
-          <a:fillRef idx="2">
-            <a:schemeClr val="accent1"/>
+          <a:fillRef idx="1">
+            <a:schemeClr val="lt1"/>
           </a:fillRef>
-          <a:effectRef idx="1">
+          <a:effectRef idx="0">
             <a:schemeClr val="accent1"/>
           </a:effectRef>
           <a:fontRef idx="minor">
@@ -7120,10 +9497,18 @@
           <a:lstStyle/>
           <a:p>
             <a:r>
-              <a:rPr lang="en-US" sz="2400" dirty="0" smtClean="0"/>
-              <a:t> 	Three Tree Architecture</a:t>
-            </a:r>
-            <a:endParaRPr lang="en-US" sz="2400" dirty="0"/>
+              <a:rPr lang="en-US" sz="2800" b="1" dirty="0" smtClean="0"/>
+              <a:t>                                      </a:t>
+            </a:r>
+            <a:r>
+              <a:rPr lang="en-US" sz="2800" b="1" dirty="0" err="1" smtClean="0"/>
+              <a:t>Git</a:t>
+            </a:r>
+            <a:r>
+              <a:rPr lang="en-US" sz="2800" b="1" dirty="0" smtClean="0"/>
+              <a:t> Commands</a:t>
+            </a:r>
+            <a:endParaRPr lang="en-US" sz="2800" b="1" dirty="0"/>
           </a:p>
         </p:txBody>
       </p:sp>
@@ -7135,8 +9520,8 @@
         </p:nvSpPr>
         <p:spPr>
           <a:xfrm>
-            <a:off x="1752600" y="2286000"/>
-            <a:ext cx="4953000" cy="646331"/>
+            <a:off x="1295400" y="1447800"/>
+            <a:ext cx="5943600" cy="1015663"/>
           </a:xfrm>
           <a:prstGeom prst="rect">
             <a:avLst/>
@@ -7163,10 +9548,22 @@
           <a:lstStyle/>
           <a:p>
             <a:r>
-              <a:rPr lang="en-US" sz="3600" dirty="0" smtClean="0"/>
-              <a:t>        Working Directory</a:t>
-            </a:r>
-            <a:endParaRPr lang="en-US" sz="3600" dirty="0"/>
+              <a:rPr lang="en-US" dirty="0" smtClean="0"/>
+              <a:t>                    </a:t>
+            </a:r>
+            <a:r>
+              <a:rPr lang="en-US" sz="6000" dirty="0" smtClean="0"/>
+              <a:t>-&gt; $ </a:t>
+            </a:r>
+            <a:r>
+              <a:rPr lang="en-US" sz="6000" dirty="0" err="1" smtClean="0"/>
+              <a:t>git</a:t>
+            </a:r>
+            <a:r>
+              <a:rPr lang="en-US" sz="6000" dirty="0" smtClean="0"/>
+              <a:t> init</a:t>
+            </a:r>
+            <a:endParaRPr lang="en-US" dirty="0"/>
           </a:p>
         </p:txBody>
       </p:sp>
@@ -7178,8 +9575,8 @@
         </p:nvSpPr>
         <p:spPr>
           <a:xfrm>
-            <a:off x="2286000" y="3429000"/>
-            <a:ext cx="3352800" cy="584775"/>
+            <a:off x="1219200" y="3733800"/>
+            <a:ext cx="6019800" cy="1015663"/>
           </a:xfrm>
           <a:prstGeom prst="rect">
             <a:avLst/>
@@ -7206,14 +9603,18 @@
           <a:lstStyle/>
           <a:p>
             <a:r>
-              <a:rPr lang="en-US" sz="3200" dirty="0" smtClean="0"/>
-              <a:t> </a:t>
-            </a:r>
-            <a:r>
-              <a:rPr lang="en-US" sz="3200" dirty="0" smtClean="0"/>
-              <a:t>       Staging Area</a:t>
-            </a:r>
-            <a:endParaRPr lang="en-US" sz="3200" dirty="0"/>
+              <a:rPr lang="en-US" sz="6000" dirty="0" smtClean="0"/>
+              <a:t>        -&gt; $ </a:t>
+            </a:r>
+            <a:r>
+              <a:rPr lang="en-US" sz="6000" dirty="0" err="1" smtClean="0"/>
+              <a:t>ls</a:t>
+            </a:r>
+            <a:r>
+              <a:rPr lang="en-US" sz="6000" dirty="0" smtClean="0"/>
+              <a:t> -la</a:t>
+            </a:r>
+            <a:endParaRPr lang="en-US" sz="6000" dirty="0"/>
           </a:p>
         </p:txBody>
       </p:sp>
@@ -7225,8 +9626,8 @@
         </p:nvSpPr>
         <p:spPr>
           <a:xfrm>
-            <a:off x="2895600" y="4495800"/>
-            <a:ext cx="2514600" cy="584775"/>
+            <a:off x="2209800" y="2480846"/>
+            <a:ext cx="4114800" cy="338554"/>
           </a:xfrm>
           <a:prstGeom prst="rect">
             <a:avLst/>
@@ -7234,13 +9635,13 @@
         </p:spPr>
         <p:style>
           <a:lnRef idx="2">
-            <a:schemeClr val="accent2"/>
+            <a:schemeClr val="accent1"/>
           </a:lnRef>
           <a:fillRef idx="1">
             <a:schemeClr val="lt1"/>
           </a:fillRef>
           <a:effectRef idx="0">
-            <a:schemeClr val="accent2"/>
+            <a:schemeClr val="accent1"/>
           </a:effectRef>
           <a:fontRef idx="minor">
             <a:schemeClr val="dk1"/>
@@ -7253,90 +9654,69 @@
           <a:lstStyle/>
           <a:p>
             <a:r>
-              <a:rPr lang="en-US" sz="3200" dirty="0" smtClean="0"/>
-              <a:t>   Repository</a:t>
-            </a:r>
-            <a:endParaRPr lang="en-US" sz="3200" dirty="0"/>
-          </a:p>
-        </p:txBody>
-      </p:sp>
-      <p:sp>
-        <p:nvSpPr>
-          <p:cNvPr id="7" name="Down Arrow 6"/>
-          <p:cNvSpPr/>
+              <a:rPr lang="en-US" sz="1600" b="1" dirty="0" smtClean="0"/>
+              <a:t>	 Initialize </a:t>
+            </a:r>
+            <a:r>
+              <a:rPr lang="en-US" sz="1600" b="1" dirty="0" err="1" smtClean="0"/>
+              <a:t>git</a:t>
+            </a:r>
+            <a:r>
+              <a:rPr lang="en-US" sz="1600" b="1" dirty="0" smtClean="0"/>
+              <a:t> in your project</a:t>
+            </a:r>
+            <a:endParaRPr lang="en-US" sz="1600" b="1" dirty="0"/>
+          </a:p>
+        </p:txBody>
+      </p:sp>
+      <p:sp>
+        <p:nvSpPr>
+          <p:cNvPr id="6" name="TextBox 5"/>
+          <p:cNvSpPr txBox="1"/>
           <p:nvPr/>
         </p:nvSpPr>
         <p:spPr>
           <a:xfrm>
-            <a:off x="3581400" y="2971800"/>
-            <a:ext cx="381000" cy="457200"/>
+            <a:off x="2286000" y="4766846"/>
+            <a:ext cx="4114800" cy="338554"/>
           </a:xfrm>
-          <a:prstGeom prst="downArrow">
+          <a:prstGeom prst="rect">
             <a:avLst/>
           </a:prstGeom>
         </p:spPr>
         <p:style>
           <a:lnRef idx="2">
-            <a:schemeClr val="accent1">
-              <a:shade val="50000"/>
-            </a:schemeClr>
+            <a:schemeClr val="accent1"/>
           </a:lnRef>
           <a:fillRef idx="1">
-            <a:schemeClr val="accent1"/>
+            <a:schemeClr val="lt1"/>
           </a:fillRef>
           <a:effectRef idx="0">
             <a:schemeClr val="accent1"/>
           </a:effectRef>
           <a:fontRef idx="minor">
-            <a:schemeClr val="lt1"/>
+            <a:schemeClr val="dk1"/>
           </a:fontRef>
         </p:style>
         <p:txBody>
-          <a:bodyPr rtlCol="0" anchor="ctr"/>
-          <a:lstStyle/>
-          <a:p>
-            <a:pPr algn="ctr"/>
-            <a:endParaRPr lang="en-US"/>
-          </a:p>
-        </p:txBody>
-      </p:sp>
-      <p:sp>
-        <p:nvSpPr>
-          <p:cNvPr id="8" name="Down Arrow 7"/>
-          <p:cNvSpPr/>
-          <p:nvPr/>
-        </p:nvSpPr>
-        <p:spPr>
-          <a:xfrm>
-            <a:off x="3657600" y="4038600"/>
-            <a:ext cx="381000" cy="457200"/>
-          </a:xfrm>
-          <a:prstGeom prst="downArrow">
-            <a:avLst/>
-          </a:prstGeom>
-        </p:spPr>
-        <p:style>
-          <a:lnRef idx="2">
-            <a:schemeClr val="accent1">
-              <a:shade val="50000"/>
-            </a:schemeClr>
-          </a:lnRef>
-          <a:fillRef idx="1">
-            <a:schemeClr val="accent1"/>
-          </a:fillRef>
-          <a:effectRef idx="0">
-            <a:schemeClr val="accent1"/>
-          </a:effectRef>
-          <a:fontRef idx="minor">
-            <a:schemeClr val="lt1"/>
-          </a:fontRef>
-        </p:style>
-        <p:txBody>
-          <a:bodyPr rtlCol="0" anchor="ctr"/>
-          <a:lstStyle/>
-          <a:p>
-            <a:pPr algn="ctr"/>
-            <a:endParaRPr lang="en-US"/>
+          <a:bodyPr wrap="square" rtlCol="0">
+            <a:spAutoFit/>
+          </a:bodyPr>
+          <a:lstStyle/>
+          <a:p>
+            <a:r>
+              <a:rPr lang="en-US" sz="1600" b="1" dirty="0" smtClean="0"/>
+              <a:t>	to Show </a:t>
+            </a:r>
+            <a:r>
+              <a:rPr lang="en-US" sz="1600" b="1" dirty="0" err="1" smtClean="0"/>
+              <a:t>git</a:t>
+            </a:r>
+            <a:r>
+              <a:rPr lang="en-US" sz="1600" b="1" dirty="0" smtClean="0"/>
+              <a:t> files list</a:t>
+            </a:r>
+            <a:endParaRPr lang="en-US" sz="1600" b="1" dirty="0"/>
           </a:p>
         </p:txBody>
       </p:sp>
@@ -7374,14 +9754,57 @@
       </p:grpSpPr>
       <p:sp>
         <p:nvSpPr>
+          <p:cNvPr id="2" name="TextBox 1"/>
+          <p:cNvSpPr txBox="1"/>
+          <p:nvPr/>
+        </p:nvSpPr>
+        <p:spPr>
+          <a:xfrm>
+            <a:off x="1219200" y="533400"/>
+            <a:ext cx="5181600" cy="461665"/>
+          </a:xfrm>
+          <a:prstGeom prst="rect">
+            <a:avLst/>
+          </a:prstGeom>
+        </p:spPr>
+        <p:style>
+          <a:lnRef idx="1">
+            <a:schemeClr val="accent1"/>
+          </a:lnRef>
+          <a:fillRef idx="2">
+            <a:schemeClr val="accent1"/>
+          </a:fillRef>
+          <a:effectRef idx="1">
+            <a:schemeClr val="accent1"/>
+          </a:effectRef>
+          <a:fontRef idx="minor">
+            <a:schemeClr val="dk1"/>
+          </a:fontRef>
+        </p:style>
+        <p:txBody>
+          <a:bodyPr wrap="square" rtlCol="0">
+            <a:spAutoFit/>
+          </a:bodyPr>
+          <a:lstStyle/>
+          <a:p>
+            <a:r>
+              <a:rPr lang="en-US" sz="2400" dirty="0" smtClean="0"/>
+              <a:t> 	Three Tree Architecture</a:t>
+            </a:r>
+            <a:endParaRPr lang="en-US" sz="2400" dirty="0"/>
+          </a:p>
+        </p:txBody>
+      </p:sp>
+      <p:sp>
+        <p:nvSpPr>
           <p:cNvPr id="3" name="TextBox 2"/>
           <p:cNvSpPr txBox="1"/>
           <p:nvPr/>
         </p:nvSpPr>
         <p:spPr>
           <a:xfrm>
-            <a:off x="228600" y="1371600"/>
-            <a:ext cx="8534400" cy="1569660"/>
+            <a:off x="1752600" y="2286000"/>
+            <a:ext cx="4953000" cy="646331"/>
           </a:xfrm>
           <a:prstGeom prst="rect">
             <a:avLst/>
@@ -7407,56 +9830,24 @@
           </a:bodyPr>
           <a:lstStyle/>
           <a:p>
-            <a:pPr lvl="1"/>
-            <a:r>
-              <a:rPr lang="en-US" sz="4800" dirty="0" smtClean="0"/>
-              <a:t>-&gt; $ </a:t>
-            </a:r>
-            <a:r>
-              <a:rPr lang="en-US" sz="4800" dirty="0" err="1" smtClean="0"/>
-              <a:t>git</a:t>
-            </a:r>
-            <a:r>
-              <a:rPr lang="en-US" sz="4800" dirty="0" smtClean="0"/>
-              <a:t>  add </a:t>
-            </a:r>
-            <a:r>
-              <a:rPr lang="en-US" sz="4800" dirty="0" err="1" smtClean="0"/>
-              <a:t>filename.extension</a:t>
-            </a:r>
-            <a:r>
-              <a:rPr lang="en-US" sz="4800" dirty="0" smtClean="0"/>
-              <a:t/>
-            </a:r>
-            <a:br>
-              <a:rPr lang="en-US" sz="4800" dirty="0" smtClean="0"/>
-            </a:br>
-            <a:r>
-              <a:rPr lang="en-US" sz="4800" dirty="0" smtClean="0"/>
-              <a:t> Like : -&gt; $ </a:t>
-            </a:r>
-            <a:r>
-              <a:rPr lang="en-US" sz="4800" dirty="0" err="1" smtClean="0"/>
-              <a:t>git</a:t>
-            </a:r>
-            <a:r>
-              <a:rPr lang="en-US" sz="4800" dirty="0" smtClean="0"/>
-              <a:t> add main.txt </a:t>
-            </a:r>
-            <a:endParaRPr lang="en-US" sz="2000" dirty="0"/>
-          </a:p>
-        </p:txBody>
-      </p:sp>
-      <p:sp>
-        <p:nvSpPr>
-          <p:cNvPr id="5" name="Rectangle 4"/>
-          <p:cNvSpPr/>
+            <a:r>
+              <a:rPr lang="en-US" sz="3600" dirty="0" smtClean="0"/>
+              <a:t>        Working Directory</a:t>
+            </a:r>
+            <a:endParaRPr lang="en-US" sz="3600" dirty="0"/>
+          </a:p>
+        </p:txBody>
+      </p:sp>
+      <p:sp>
+        <p:nvSpPr>
+          <p:cNvPr id="4" name="TextBox 3"/>
+          <p:cNvSpPr txBox="1"/>
           <p:nvPr/>
         </p:nvSpPr>
         <p:spPr>
           <a:xfrm>
-            <a:off x="533400" y="3581400"/>
-            <a:ext cx="7772400" cy="1015663"/>
+            <a:off x="2286000" y="3429000"/>
+            <a:ext cx="3352800" cy="584775"/>
           </a:xfrm>
           <a:prstGeom prst="rect">
             <a:avLst/>
@@ -7477,53 +9868,29 @@
           </a:fontRef>
         </p:style>
         <p:txBody>
-          <a:bodyPr wrap="square">
+          <a:bodyPr wrap="square" rtlCol="0">
             <a:spAutoFit/>
           </a:bodyPr>
           <a:lstStyle/>
           <a:p>
             <a:r>
-              <a:rPr lang="en-US" sz="6000" dirty="0" smtClean="0"/>
-              <a:t>	    -&gt; </a:t>
-            </a:r>
-            <a:r>
-              <a:rPr lang="en-US" sz="6000" dirty="0" smtClean="0"/>
-              <a:t>$ </a:t>
-            </a:r>
-            <a:r>
-              <a:rPr lang="en-US" sz="6000" dirty="0" err="1" smtClean="0"/>
-              <a:t>git</a:t>
-            </a:r>
-            <a:r>
-              <a:rPr lang="en-US" sz="6000" dirty="0" smtClean="0"/>
-              <a:t>  add </a:t>
-            </a:r>
-            <a:r>
-              <a:rPr lang="en-US" sz="6000" dirty="0" smtClean="0"/>
-              <a:t>.</a:t>
-            </a:r>
-            <a:r>
               <a:rPr lang="en-US" sz="3200" dirty="0" smtClean="0"/>
-              <a:t> </a:t>
-            </a:r>
-            <a:r>
-              <a:rPr lang="en-US" sz="4400" dirty="0" smtClean="0"/>
-              <a:t>     </a:t>
-            </a:r>
-            <a:endParaRPr lang="en-US" sz="4400" dirty="0"/>
-          </a:p>
-        </p:txBody>
-      </p:sp>
-      <p:sp>
-        <p:nvSpPr>
-          <p:cNvPr id="4" name="TextBox 3"/>
+              <a:t>        Staging Area</a:t>
+            </a:r>
+            <a:endParaRPr lang="en-US" sz="3200" dirty="0"/>
+          </a:p>
+        </p:txBody>
+      </p:sp>
+      <p:sp>
+        <p:nvSpPr>
+          <p:cNvPr id="5" name="TextBox 4"/>
           <p:cNvSpPr txBox="1"/>
           <p:nvPr/>
         </p:nvSpPr>
         <p:spPr>
           <a:xfrm>
-            <a:off x="2286000" y="4648200"/>
-            <a:ext cx="4114800" cy="369332"/>
+            <a:off x="2895600" y="4495800"/>
+            <a:ext cx="2514600" cy="584775"/>
           </a:xfrm>
           <a:prstGeom prst="rect">
             <a:avLst/>
@@ -7531,13 +9898,13 @@
         </p:spPr>
         <p:style>
           <a:lnRef idx="2">
-            <a:schemeClr val="accent1"/>
+            <a:schemeClr val="accent2"/>
           </a:lnRef>
           <a:fillRef idx="1">
             <a:schemeClr val="lt1"/>
           </a:fillRef>
           <a:effectRef idx="0">
-            <a:schemeClr val="accent1"/>
+            <a:schemeClr val="accent2"/>
           </a:effectRef>
           <a:fontRef idx="minor">
             <a:schemeClr val="dk1"/>
@@ -7550,10 +9917,90 @@
           <a:lstStyle/>
           <a:p>
             <a:r>
-              <a:rPr lang="en-US" b="1" dirty="0" smtClean="0"/>
-              <a:t>	          add all file </a:t>
-            </a:r>
-            <a:endParaRPr lang="en-US" b="1" dirty="0"/>
+              <a:rPr lang="en-US" sz="3200" dirty="0" smtClean="0"/>
+              <a:t>   Repository</a:t>
+            </a:r>
+            <a:endParaRPr lang="en-US" sz="3200" dirty="0"/>
+          </a:p>
+        </p:txBody>
+      </p:sp>
+      <p:sp>
+        <p:nvSpPr>
+          <p:cNvPr id="7" name="Down Arrow 6"/>
+          <p:cNvSpPr/>
+          <p:nvPr/>
+        </p:nvSpPr>
+        <p:spPr>
+          <a:xfrm>
+            <a:off x="3581400" y="2971800"/>
+            <a:ext cx="381000" cy="457200"/>
+          </a:xfrm>
+          <a:prstGeom prst="downArrow">
+            <a:avLst/>
+          </a:prstGeom>
+        </p:spPr>
+        <p:style>
+          <a:lnRef idx="2">
+            <a:schemeClr val="accent1">
+              <a:shade val="50000"/>
+            </a:schemeClr>
+          </a:lnRef>
+          <a:fillRef idx="1">
+            <a:schemeClr val="accent1"/>
+          </a:fillRef>
+          <a:effectRef idx="0">
+            <a:schemeClr val="accent1"/>
+          </a:effectRef>
+          <a:fontRef idx="minor">
+            <a:schemeClr val="lt1"/>
+          </a:fontRef>
+        </p:style>
+        <p:txBody>
+          <a:bodyPr rtlCol="0" anchor="ctr"/>
+          <a:lstStyle/>
+          <a:p>
+            <a:pPr algn="ctr"/>
+            <a:endParaRPr lang="en-US"/>
+          </a:p>
+        </p:txBody>
+      </p:sp>
+      <p:sp>
+        <p:nvSpPr>
+          <p:cNvPr id="8" name="Down Arrow 7"/>
+          <p:cNvSpPr/>
+          <p:nvPr/>
+        </p:nvSpPr>
+        <p:spPr>
+          <a:xfrm>
+            <a:off x="3657600" y="4038600"/>
+            <a:ext cx="381000" cy="457200"/>
+          </a:xfrm>
+          <a:prstGeom prst="downArrow">
+            <a:avLst/>
+          </a:prstGeom>
+        </p:spPr>
+        <p:style>
+          <a:lnRef idx="2">
+            <a:schemeClr val="accent1">
+              <a:shade val="50000"/>
+            </a:schemeClr>
+          </a:lnRef>
+          <a:fillRef idx="1">
+            <a:schemeClr val="accent1"/>
+          </a:fillRef>
+          <a:effectRef idx="0">
+            <a:schemeClr val="accent1"/>
+          </a:effectRef>
+          <a:fontRef idx="minor">
+            <a:schemeClr val="lt1"/>
+          </a:fontRef>
+        </p:style>
+        <p:txBody>
+          <a:bodyPr rtlCol="0" anchor="ctr"/>
+          <a:lstStyle/>
+          <a:p>
+            <a:pPr algn="ctr"/>
+            <a:endParaRPr lang="en-US"/>
           </a:p>
         </p:txBody>
       </p:sp>
